--- a/ppts/Introducción Materia.pptx
+++ b/ppts/Introducción Materia.pptx
@@ -1,38 +1,38 @@
 
 <file path=ppt/presentation.xml><?xml version="1.0" encoding="utf-8"?>
-<p:presentation xmlns:a="http://schemas.openxmlformats.org/drawingml/2006/main" xmlns:r="http://schemas.openxmlformats.org/officeDocument/2006/relationships" xmlns:mc="http://schemas.openxmlformats.org/markup-compatibility/2006" xmlns:mv="urn:schemas-microsoft-com:mac:vml" xmlns:p="http://schemas.openxmlformats.org/presentationml/2006/main" xmlns:c="http://schemas.openxmlformats.org/drawingml/2006/chart" xmlns:dgm="http://schemas.openxmlformats.org/drawingml/2006/diagram" xmlns:o="urn:schemas-microsoft-com:office:office" xmlns:v="urn:schemas-microsoft-com:vml" xmlns:pvml="urn:schemas-microsoft-com:office:powerpoint" xmlns:com="http://schemas.openxmlformats.org/drawingml/2006/compatibility" xmlns:p14="http://schemas.microsoft.com/office/powerpoint/2010/main" xmlns:p15="http://schemas.microsoft.com/office/powerpoint/2012/main" xmlns:ahyp="http://schemas.microsoft.com/office/drawing/2018/hyperlinkcolor" autoCompressPictures="0" embedTrueTypeFonts="1" strictFirstAndLastChars="0" saveSubsetFonts="1">
+<p:presentation xmlns:a="http://schemas.openxmlformats.org/drawingml/2006/main" xmlns:r="http://schemas.openxmlformats.org/officeDocument/2006/relationships" xmlns:p="http://schemas.openxmlformats.org/presentationml/2006/main" strictFirstAndLastChars="0" embedTrueTypeFonts="1" saveSubsetFonts="1" autoCompressPictures="0">
   <p:sldMasterIdLst>
-    <p:sldMasterId id="2147483659" r:id="rId4"/>
+    <p:sldMasterId id="2147483659" r:id="rId1"/>
   </p:sldMasterIdLst>
   <p:notesMasterIdLst>
-    <p:notesMasterId r:id="rId5"/>
+    <p:notesMasterId r:id="rId15"/>
   </p:notesMasterIdLst>
   <p:sldIdLst>
-    <p:sldId id="256" r:id="rId6"/>
-    <p:sldId id="257" r:id="rId7"/>
-    <p:sldId id="258" r:id="rId8"/>
-    <p:sldId id="259" r:id="rId9"/>
-    <p:sldId id="260" r:id="rId10"/>
-    <p:sldId id="261" r:id="rId11"/>
-    <p:sldId id="262" r:id="rId12"/>
-    <p:sldId id="263" r:id="rId13"/>
-    <p:sldId id="264" r:id="rId14"/>
-    <p:sldId id="265" r:id="rId15"/>
-    <p:sldId id="266" r:id="rId16"/>
-    <p:sldId id="267" r:id="rId17"/>
-    <p:sldId id="268" r:id="rId18"/>
+    <p:sldId id="256" r:id="rId2"/>
+    <p:sldId id="257" r:id="rId3"/>
+    <p:sldId id="258" r:id="rId4"/>
+    <p:sldId id="259" r:id="rId5"/>
+    <p:sldId id="260" r:id="rId6"/>
+    <p:sldId id="261" r:id="rId7"/>
+    <p:sldId id="262" r:id="rId8"/>
+    <p:sldId id="263" r:id="rId9"/>
+    <p:sldId id="264" r:id="rId10"/>
+    <p:sldId id="265" r:id="rId11"/>
+    <p:sldId id="266" r:id="rId12"/>
+    <p:sldId id="267" r:id="rId13"/>
+    <p:sldId id="268" r:id="rId14"/>
   </p:sldIdLst>
-  <p:sldSz cy="5143500" cx="9144000"/>
+  <p:sldSz cx="9144000" cy="5143500" type="screen16x9"/>
   <p:notesSz cx="6858000" cy="9144000"/>
   <p:embeddedFontLst>
     <p:embeddedFont>
-      <p:font typeface="Sora"/>
-      <p:regular r:id="rId19"/>
-      <p:bold r:id="rId20"/>
+      <p:font typeface="Sora" pitchFamily="2" charset="0"/>
+      <p:regular r:id="rId16"/>
+      <p:bold r:id="rId17"/>
     </p:embeddedFont>
   </p:embeddedFontLst>
   <p:defaultTextStyle>
-    <a:defPPr lvl="0" marR="0" rtl="0" algn="l">
+    <a:defPPr marR="0" lvl="0" algn="l" rtl="0">
       <a:lnSpc>
         <a:spcPct val="100000"/>
       </a:lnSpc>
@@ -43,7 +43,7 @@
         <a:spcPts val="0"/>
       </a:spcAft>
     </a:defPPr>
-    <a:lvl1pPr lvl="0" marR="0" rtl="0" algn="l">
+    <a:lvl1pPr marR="0" lvl="0" algn="l" rtl="0">
       <a:lnSpc>
         <a:spcPct val="100000"/>
       </a:lnSpc>
@@ -57,7 +57,7 @@
         <a:srgbClr val="000000"/>
       </a:buClr>
       <a:buFont typeface="Arial"/>
-      <a:defRPr b="0" i="0" sz="1400" u="none" cap="none" strike="noStrike">
+      <a:defRPr sz="1400" b="0" i="0" u="none" strike="noStrike" cap="none">
         <a:solidFill>
           <a:srgbClr val="000000"/>
         </a:solidFill>
@@ -67,7 +67,7 @@
         <a:sym typeface="Arial"/>
       </a:defRPr>
     </a:lvl1pPr>
-    <a:lvl2pPr lvl="1" marR="0" rtl="0" algn="l">
+    <a:lvl2pPr marR="0" lvl="1" algn="l" rtl="0">
       <a:lnSpc>
         <a:spcPct val="100000"/>
       </a:lnSpc>
@@ -81,7 +81,7 @@
         <a:srgbClr val="000000"/>
       </a:buClr>
       <a:buFont typeface="Arial"/>
-      <a:defRPr b="0" i="0" sz="1400" u="none" cap="none" strike="noStrike">
+      <a:defRPr sz="1400" b="0" i="0" u="none" strike="noStrike" cap="none">
         <a:solidFill>
           <a:srgbClr val="000000"/>
         </a:solidFill>
@@ -91,7 +91,7 @@
         <a:sym typeface="Arial"/>
       </a:defRPr>
     </a:lvl2pPr>
-    <a:lvl3pPr lvl="2" marR="0" rtl="0" algn="l">
+    <a:lvl3pPr marR="0" lvl="2" algn="l" rtl="0">
       <a:lnSpc>
         <a:spcPct val="100000"/>
       </a:lnSpc>
@@ -105,7 +105,7 @@
         <a:srgbClr val="000000"/>
       </a:buClr>
       <a:buFont typeface="Arial"/>
-      <a:defRPr b="0" i="0" sz="1400" u="none" cap="none" strike="noStrike">
+      <a:defRPr sz="1400" b="0" i="0" u="none" strike="noStrike" cap="none">
         <a:solidFill>
           <a:srgbClr val="000000"/>
         </a:solidFill>
@@ -115,7 +115,7 @@
         <a:sym typeface="Arial"/>
       </a:defRPr>
     </a:lvl3pPr>
-    <a:lvl4pPr lvl="3" marR="0" rtl="0" algn="l">
+    <a:lvl4pPr marR="0" lvl="3" algn="l" rtl="0">
       <a:lnSpc>
         <a:spcPct val="100000"/>
       </a:lnSpc>
@@ -129,7 +129,7 @@
         <a:srgbClr val="000000"/>
       </a:buClr>
       <a:buFont typeface="Arial"/>
-      <a:defRPr b="0" i="0" sz="1400" u="none" cap="none" strike="noStrike">
+      <a:defRPr sz="1400" b="0" i="0" u="none" strike="noStrike" cap="none">
         <a:solidFill>
           <a:srgbClr val="000000"/>
         </a:solidFill>
@@ -139,7 +139,7 @@
         <a:sym typeface="Arial"/>
       </a:defRPr>
     </a:lvl4pPr>
-    <a:lvl5pPr lvl="4" marR="0" rtl="0" algn="l">
+    <a:lvl5pPr marR="0" lvl="4" algn="l" rtl="0">
       <a:lnSpc>
         <a:spcPct val="100000"/>
       </a:lnSpc>
@@ -153,7 +153,7 @@
         <a:srgbClr val="000000"/>
       </a:buClr>
       <a:buFont typeface="Arial"/>
-      <a:defRPr b="0" i="0" sz="1400" u="none" cap="none" strike="noStrike">
+      <a:defRPr sz="1400" b="0" i="0" u="none" strike="noStrike" cap="none">
         <a:solidFill>
           <a:srgbClr val="000000"/>
         </a:solidFill>
@@ -163,7 +163,7 @@
         <a:sym typeface="Arial"/>
       </a:defRPr>
     </a:lvl5pPr>
-    <a:lvl6pPr lvl="5" marR="0" rtl="0" algn="l">
+    <a:lvl6pPr marR="0" lvl="5" algn="l" rtl="0">
       <a:lnSpc>
         <a:spcPct val="100000"/>
       </a:lnSpc>
@@ -177,7 +177,7 @@
         <a:srgbClr val="000000"/>
       </a:buClr>
       <a:buFont typeface="Arial"/>
-      <a:defRPr b="0" i="0" sz="1400" u="none" cap="none" strike="noStrike">
+      <a:defRPr sz="1400" b="0" i="0" u="none" strike="noStrike" cap="none">
         <a:solidFill>
           <a:srgbClr val="000000"/>
         </a:solidFill>
@@ -187,7 +187,7 @@
         <a:sym typeface="Arial"/>
       </a:defRPr>
     </a:lvl6pPr>
-    <a:lvl7pPr lvl="6" marR="0" rtl="0" algn="l">
+    <a:lvl7pPr marR="0" lvl="6" algn="l" rtl="0">
       <a:lnSpc>
         <a:spcPct val="100000"/>
       </a:lnSpc>
@@ -201,7 +201,7 @@
         <a:srgbClr val="000000"/>
       </a:buClr>
       <a:buFont typeface="Arial"/>
-      <a:defRPr b="0" i="0" sz="1400" u="none" cap="none" strike="noStrike">
+      <a:defRPr sz="1400" b="0" i="0" u="none" strike="noStrike" cap="none">
         <a:solidFill>
           <a:srgbClr val="000000"/>
         </a:solidFill>
@@ -211,7 +211,7 @@
         <a:sym typeface="Arial"/>
       </a:defRPr>
     </a:lvl7pPr>
-    <a:lvl8pPr lvl="7" marR="0" rtl="0" algn="l">
+    <a:lvl8pPr marR="0" lvl="7" algn="l" rtl="0">
       <a:lnSpc>
         <a:spcPct val="100000"/>
       </a:lnSpc>
@@ -225,7 +225,7 @@
         <a:srgbClr val="000000"/>
       </a:buClr>
       <a:buFont typeface="Arial"/>
-      <a:defRPr b="0" i="0" sz="1400" u="none" cap="none" strike="noStrike">
+      <a:defRPr sz="1400" b="0" i="0" u="none" strike="noStrike" cap="none">
         <a:solidFill>
           <a:srgbClr val="000000"/>
         </a:solidFill>
@@ -235,7 +235,7 @@
         <a:sym typeface="Arial"/>
       </a:defRPr>
     </a:lvl8pPr>
-    <a:lvl9pPr lvl="8" marR="0" rtl="0" algn="l">
+    <a:lvl9pPr marR="0" lvl="8" algn="l" rtl="0">
       <a:lnSpc>
         <a:spcPct val="100000"/>
       </a:lnSpc>
@@ -249,7 +249,7 @@
         <a:srgbClr val="000000"/>
       </a:buClr>
       <a:buFont typeface="Arial"/>
-      <a:defRPr b="0" i="0" sz="1400" u="none" cap="none" strike="noStrike">
+      <a:defRPr sz="1400" b="0" i="0" u="none" strike="noStrike" cap="none">
         <a:solidFill>
           <a:srgbClr val="000000"/>
         </a:solidFill>
@@ -262,7 +262,7 @@
   </p:defaultTextStyle>
   <p:extLst>
     <p:ext uri="{EFAFB233-063F-42B5-8137-9DF3F51BA10A}">
-      <p15:sldGuideLst>
+      <p15:sldGuideLst xmlns:p15="http://schemas.microsoft.com/office/powerpoint/2012/main">
         <p15:guide id="1" orient="horz" pos="1620">
           <p15:clr>
             <a:srgbClr val="747775"/>
@@ -280,11 +280,16 @@
 </file>
 
 <file path=ppt/notesMasters/notesMaster1.xml><?xml version="1.0" encoding="utf-8"?>
-<p:notesMaster xmlns:a="http://schemas.openxmlformats.org/drawingml/2006/main" xmlns:r="http://schemas.openxmlformats.org/officeDocument/2006/relationships" xmlns:mc="http://schemas.openxmlformats.org/markup-compatibility/2006" xmlns:mv="urn:schemas-microsoft-com:mac:vml" xmlns:p="http://schemas.openxmlformats.org/presentationml/2006/main" xmlns:c="http://schemas.openxmlformats.org/drawingml/2006/chart" xmlns:dgm="http://schemas.openxmlformats.org/drawingml/2006/diagram" xmlns:o="urn:schemas-microsoft-com:office:office" xmlns:v="urn:schemas-microsoft-com:vml" xmlns:pvml="urn:schemas-microsoft-com:office:powerpoint" xmlns:com="http://schemas.openxmlformats.org/drawingml/2006/compatibility" xmlns:p14="http://schemas.microsoft.com/office/powerpoint/2010/main" xmlns:p15="http://schemas.microsoft.com/office/powerpoint/2012/main" xmlns:ahyp="http://schemas.microsoft.com/office/drawing/2018/hyperlinkcolor">
+<p:notesMaster xmlns:a="http://schemas.openxmlformats.org/drawingml/2006/main" xmlns:r="http://schemas.openxmlformats.org/officeDocument/2006/relationships" xmlns:p="http://schemas.openxmlformats.org/presentationml/2006/main">
   <p:cSld>
+    <p:bg>
+      <p:bgRef idx="1001">
+        <a:schemeClr val="bg1"/>
+      </p:bgRef>
+    </p:bg>
     <p:spTree>
       <p:nvGrpSpPr>
-        <p:cNvPr id="2" name="Shape 2"/>
+        <p:cNvPr id="1" name="Shape 2"/>
         <p:cNvGrpSpPr/>
         <p:nvPr/>
       </p:nvGrpSpPr>
@@ -299,9 +304,11 @@
       <p:sp>
         <p:nvSpPr>
           <p:cNvPr id="3" name="Google Shape;3;n"/>
-          <p:cNvSpPr/>
+          <p:cNvSpPr>
+            <a:spLocks noGrp="1" noRot="1" noChangeAspect="1"/>
+          </p:cNvSpPr>
           <p:nvPr>
-            <p:ph idx="2" type="sldImg"/>
+            <p:ph type="sldImg" idx="2"/>
           </p:nvPr>
         </p:nvSpPr>
         <p:spPr>
@@ -310,9 +317,13 @@
             <a:ext cx="6096075" cy="3429000"/>
           </a:xfrm>
           <a:custGeom>
-            <a:rect b="b" l="l" r="r" t="t"/>
+            <a:avLst/>
+            <a:gdLst/>
+            <a:ahLst/>
+            <a:cxnLst/>
+            <a:rect l="l" t="t" r="r" b="b"/>
             <a:pathLst>
-              <a:path extrusionOk="0" h="120000" w="120000">
+              <a:path w="120000" h="120000" extrusionOk="0">
                 <a:moveTo>
                   <a:pt x="0" y="0"/>
                 </a:moveTo>
@@ -330,23 +341,25 @@
             </a:pathLst>
           </a:custGeom>
           <a:noFill/>
-          <a:ln cap="flat" cmpd="sng" w="9525">
+          <a:ln w="9525" cap="flat" cmpd="sng">
             <a:solidFill>
               <a:srgbClr val="000000"/>
             </a:solidFill>
             <a:prstDash val="solid"/>
             <a:round/>
-            <a:headEnd len="sm" w="sm" type="none"/>
-            <a:tailEnd len="sm" w="sm" type="none"/>
+            <a:headEnd type="none" w="sm" len="sm"/>
+            <a:tailEnd type="none" w="sm" len="sm"/>
           </a:ln>
         </p:spPr>
       </p:sp>
       <p:sp>
         <p:nvSpPr>
           <p:cNvPr id="4" name="Google Shape;4;n"/>
-          <p:cNvSpPr txBox="1"/>
+          <p:cNvSpPr txBox="1">
+            <a:spLocks noGrp="1"/>
+          </p:cNvSpPr>
           <p:nvPr>
-            <p:ph idx="1" type="body"/>
+            <p:ph type="body" idx="1"/>
           </p:nvPr>
         </p:nvSpPr>
         <p:spPr>
@@ -363,11 +376,11 @@
           </a:ln>
         </p:spPr>
         <p:txBody>
-          <a:bodyPr anchorCtr="0" anchor="t" bIns="91425" lIns="91425" spcFirstLastPara="1" rIns="91425" wrap="square" tIns="91425">
+          <a:bodyPr spcFirstLastPara="1" wrap="square" lIns="91425" tIns="91425" rIns="91425" bIns="91425" anchor="t" anchorCtr="0">
             <a:noAutofit/>
           </a:bodyPr>
           <a:lstStyle>
-            <a:lvl1pPr indent="-298450" lvl="0" marL="457200">
+            <a:lvl1pPr marL="457200" lvl="0" indent="-298450">
               <a:spcBef>
                 <a:spcPts val="0"/>
               </a:spcBef>
@@ -378,7 +391,7 @@
               <a:buChar char="●"/>
               <a:defRPr sz="1100"/>
             </a:lvl1pPr>
-            <a:lvl2pPr indent="-298450" lvl="1" marL="914400">
+            <a:lvl2pPr marL="914400" lvl="1" indent="-298450">
               <a:spcBef>
                 <a:spcPts val="0"/>
               </a:spcBef>
@@ -389,7 +402,7 @@
               <a:buChar char="○"/>
               <a:defRPr sz="1100"/>
             </a:lvl2pPr>
-            <a:lvl3pPr indent="-298450" lvl="2" marL="1371600">
+            <a:lvl3pPr marL="1371600" lvl="2" indent="-298450">
               <a:spcBef>
                 <a:spcPts val="0"/>
               </a:spcBef>
@@ -400,7 +413,7 @@
               <a:buChar char="■"/>
               <a:defRPr sz="1100"/>
             </a:lvl3pPr>
-            <a:lvl4pPr indent="-298450" lvl="3" marL="1828800">
+            <a:lvl4pPr marL="1828800" lvl="3" indent="-298450">
               <a:spcBef>
                 <a:spcPts val="0"/>
               </a:spcBef>
@@ -411,7 +424,7 @@
               <a:buChar char="●"/>
               <a:defRPr sz="1100"/>
             </a:lvl4pPr>
-            <a:lvl5pPr indent="-298450" lvl="4" marL="2286000">
+            <a:lvl5pPr marL="2286000" lvl="4" indent="-298450">
               <a:spcBef>
                 <a:spcPts val="0"/>
               </a:spcBef>
@@ -422,7 +435,7 @@
               <a:buChar char="○"/>
               <a:defRPr sz="1100"/>
             </a:lvl5pPr>
-            <a:lvl6pPr indent="-298450" lvl="5" marL="2743200">
+            <a:lvl6pPr marL="2743200" lvl="5" indent="-298450">
               <a:spcBef>
                 <a:spcPts val="0"/>
               </a:spcBef>
@@ -433,7 +446,7 @@
               <a:buChar char="■"/>
               <a:defRPr sz="1100"/>
             </a:lvl6pPr>
-            <a:lvl7pPr indent="-298450" lvl="6" marL="3200400">
+            <a:lvl7pPr marL="3200400" lvl="6" indent="-298450">
               <a:spcBef>
                 <a:spcPts val="0"/>
               </a:spcBef>
@@ -444,7 +457,7 @@
               <a:buChar char="●"/>
               <a:defRPr sz="1100"/>
             </a:lvl7pPr>
-            <a:lvl8pPr indent="-298450" lvl="7" marL="3657600">
+            <a:lvl8pPr marL="3657600" lvl="7" indent="-298450">
               <a:spcBef>
                 <a:spcPts val="0"/>
               </a:spcBef>
@@ -455,7 +468,7 @@
               <a:buChar char="○"/>
               <a:defRPr sz="1100"/>
             </a:lvl8pPr>
-            <a:lvl9pPr indent="-298450" lvl="8" marL="4114800">
+            <a:lvl9pPr marL="4114800" lvl="8" indent="-298450">
               <a:spcBef>
                 <a:spcPts val="0"/>
               </a:spcBef>
@@ -467,14 +480,16 @@
               <a:defRPr sz="1100"/>
             </a:lvl9pPr>
           </a:lstStyle>
-          <a:p/>
+          <a:p>
+            <a:endParaRPr/>
+          </a:p>
         </p:txBody>
       </p:sp>
     </p:spTree>
   </p:cSld>
-  <p:clrMap accent1="accent1" accent2="accent2" accent3="accent3" accent4="accent4" accent5="accent5" accent6="accent6" bg1="lt1" bg2="dk2" tx1="dk1" tx2="lt2" folHlink="folHlink" hlink="hlink"/>
+  <p:clrMap bg1="lt1" tx1="dk1" bg2="dk2" tx2="lt2" accent1="accent1" accent2="accent2" accent3="accent3" accent4="accent4" accent5="accent5" accent6="accent6" hlink="hlink" folHlink="folHlink"/>
   <p:notesStyle>
-    <a:defPPr lvl="0" marR="0" rtl="0" algn="l">
+    <a:defPPr marR="0" lvl="0" algn="l" rtl="0">
       <a:lnSpc>
         <a:spcPct val="100000"/>
       </a:lnSpc>
@@ -485,7 +500,7 @@
         <a:spcPts val="0"/>
       </a:spcAft>
     </a:defPPr>
-    <a:lvl1pPr lvl="0" marR="0" rtl="0" algn="l">
+    <a:lvl1pPr marR="0" lvl="0" algn="l" rtl="0">
       <a:lnSpc>
         <a:spcPct val="100000"/>
       </a:lnSpc>
@@ -499,7 +514,7 @@
         <a:srgbClr val="000000"/>
       </a:buClr>
       <a:buFont typeface="Arial"/>
-      <a:defRPr b="0" i="0" sz="1400" u="none" cap="none" strike="noStrike">
+      <a:defRPr sz="1400" b="0" i="0" u="none" strike="noStrike" cap="none">
         <a:solidFill>
           <a:srgbClr val="000000"/>
         </a:solidFill>
@@ -509,7 +524,7 @@
         <a:sym typeface="Arial"/>
       </a:defRPr>
     </a:lvl1pPr>
-    <a:lvl2pPr lvl="1" marR="0" rtl="0" algn="l">
+    <a:lvl2pPr marR="0" lvl="1" algn="l" rtl="0">
       <a:lnSpc>
         <a:spcPct val="100000"/>
       </a:lnSpc>
@@ -523,7 +538,7 @@
         <a:srgbClr val="000000"/>
       </a:buClr>
       <a:buFont typeface="Arial"/>
-      <a:defRPr b="0" i="0" sz="1400" u="none" cap="none" strike="noStrike">
+      <a:defRPr sz="1400" b="0" i="0" u="none" strike="noStrike" cap="none">
         <a:solidFill>
           <a:srgbClr val="000000"/>
         </a:solidFill>
@@ -533,7 +548,7 @@
         <a:sym typeface="Arial"/>
       </a:defRPr>
     </a:lvl2pPr>
-    <a:lvl3pPr lvl="2" marR="0" rtl="0" algn="l">
+    <a:lvl3pPr marR="0" lvl="2" algn="l" rtl="0">
       <a:lnSpc>
         <a:spcPct val="100000"/>
       </a:lnSpc>
@@ -547,7 +562,7 @@
         <a:srgbClr val="000000"/>
       </a:buClr>
       <a:buFont typeface="Arial"/>
-      <a:defRPr b="0" i="0" sz="1400" u="none" cap="none" strike="noStrike">
+      <a:defRPr sz="1400" b="0" i="0" u="none" strike="noStrike" cap="none">
         <a:solidFill>
           <a:srgbClr val="000000"/>
         </a:solidFill>
@@ -557,7 +572,7 @@
         <a:sym typeface="Arial"/>
       </a:defRPr>
     </a:lvl3pPr>
-    <a:lvl4pPr lvl="3" marR="0" rtl="0" algn="l">
+    <a:lvl4pPr marR="0" lvl="3" algn="l" rtl="0">
       <a:lnSpc>
         <a:spcPct val="100000"/>
       </a:lnSpc>
@@ -571,7 +586,7 @@
         <a:srgbClr val="000000"/>
       </a:buClr>
       <a:buFont typeface="Arial"/>
-      <a:defRPr b="0" i="0" sz="1400" u="none" cap="none" strike="noStrike">
+      <a:defRPr sz="1400" b="0" i="0" u="none" strike="noStrike" cap="none">
         <a:solidFill>
           <a:srgbClr val="000000"/>
         </a:solidFill>
@@ -581,7 +596,7 @@
         <a:sym typeface="Arial"/>
       </a:defRPr>
     </a:lvl4pPr>
-    <a:lvl5pPr lvl="4" marR="0" rtl="0" algn="l">
+    <a:lvl5pPr marR="0" lvl="4" algn="l" rtl="0">
       <a:lnSpc>
         <a:spcPct val="100000"/>
       </a:lnSpc>
@@ -595,7 +610,7 @@
         <a:srgbClr val="000000"/>
       </a:buClr>
       <a:buFont typeface="Arial"/>
-      <a:defRPr b="0" i="0" sz="1400" u="none" cap="none" strike="noStrike">
+      <a:defRPr sz="1400" b="0" i="0" u="none" strike="noStrike" cap="none">
         <a:solidFill>
           <a:srgbClr val="000000"/>
         </a:solidFill>
@@ -605,7 +620,7 @@
         <a:sym typeface="Arial"/>
       </a:defRPr>
     </a:lvl5pPr>
-    <a:lvl6pPr lvl="5" marR="0" rtl="0" algn="l">
+    <a:lvl6pPr marR="0" lvl="5" algn="l" rtl="0">
       <a:lnSpc>
         <a:spcPct val="100000"/>
       </a:lnSpc>
@@ -619,7 +634,7 @@
         <a:srgbClr val="000000"/>
       </a:buClr>
       <a:buFont typeface="Arial"/>
-      <a:defRPr b="0" i="0" sz="1400" u="none" cap="none" strike="noStrike">
+      <a:defRPr sz="1400" b="0" i="0" u="none" strike="noStrike" cap="none">
         <a:solidFill>
           <a:srgbClr val="000000"/>
         </a:solidFill>
@@ -629,7 +644,7 @@
         <a:sym typeface="Arial"/>
       </a:defRPr>
     </a:lvl6pPr>
-    <a:lvl7pPr lvl="6" marR="0" rtl="0" algn="l">
+    <a:lvl7pPr marR="0" lvl="6" algn="l" rtl="0">
       <a:lnSpc>
         <a:spcPct val="100000"/>
       </a:lnSpc>
@@ -643,7 +658,7 @@
         <a:srgbClr val="000000"/>
       </a:buClr>
       <a:buFont typeface="Arial"/>
-      <a:defRPr b="0" i="0" sz="1400" u="none" cap="none" strike="noStrike">
+      <a:defRPr sz="1400" b="0" i="0" u="none" strike="noStrike" cap="none">
         <a:solidFill>
           <a:srgbClr val="000000"/>
         </a:solidFill>
@@ -653,7 +668,7 @@
         <a:sym typeface="Arial"/>
       </a:defRPr>
     </a:lvl7pPr>
-    <a:lvl8pPr lvl="7" marR="0" rtl="0" algn="l">
+    <a:lvl8pPr marR="0" lvl="7" algn="l" rtl="0">
       <a:lnSpc>
         <a:spcPct val="100000"/>
       </a:lnSpc>
@@ -667,7 +682,7 @@
         <a:srgbClr val="000000"/>
       </a:buClr>
       <a:buFont typeface="Arial"/>
-      <a:defRPr b="0" i="0" sz="1400" u="none" cap="none" strike="noStrike">
+      <a:defRPr sz="1400" b="0" i="0" u="none" strike="noStrike" cap="none">
         <a:solidFill>
           <a:srgbClr val="000000"/>
         </a:solidFill>
@@ -677,7 +692,7 @@
         <a:sym typeface="Arial"/>
       </a:defRPr>
     </a:lvl8pPr>
-    <a:lvl9pPr lvl="8" marR="0" rtl="0" algn="l">
+    <a:lvl9pPr marR="0" lvl="8" algn="l" rtl="0">
       <a:lnSpc>
         <a:spcPct val="100000"/>
       </a:lnSpc>
@@ -691,7 +706,7 @@
         <a:srgbClr val="000000"/>
       </a:buClr>
       <a:buFont typeface="Arial"/>
-      <a:defRPr b="0" i="0" sz="1400" u="none" cap="none" strike="noStrike">
+      <a:defRPr sz="1400" b="0" i="0" u="none" strike="noStrike" cap="none">
         <a:solidFill>
           <a:srgbClr val="000000"/>
         </a:solidFill>
@@ -706,11 +721,11 @@
 </file>
 
 <file path=ppt/notesSlides/notesSlide1.xml><?xml version="1.0" encoding="utf-8"?>
-<p:notes xmlns:a="http://schemas.openxmlformats.org/drawingml/2006/main" xmlns:r="http://schemas.openxmlformats.org/officeDocument/2006/relationships" xmlns:mc="http://schemas.openxmlformats.org/markup-compatibility/2006" xmlns:mv="urn:schemas-microsoft-com:mac:vml" xmlns:p="http://schemas.openxmlformats.org/presentationml/2006/main" xmlns:c="http://schemas.openxmlformats.org/drawingml/2006/chart" xmlns:dgm="http://schemas.openxmlformats.org/drawingml/2006/diagram" xmlns:o="urn:schemas-microsoft-com:office:office" xmlns:v="urn:schemas-microsoft-com:vml" xmlns:pvml="urn:schemas-microsoft-com:office:powerpoint" xmlns:com="http://schemas.openxmlformats.org/drawingml/2006/compatibility" xmlns:p14="http://schemas.microsoft.com/office/powerpoint/2010/main" xmlns:p15="http://schemas.microsoft.com/office/powerpoint/2012/main" xmlns:ahyp="http://schemas.microsoft.com/office/drawing/2018/hyperlinkcolor" showMasterPhAnim="0" showMasterSp="0">
+<p:notes xmlns:a="http://schemas.openxmlformats.org/drawingml/2006/main" xmlns:r="http://schemas.openxmlformats.org/officeDocument/2006/relationships" xmlns:p="http://schemas.openxmlformats.org/presentationml/2006/main" showMasterSp="0" showMasterPhAnim="0">
   <p:cSld>
     <p:spTree>
       <p:nvGrpSpPr>
-        <p:cNvPr id="50" name="Shape 50"/>
+        <p:cNvPr id="1" name="Shape 50"/>
         <p:cNvGrpSpPr/>
         <p:nvPr/>
       </p:nvGrpSpPr>
@@ -725,9 +740,11 @@
       <p:sp>
         <p:nvSpPr>
           <p:cNvPr id="51" name="Google Shape;51;p:notes"/>
-          <p:cNvSpPr/>
+          <p:cNvSpPr>
+            <a:spLocks noGrp="1" noRot="1" noChangeAspect="1"/>
+          </p:cNvSpPr>
           <p:nvPr>
-            <p:ph idx="2" type="sldImg"/>
+            <p:ph type="sldImg" idx="2"/>
           </p:nvPr>
         </p:nvSpPr>
         <p:spPr>
@@ -736,9 +753,13 @@
             <a:ext cx="6096075" cy="3429000"/>
           </a:xfrm>
           <a:custGeom>
-            <a:rect b="b" l="l" r="r" t="t"/>
+            <a:avLst/>
+            <a:gdLst/>
+            <a:ahLst/>
+            <a:cxnLst/>
+            <a:rect l="l" t="t" r="r" b="b"/>
             <a:pathLst>
-              <a:path extrusionOk="0" h="120000" w="120000">
+              <a:path w="120000" h="120000" extrusionOk="0">
                 <a:moveTo>
                   <a:pt x="0" y="0"/>
                 </a:moveTo>
@@ -760,9 +781,11 @@
       <p:sp>
         <p:nvSpPr>
           <p:cNvPr id="52" name="Google Shape;52;p:notes"/>
-          <p:cNvSpPr txBox="1"/>
+          <p:cNvSpPr txBox="1">
+            <a:spLocks noGrp="1"/>
+          </p:cNvSpPr>
           <p:nvPr>
-            <p:ph idx="1" type="body"/>
+            <p:ph type="body" idx="1"/>
           </p:nvPr>
         </p:nvSpPr>
         <p:spPr>
@@ -775,12 +798,12 @@
           </a:prstGeom>
         </p:spPr>
         <p:txBody>
-          <a:bodyPr anchorCtr="0" anchor="t" bIns="91425" lIns="91425" spcFirstLastPara="1" rIns="91425" wrap="square" tIns="91425">
+          <a:bodyPr spcFirstLastPara="1" wrap="square" lIns="91425" tIns="91425" rIns="91425" bIns="91425" anchor="t" anchorCtr="0">
             <a:noAutofit/>
           </a:bodyPr>
           <a:lstStyle/>
           <a:p>
-            <a:pPr indent="0" lvl="0" marL="0" rtl="0" algn="l">
+            <a:pPr marL="0" lvl="0" indent="0" algn="l" rtl="0">
               <a:spcBef>
                 <a:spcPts val="0"/>
               </a:spcBef>
@@ -789,9 +812,6 @@
               </a:spcAft>
               <a:buNone/>
             </a:pPr>
-            <a:r>
-              <a:t/>
-            </a:r>
             <a:endParaRPr/>
           </a:p>
         </p:txBody>
@@ -805,11 +825,11 @@
 </file>
 
 <file path=ppt/notesSlides/notesSlide10.xml><?xml version="1.0" encoding="utf-8"?>
-<p:notes xmlns:a="http://schemas.openxmlformats.org/drawingml/2006/main" xmlns:r="http://schemas.openxmlformats.org/officeDocument/2006/relationships" xmlns:mc="http://schemas.openxmlformats.org/markup-compatibility/2006" xmlns:mv="urn:schemas-microsoft-com:mac:vml" xmlns:p="http://schemas.openxmlformats.org/presentationml/2006/main" xmlns:c="http://schemas.openxmlformats.org/drawingml/2006/chart" xmlns:dgm="http://schemas.openxmlformats.org/drawingml/2006/diagram" xmlns:o="urn:schemas-microsoft-com:office:office" xmlns:v="urn:schemas-microsoft-com:vml" xmlns:pvml="urn:schemas-microsoft-com:office:powerpoint" xmlns:com="http://schemas.openxmlformats.org/drawingml/2006/compatibility" xmlns:p14="http://schemas.microsoft.com/office/powerpoint/2010/main" xmlns:p15="http://schemas.microsoft.com/office/powerpoint/2012/main" xmlns:ahyp="http://schemas.microsoft.com/office/drawing/2018/hyperlinkcolor" showMasterPhAnim="0" showMasterSp="0">
+<p:notes xmlns:a="http://schemas.openxmlformats.org/drawingml/2006/main" xmlns:r="http://schemas.openxmlformats.org/officeDocument/2006/relationships" xmlns:p="http://schemas.openxmlformats.org/presentationml/2006/main" showMasterSp="0" showMasterPhAnim="0">
   <p:cSld>
     <p:spTree>
       <p:nvGrpSpPr>
-        <p:cNvPr id="183" name="Shape 183"/>
+        <p:cNvPr id="1" name="Shape 183"/>
         <p:cNvGrpSpPr/>
         <p:nvPr/>
       </p:nvGrpSpPr>
@@ -824,9 +844,11 @@
       <p:sp>
         <p:nvSpPr>
           <p:cNvPr id="184" name="Google Shape;184;g202fefc93e3_0_172:notes"/>
-          <p:cNvSpPr/>
+          <p:cNvSpPr>
+            <a:spLocks noGrp="1" noRot="1" noChangeAspect="1"/>
+          </p:cNvSpPr>
           <p:nvPr>
-            <p:ph idx="2" type="sldImg"/>
+            <p:ph type="sldImg" idx="2"/>
           </p:nvPr>
         </p:nvSpPr>
         <p:spPr>
@@ -835,9 +857,13 @@
             <a:ext cx="6096000" cy="3429000"/>
           </a:xfrm>
           <a:custGeom>
-            <a:rect b="b" l="l" r="r" t="t"/>
+            <a:avLst/>
+            <a:gdLst/>
+            <a:ahLst/>
+            <a:cxnLst/>
+            <a:rect l="l" t="t" r="r" b="b"/>
             <a:pathLst>
-              <a:path extrusionOk="0" h="120000" w="120000">
+              <a:path w="120000" h="120000" extrusionOk="0">
                 <a:moveTo>
                   <a:pt x="0" y="0"/>
                 </a:moveTo>
@@ -859,9 +885,11 @@
       <p:sp>
         <p:nvSpPr>
           <p:cNvPr id="185" name="Google Shape;185;g202fefc93e3_0_172:notes"/>
-          <p:cNvSpPr txBox="1"/>
+          <p:cNvSpPr txBox="1">
+            <a:spLocks noGrp="1"/>
+          </p:cNvSpPr>
           <p:nvPr>
-            <p:ph idx="1" type="body"/>
+            <p:ph type="body" idx="1"/>
           </p:nvPr>
         </p:nvSpPr>
         <p:spPr>
@@ -874,12 +902,12 @@
           </a:prstGeom>
         </p:spPr>
         <p:txBody>
-          <a:bodyPr anchorCtr="0" anchor="t" bIns="91425" lIns="91425" spcFirstLastPara="1" rIns="91425" wrap="square" tIns="91425">
+          <a:bodyPr spcFirstLastPara="1" wrap="square" lIns="91425" tIns="91425" rIns="91425" bIns="91425" anchor="t" anchorCtr="0">
             <a:noAutofit/>
           </a:bodyPr>
           <a:lstStyle/>
           <a:p>
-            <a:pPr indent="0" lvl="0" marL="0" rtl="0" algn="l">
+            <a:pPr marL="0" lvl="0" indent="0" algn="l" rtl="0">
               <a:spcBef>
                 <a:spcPts val="0"/>
               </a:spcBef>
@@ -888,9 +916,6 @@
               </a:spcAft>
               <a:buNone/>
             </a:pPr>
-            <a:r>
-              <a:t/>
-            </a:r>
             <a:endParaRPr/>
           </a:p>
         </p:txBody>
@@ -904,11 +929,11 @@
 </file>
 
 <file path=ppt/notesSlides/notesSlide11.xml><?xml version="1.0" encoding="utf-8"?>
-<p:notes xmlns:a="http://schemas.openxmlformats.org/drawingml/2006/main" xmlns:r="http://schemas.openxmlformats.org/officeDocument/2006/relationships" xmlns:mc="http://schemas.openxmlformats.org/markup-compatibility/2006" xmlns:mv="urn:schemas-microsoft-com:mac:vml" xmlns:p="http://schemas.openxmlformats.org/presentationml/2006/main" xmlns:c="http://schemas.openxmlformats.org/drawingml/2006/chart" xmlns:dgm="http://schemas.openxmlformats.org/drawingml/2006/diagram" xmlns:o="urn:schemas-microsoft-com:office:office" xmlns:v="urn:schemas-microsoft-com:vml" xmlns:pvml="urn:schemas-microsoft-com:office:powerpoint" xmlns:com="http://schemas.openxmlformats.org/drawingml/2006/compatibility" xmlns:p14="http://schemas.microsoft.com/office/powerpoint/2010/main" xmlns:p15="http://schemas.microsoft.com/office/powerpoint/2012/main" xmlns:ahyp="http://schemas.microsoft.com/office/drawing/2018/hyperlinkcolor" showMasterPhAnim="0" showMasterSp="0">
+<p:notes xmlns:a="http://schemas.openxmlformats.org/drawingml/2006/main" xmlns:r="http://schemas.openxmlformats.org/officeDocument/2006/relationships" xmlns:p="http://schemas.openxmlformats.org/presentationml/2006/main" showMasterSp="0" showMasterPhAnim="0">
   <p:cSld>
     <p:spTree>
       <p:nvGrpSpPr>
-        <p:cNvPr id="203" name="Shape 203"/>
+        <p:cNvPr id="1" name="Shape 203"/>
         <p:cNvGrpSpPr/>
         <p:nvPr/>
       </p:nvGrpSpPr>
@@ -923,9 +948,11 @@
       <p:sp>
         <p:nvSpPr>
           <p:cNvPr id="204" name="Google Shape;204;g202fefc93e3_0_210:notes"/>
-          <p:cNvSpPr/>
+          <p:cNvSpPr>
+            <a:spLocks noGrp="1" noRot="1" noChangeAspect="1"/>
+          </p:cNvSpPr>
           <p:nvPr>
-            <p:ph idx="2" type="sldImg"/>
+            <p:ph type="sldImg" idx="2"/>
           </p:nvPr>
         </p:nvSpPr>
         <p:spPr>
@@ -934,9 +961,13 @@
             <a:ext cx="6096000" cy="3429000"/>
           </a:xfrm>
           <a:custGeom>
-            <a:rect b="b" l="l" r="r" t="t"/>
+            <a:avLst/>
+            <a:gdLst/>
+            <a:ahLst/>
+            <a:cxnLst/>
+            <a:rect l="l" t="t" r="r" b="b"/>
             <a:pathLst>
-              <a:path extrusionOk="0" h="120000" w="120000">
+              <a:path w="120000" h="120000" extrusionOk="0">
                 <a:moveTo>
                   <a:pt x="0" y="0"/>
                 </a:moveTo>
@@ -958,9 +989,11 @@
       <p:sp>
         <p:nvSpPr>
           <p:cNvPr id="205" name="Google Shape;205;g202fefc93e3_0_210:notes"/>
-          <p:cNvSpPr txBox="1"/>
+          <p:cNvSpPr txBox="1">
+            <a:spLocks noGrp="1"/>
+          </p:cNvSpPr>
           <p:nvPr>
-            <p:ph idx="1" type="body"/>
+            <p:ph type="body" idx="1"/>
           </p:nvPr>
         </p:nvSpPr>
         <p:spPr>
@@ -973,12 +1006,12 @@
           </a:prstGeom>
         </p:spPr>
         <p:txBody>
-          <a:bodyPr anchorCtr="0" anchor="t" bIns="91425" lIns="91425" spcFirstLastPara="1" rIns="91425" wrap="square" tIns="91425">
+          <a:bodyPr spcFirstLastPara="1" wrap="square" lIns="91425" tIns="91425" rIns="91425" bIns="91425" anchor="t" anchorCtr="0">
             <a:noAutofit/>
           </a:bodyPr>
           <a:lstStyle/>
           <a:p>
-            <a:pPr indent="0" lvl="0" marL="0" rtl="0" algn="l">
+            <a:pPr marL="0" lvl="0" indent="0" algn="l" rtl="0">
               <a:spcBef>
                 <a:spcPts val="0"/>
               </a:spcBef>
@@ -987,9 +1020,6 @@
               </a:spcAft>
               <a:buNone/>
             </a:pPr>
-            <a:r>
-              <a:t/>
-            </a:r>
             <a:endParaRPr/>
           </a:p>
         </p:txBody>
@@ -1003,11 +1033,11 @@
 </file>
 
 <file path=ppt/notesSlides/notesSlide12.xml><?xml version="1.0" encoding="utf-8"?>
-<p:notes xmlns:a="http://schemas.openxmlformats.org/drawingml/2006/main" xmlns:r="http://schemas.openxmlformats.org/officeDocument/2006/relationships" xmlns:mc="http://schemas.openxmlformats.org/markup-compatibility/2006" xmlns:mv="urn:schemas-microsoft-com:mac:vml" xmlns:p="http://schemas.openxmlformats.org/presentationml/2006/main" xmlns:c="http://schemas.openxmlformats.org/drawingml/2006/chart" xmlns:dgm="http://schemas.openxmlformats.org/drawingml/2006/diagram" xmlns:o="urn:schemas-microsoft-com:office:office" xmlns:v="urn:schemas-microsoft-com:vml" xmlns:pvml="urn:schemas-microsoft-com:office:powerpoint" xmlns:com="http://schemas.openxmlformats.org/drawingml/2006/compatibility" xmlns:p14="http://schemas.microsoft.com/office/powerpoint/2010/main" xmlns:p15="http://schemas.microsoft.com/office/powerpoint/2012/main" xmlns:ahyp="http://schemas.microsoft.com/office/drawing/2018/hyperlinkcolor" showMasterPhAnim="0" showMasterSp="0">
+<p:notes xmlns:a="http://schemas.openxmlformats.org/drawingml/2006/main" xmlns:r="http://schemas.openxmlformats.org/officeDocument/2006/relationships" xmlns:p="http://schemas.openxmlformats.org/presentationml/2006/main" showMasterSp="0" showMasterPhAnim="0">
   <p:cSld>
     <p:spTree>
       <p:nvGrpSpPr>
-        <p:cNvPr id="219" name="Shape 219"/>
+        <p:cNvPr id="1" name="Shape 219"/>
         <p:cNvGrpSpPr/>
         <p:nvPr/>
       </p:nvGrpSpPr>
@@ -1022,9 +1052,11 @@
       <p:sp>
         <p:nvSpPr>
           <p:cNvPr id="220" name="Google Shape;220;g20dcb5e0dd2_1_3:notes"/>
-          <p:cNvSpPr/>
+          <p:cNvSpPr>
+            <a:spLocks noGrp="1" noRot="1" noChangeAspect="1"/>
+          </p:cNvSpPr>
           <p:nvPr>
-            <p:ph idx="2" type="sldImg"/>
+            <p:ph type="sldImg" idx="2"/>
           </p:nvPr>
         </p:nvSpPr>
         <p:spPr>
@@ -1033,9 +1065,13 @@
             <a:ext cx="6096000" cy="3429000"/>
           </a:xfrm>
           <a:custGeom>
-            <a:rect b="b" l="l" r="r" t="t"/>
+            <a:avLst/>
+            <a:gdLst/>
+            <a:ahLst/>
+            <a:cxnLst/>
+            <a:rect l="l" t="t" r="r" b="b"/>
             <a:pathLst>
-              <a:path extrusionOk="0" h="120000" w="120000">
+              <a:path w="120000" h="120000" extrusionOk="0">
                 <a:moveTo>
                   <a:pt x="0" y="0"/>
                 </a:moveTo>
@@ -1057,9 +1093,11 @@
       <p:sp>
         <p:nvSpPr>
           <p:cNvPr id="221" name="Google Shape;221;g20dcb5e0dd2_1_3:notes"/>
-          <p:cNvSpPr txBox="1"/>
+          <p:cNvSpPr txBox="1">
+            <a:spLocks noGrp="1"/>
+          </p:cNvSpPr>
           <p:nvPr>
-            <p:ph idx="1" type="body"/>
+            <p:ph type="body" idx="1"/>
           </p:nvPr>
         </p:nvSpPr>
         <p:spPr>
@@ -1072,12 +1110,12 @@
           </a:prstGeom>
         </p:spPr>
         <p:txBody>
-          <a:bodyPr anchorCtr="0" anchor="t" bIns="91425" lIns="91425" spcFirstLastPara="1" rIns="91425" wrap="square" tIns="91425">
+          <a:bodyPr spcFirstLastPara="1" wrap="square" lIns="91425" tIns="91425" rIns="91425" bIns="91425" anchor="t" anchorCtr="0">
             <a:noAutofit/>
           </a:bodyPr>
           <a:lstStyle/>
           <a:p>
-            <a:pPr indent="0" lvl="0" marL="0" rtl="0" algn="l">
+            <a:pPr marL="0" lvl="0" indent="0" algn="l" rtl="0">
               <a:spcBef>
                 <a:spcPts val="0"/>
               </a:spcBef>
@@ -1086,9 +1124,6 @@
               </a:spcAft>
               <a:buNone/>
             </a:pPr>
-            <a:r>
-              <a:t/>
-            </a:r>
             <a:endParaRPr/>
           </a:p>
         </p:txBody>
@@ -1102,11 +1137,11 @@
 </file>
 
 <file path=ppt/notesSlides/notesSlide13.xml><?xml version="1.0" encoding="utf-8"?>
-<p:notes xmlns:a="http://schemas.openxmlformats.org/drawingml/2006/main" xmlns:r="http://schemas.openxmlformats.org/officeDocument/2006/relationships" xmlns:mc="http://schemas.openxmlformats.org/markup-compatibility/2006" xmlns:mv="urn:schemas-microsoft-com:mac:vml" xmlns:p="http://schemas.openxmlformats.org/presentationml/2006/main" xmlns:c="http://schemas.openxmlformats.org/drawingml/2006/chart" xmlns:dgm="http://schemas.openxmlformats.org/drawingml/2006/diagram" xmlns:o="urn:schemas-microsoft-com:office:office" xmlns:v="urn:schemas-microsoft-com:vml" xmlns:pvml="urn:schemas-microsoft-com:office:powerpoint" xmlns:com="http://schemas.openxmlformats.org/drawingml/2006/compatibility" xmlns:p14="http://schemas.microsoft.com/office/powerpoint/2010/main" xmlns:p15="http://schemas.microsoft.com/office/powerpoint/2012/main" xmlns:ahyp="http://schemas.microsoft.com/office/drawing/2018/hyperlinkcolor" showMasterPhAnim="0" showMasterSp="0">
+<p:notes xmlns:a="http://schemas.openxmlformats.org/drawingml/2006/main" xmlns:r="http://schemas.openxmlformats.org/officeDocument/2006/relationships" xmlns:p="http://schemas.openxmlformats.org/presentationml/2006/main" showMasterSp="0" showMasterPhAnim="0">
   <p:cSld>
     <p:spTree>
       <p:nvGrpSpPr>
-        <p:cNvPr id="225" name="Shape 225"/>
+        <p:cNvPr id="1" name="Shape 225"/>
         <p:cNvGrpSpPr/>
         <p:nvPr/>
       </p:nvGrpSpPr>
@@ -1121,9 +1156,11 @@
       <p:sp>
         <p:nvSpPr>
           <p:cNvPr id="226" name="Google Shape;226;g20de569ca83_0_0:notes"/>
-          <p:cNvSpPr/>
+          <p:cNvSpPr>
+            <a:spLocks noGrp="1" noRot="1" noChangeAspect="1"/>
+          </p:cNvSpPr>
           <p:nvPr>
-            <p:ph idx="2" type="sldImg"/>
+            <p:ph type="sldImg" idx="2"/>
           </p:nvPr>
         </p:nvSpPr>
         <p:spPr>
@@ -1132,9 +1169,13 @@
             <a:ext cx="6096000" cy="3429000"/>
           </a:xfrm>
           <a:custGeom>
-            <a:rect b="b" l="l" r="r" t="t"/>
+            <a:avLst/>
+            <a:gdLst/>
+            <a:ahLst/>
+            <a:cxnLst/>
+            <a:rect l="l" t="t" r="r" b="b"/>
             <a:pathLst>
-              <a:path extrusionOk="0" h="120000" w="120000">
+              <a:path w="120000" h="120000" extrusionOk="0">
                 <a:moveTo>
                   <a:pt x="0" y="0"/>
                 </a:moveTo>
@@ -1156,9 +1197,11 @@
       <p:sp>
         <p:nvSpPr>
           <p:cNvPr id="227" name="Google Shape;227;g20de569ca83_0_0:notes"/>
-          <p:cNvSpPr txBox="1"/>
+          <p:cNvSpPr txBox="1">
+            <a:spLocks noGrp="1"/>
+          </p:cNvSpPr>
           <p:nvPr>
-            <p:ph idx="1" type="body"/>
+            <p:ph type="body" idx="1"/>
           </p:nvPr>
         </p:nvSpPr>
         <p:spPr>
@@ -1171,12 +1214,12 @@
           </a:prstGeom>
         </p:spPr>
         <p:txBody>
-          <a:bodyPr anchorCtr="0" anchor="t" bIns="91425" lIns="91425" spcFirstLastPara="1" rIns="91425" wrap="square" tIns="91425">
+          <a:bodyPr spcFirstLastPara="1" wrap="square" lIns="91425" tIns="91425" rIns="91425" bIns="91425" anchor="t" anchorCtr="0">
             <a:noAutofit/>
           </a:bodyPr>
           <a:lstStyle/>
           <a:p>
-            <a:pPr indent="0" lvl="0" marL="0" rtl="0" algn="l">
+            <a:pPr marL="0" lvl="0" indent="0" algn="l" rtl="0">
               <a:spcBef>
                 <a:spcPts val="0"/>
               </a:spcBef>
@@ -1185,9 +1228,6 @@
               </a:spcAft>
               <a:buNone/>
             </a:pPr>
-            <a:r>
-              <a:t/>
-            </a:r>
             <a:endParaRPr/>
           </a:p>
         </p:txBody>
@@ -1201,11 +1241,11 @@
 </file>
 
 <file path=ppt/notesSlides/notesSlide2.xml><?xml version="1.0" encoding="utf-8"?>
-<p:notes xmlns:a="http://schemas.openxmlformats.org/drawingml/2006/main" xmlns:r="http://schemas.openxmlformats.org/officeDocument/2006/relationships" xmlns:mc="http://schemas.openxmlformats.org/markup-compatibility/2006" xmlns:mv="urn:schemas-microsoft-com:mac:vml" xmlns:p="http://schemas.openxmlformats.org/presentationml/2006/main" xmlns:c="http://schemas.openxmlformats.org/drawingml/2006/chart" xmlns:dgm="http://schemas.openxmlformats.org/drawingml/2006/diagram" xmlns:o="urn:schemas-microsoft-com:office:office" xmlns:v="urn:schemas-microsoft-com:vml" xmlns:pvml="urn:schemas-microsoft-com:office:powerpoint" xmlns:com="http://schemas.openxmlformats.org/drawingml/2006/compatibility" xmlns:p14="http://schemas.microsoft.com/office/powerpoint/2010/main" xmlns:p15="http://schemas.microsoft.com/office/powerpoint/2012/main" xmlns:ahyp="http://schemas.microsoft.com/office/drawing/2018/hyperlinkcolor" showMasterPhAnim="0" showMasterSp="0">
+<p:notes xmlns:a="http://schemas.openxmlformats.org/drawingml/2006/main" xmlns:r="http://schemas.openxmlformats.org/officeDocument/2006/relationships" xmlns:p="http://schemas.openxmlformats.org/presentationml/2006/main" showMasterSp="0" showMasterPhAnim="0">
   <p:cSld>
     <p:spTree>
       <p:nvGrpSpPr>
-        <p:cNvPr id="56" name="Shape 56"/>
+        <p:cNvPr id="1" name="Shape 56"/>
         <p:cNvGrpSpPr/>
         <p:nvPr/>
       </p:nvGrpSpPr>
@@ -1220,20 +1260,26 @@
       <p:sp>
         <p:nvSpPr>
           <p:cNvPr id="57" name="Google Shape;57;g202fefc93e3_0_7:notes"/>
-          <p:cNvSpPr/>
+          <p:cNvSpPr>
+            <a:spLocks noGrp="1" noRot="1" noChangeAspect="1"/>
+          </p:cNvSpPr>
           <p:nvPr>
-            <p:ph idx="2" type="sldImg"/>
+            <p:ph type="sldImg" idx="2"/>
           </p:nvPr>
         </p:nvSpPr>
         <p:spPr>
           <a:xfrm>
-            <a:off x="381300" y="685800"/>
+            <a:off x="381000" y="685800"/>
             <a:ext cx="6096000" cy="3429000"/>
           </a:xfrm>
           <a:custGeom>
-            <a:rect b="b" l="l" r="r" t="t"/>
+            <a:avLst/>
+            <a:gdLst/>
+            <a:ahLst/>
+            <a:cxnLst/>
+            <a:rect l="l" t="t" r="r" b="b"/>
             <a:pathLst>
-              <a:path extrusionOk="0" h="120000" w="120000">
+              <a:path w="120000" h="120000" extrusionOk="0">
                 <a:moveTo>
                   <a:pt x="0" y="0"/>
                 </a:moveTo>
@@ -1255,9 +1301,11 @@
       <p:sp>
         <p:nvSpPr>
           <p:cNvPr id="58" name="Google Shape;58;g202fefc93e3_0_7:notes"/>
-          <p:cNvSpPr txBox="1"/>
+          <p:cNvSpPr txBox="1">
+            <a:spLocks noGrp="1"/>
+          </p:cNvSpPr>
           <p:nvPr>
-            <p:ph idx="1" type="body"/>
+            <p:ph type="body" idx="1"/>
           </p:nvPr>
         </p:nvSpPr>
         <p:spPr>
@@ -1270,12 +1318,12 @@
           </a:prstGeom>
         </p:spPr>
         <p:txBody>
-          <a:bodyPr anchorCtr="0" anchor="t" bIns="91425" lIns="91425" spcFirstLastPara="1" rIns="91425" wrap="square" tIns="91425">
+          <a:bodyPr spcFirstLastPara="1" wrap="square" lIns="91425" tIns="91425" rIns="91425" bIns="91425" anchor="t" anchorCtr="0">
             <a:noAutofit/>
           </a:bodyPr>
           <a:lstStyle/>
           <a:p>
-            <a:pPr indent="0" lvl="0" marL="0" rtl="0" algn="l">
+            <a:pPr marL="0" lvl="0" indent="0" algn="l" rtl="0">
               <a:spcBef>
                 <a:spcPts val="0"/>
               </a:spcBef>
@@ -1284,9 +1332,6 @@
               </a:spcAft>
               <a:buNone/>
             </a:pPr>
-            <a:r>
-              <a:t/>
-            </a:r>
             <a:endParaRPr/>
           </a:p>
         </p:txBody>
@@ -1300,11 +1345,11 @@
 </file>
 
 <file path=ppt/notesSlides/notesSlide3.xml><?xml version="1.0" encoding="utf-8"?>
-<p:notes xmlns:a="http://schemas.openxmlformats.org/drawingml/2006/main" xmlns:r="http://schemas.openxmlformats.org/officeDocument/2006/relationships" xmlns:mc="http://schemas.openxmlformats.org/markup-compatibility/2006" xmlns:mv="urn:schemas-microsoft-com:mac:vml" xmlns:p="http://schemas.openxmlformats.org/presentationml/2006/main" xmlns:c="http://schemas.openxmlformats.org/drawingml/2006/chart" xmlns:dgm="http://schemas.openxmlformats.org/drawingml/2006/diagram" xmlns:o="urn:schemas-microsoft-com:office:office" xmlns:v="urn:schemas-microsoft-com:vml" xmlns:pvml="urn:schemas-microsoft-com:office:powerpoint" xmlns:com="http://schemas.openxmlformats.org/drawingml/2006/compatibility" xmlns:p14="http://schemas.microsoft.com/office/powerpoint/2010/main" xmlns:p15="http://schemas.microsoft.com/office/powerpoint/2012/main" xmlns:ahyp="http://schemas.microsoft.com/office/drawing/2018/hyperlinkcolor" showMasterPhAnim="0" showMasterSp="0">
+<p:notes xmlns:a="http://schemas.openxmlformats.org/drawingml/2006/main" xmlns:r="http://schemas.openxmlformats.org/officeDocument/2006/relationships" xmlns:p="http://schemas.openxmlformats.org/presentationml/2006/main" showMasterSp="0" showMasterPhAnim="0">
   <p:cSld>
     <p:spTree>
       <p:nvGrpSpPr>
-        <p:cNvPr id="67" name="Shape 67"/>
+        <p:cNvPr id="1" name="Shape 67"/>
         <p:cNvGrpSpPr/>
         <p:nvPr/>
       </p:nvGrpSpPr>
@@ -1319,9 +1364,11 @@
       <p:sp>
         <p:nvSpPr>
           <p:cNvPr id="68" name="Google Shape;68;g344390d5726_0_0:notes"/>
-          <p:cNvSpPr/>
+          <p:cNvSpPr>
+            <a:spLocks noGrp="1" noRot="1" noChangeAspect="1"/>
+          </p:cNvSpPr>
           <p:nvPr>
-            <p:ph idx="2" type="sldImg"/>
+            <p:ph type="sldImg" idx="2"/>
           </p:nvPr>
         </p:nvSpPr>
         <p:spPr>
@@ -1330,9 +1377,13 @@
             <a:ext cx="6096000" cy="3429000"/>
           </a:xfrm>
           <a:custGeom>
-            <a:rect b="b" l="l" r="r" t="t"/>
+            <a:avLst/>
+            <a:gdLst/>
+            <a:ahLst/>
+            <a:cxnLst/>
+            <a:rect l="l" t="t" r="r" b="b"/>
             <a:pathLst>
-              <a:path extrusionOk="0" h="120000" w="120000">
+              <a:path w="120000" h="120000" extrusionOk="0">
                 <a:moveTo>
                   <a:pt x="0" y="0"/>
                 </a:moveTo>
@@ -1354,9 +1405,11 @@
       <p:sp>
         <p:nvSpPr>
           <p:cNvPr id="69" name="Google Shape;69;g344390d5726_0_0:notes"/>
-          <p:cNvSpPr txBox="1"/>
+          <p:cNvSpPr txBox="1">
+            <a:spLocks noGrp="1"/>
+          </p:cNvSpPr>
           <p:nvPr>
-            <p:ph idx="1" type="body"/>
+            <p:ph type="body" idx="1"/>
           </p:nvPr>
         </p:nvSpPr>
         <p:spPr>
@@ -1369,12 +1422,12 @@
           </a:prstGeom>
         </p:spPr>
         <p:txBody>
-          <a:bodyPr anchorCtr="0" anchor="t" bIns="91425" lIns="91425" spcFirstLastPara="1" rIns="91425" wrap="square" tIns="91425">
+          <a:bodyPr spcFirstLastPara="1" wrap="square" lIns="91425" tIns="91425" rIns="91425" bIns="91425" anchor="t" anchorCtr="0">
             <a:noAutofit/>
           </a:bodyPr>
           <a:lstStyle/>
           <a:p>
-            <a:pPr indent="0" lvl="0" marL="0" rtl="0" algn="l">
+            <a:pPr marL="0" lvl="0" indent="0" algn="l" rtl="0">
               <a:spcBef>
                 <a:spcPts val="0"/>
               </a:spcBef>
@@ -1383,9 +1436,6 @@
               </a:spcAft>
               <a:buNone/>
             </a:pPr>
-            <a:r>
-              <a:t/>
-            </a:r>
             <a:endParaRPr/>
           </a:p>
         </p:txBody>
@@ -1399,11 +1449,11 @@
 </file>
 
 <file path=ppt/notesSlides/notesSlide4.xml><?xml version="1.0" encoding="utf-8"?>
-<p:notes xmlns:a="http://schemas.openxmlformats.org/drawingml/2006/main" xmlns:r="http://schemas.openxmlformats.org/officeDocument/2006/relationships" xmlns:mc="http://schemas.openxmlformats.org/markup-compatibility/2006" xmlns:mv="urn:schemas-microsoft-com:mac:vml" xmlns:p="http://schemas.openxmlformats.org/presentationml/2006/main" xmlns:c="http://schemas.openxmlformats.org/drawingml/2006/chart" xmlns:dgm="http://schemas.openxmlformats.org/drawingml/2006/diagram" xmlns:o="urn:schemas-microsoft-com:office:office" xmlns:v="urn:schemas-microsoft-com:vml" xmlns:pvml="urn:schemas-microsoft-com:office:powerpoint" xmlns:com="http://schemas.openxmlformats.org/drawingml/2006/compatibility" xmlns:p14="http://schemas.microsoft.com/office/powerpoint/2010/main" xmlns:p15="http://schemas.microsoft.com/office/powerpoint/2012/main" xmlns:ahyp="http://schemas.microsoft.com/office/drawing/2018/hyperlinkcolor" showMasterPhAnim="0" showMasterSp="0">
+<p:notes xmlns:a="http://schemas.openxmlformats.org/drawingml/2006/main" xmlns:r="http://schemas.openxmlformats.org/officeDocument/2006/relationships" xmlns:p="http://schemas.openxmlformats.org/presentationml/2006/main" showMasterSp="0" showMasterPhAnim="0">
   <p:cSld>
     <p:spTree>
       <p:nvGrpSpPr>
-        <p:cNvPr id="84" name="Shape 84"/>
+        <p:cNvPr id="1" name="Shape 84"/>
         <p:cNvGrpSpPr/>
         <p:nvPr/>
       </p:nvGrpSpPr>
@@ -1418,9 +1468,11 @@
       <p:sp>
         <p:nvSpPr>
           <p:cNvPr id="85" name="Google Shape;85;g344390d5726_0_28:notes"/>
-          <p:cNvSpPr/>
+          <p:cNvSpPr>
+            <a:spLocks noGrp="1" noRot="1" noChangeAspect="1"/>
+          </p:cNvSpPr>
           <p:nvPr>
-            <p:ph idx="2" type="sldImg"/>
+            <p:ph type="sldImg" idx="2"/>
           </p:nvPr>
         </p:nvSpPr>
         <p:spPr>
@@ -1429,9 +1481,13 @@
             <a:ext cx="6096000" cy="3429000"/>
           </a:xfrm>
           <a:custGeom>
-            <a:rect b="b" l="l" r="r" t="t"/>
+            <a:avLst/>
+            <a:gdLst/>
+            <a:ahLst/>
+            <a:cxnLst/>
+            <a:rect l="l" t="t" r="r" b="b"/>
             <a:pathLst>
-              <a:path extrusionOk="0" h="120000" w="120000">
+              <a:path w="120000" h="120000" extrusionOk="0">
                 <a:moveTo>
                   <a:pt x="0" y="0"/>
                 </a:moveTo>
@@ -1453,9 +1509,11 @@
       <p:sp>
         <p:nvSpPr>
           <p:cNvPr id="86" name="Google Shape;86;g344390d5726_0_28:notes"/>
-          <p:cNvSpPr txBox="1"/>
+          <p:cNvSpPr txBox="1">
+            <a:spLocks noGrp="1"/>
+          </p:cNvSpPr>
           <p:nvPr>
-            <p:ph idx="1" type="body"/>
+            <p:ph type="body" idx="1"/>
           </p:nvPr>
         </p:nvSpPr>
         <p:spPr>
@@ -1468,12 +1526,12 @@
           </a:prstGeom>
         </p:spPr>
         <p:txBody>
-          <a:bodyPr anchorCtr="0" anchor="t" bIns="91425" lIns="91425" spcFirstLastPara="1" rIns="91425" wrap="square" tIns="91425">
+          <a:bodyPr spcFirstLastPara="1" wrap="square" lIns="91425" tIns="91425" rIns="91425" bIns="91425" anchor="t" anchorCtr="0">
             <a:noAutofit/>
           </a:bodyPr>
           <a:lstStyle/>
           <a:p>
-            <a:pPr indent="0" lvl="0" marL="0" rtl="0" algn="l">
+            <a:pPr marL="0" lvl="0" indent="0" algn="l" rtl="0">
               <a:spcBef>
                 <a:spcPts val="0"/>
               </a:spcBef>
@@ -1482,9 +1540,6 @@
               </a:spcAft>
               <a:buNone/>
             </a:pPr>
-            <a:r>
-              <a:t/>
-            </a:r>
             <a:endParaRPr/>
           </a:p>
         </p:txBody>
@@ -1498,11 +1553,11 @@
 </file>
 
 <file path=ppt/notesSlides/notesSlide5.xml><?xml version="1.0" encoding="utf-8"?>
-<p:notes xmlns:a="http://schemas.openxmlformats.org/drawingml/2006/main" xmlns:r="http://schemas.openxmlformats.org/officeDocument/2006/relationships" xmlns:mc="http://schemas.openxmlformats.org/markup-compatibility/2006" xmlns:mv="urn:schemas-microsoft-com:mac:vml" xmlns:p="http://schemas.openxmlformats.org/presentationml/2006/main" xmlns:c="http://schemas.openxmlformats.org/drawingml/2006/chart" xmlns:dgm="http://schemas.openxmlformats.org/drawingml/2006/diagram" xmlns:o="urn:schemas-microsoft-com:office:office" xmlns:v="urn:schemas-microsoft-com:vml" xmlns:pvml="urn:schemas-microsoft-com:office:powerpoint" xmlns:com="http://schemas.openxmlformats.org/drawingml/2006/compatibility" xmlns:p14="http://schemas.microsoft.com/office/powerpoint/2010/main" xmlns:p15="http://schemas.microsoft.com/office/powerpoint/2012/main" xmlns:ahyp="http://schemas.microsoft.com/office/drawing/2018/hyperlinkcolor" showMasterPhAnim="0" showMasterSp="0">
+<p:notes xmlns:a="http://schemas.openxmlformats.org/drawingml/2006/main" xmlns:r="http://schemas.openxmlformats.org/officeDocument/2006/relationships" xmlns:p="http://schemas.openxmlformats.org/presentationml/2006/main" showMasterSp="0" showMasterPhAnim="0">
   <p:cSld>
     <p:spTree>
       <p:nvGrpSpPr>
-        <p:cNvPr id="100" name="Shape 100"/>
+        <p:cNvPr id="1" name="Shape 100"/>
         <p:cNvGrpSpPr/>
         <p:nvPr/>
       </p:nvGrpSpPr>
@@ -1517,9 +1572,11 @@
       <p:sp>
         <p:nvSpPr>
           <p:cNvPr id="101" name="Google Shape;101;g202fefc93e3_0_56:notes"/>
-          <p:cNvSpPr/>
+          <p:cNvSpPr>
+            <a:spLocks noGrp="1" noRot="1" noChangeAspect="1"/>
+          </p:cNvSpPr>
           <p:nvPr>
-            <p:ph idx="2" type="sldImg"/>
+            <p:ph type="sldImg" idx="2"/>
           </p:nvPr>
         </p:nvSpPr>
         <p:spPr>
@@ -1528,9 +1585,13 @@
             <a:ext cx="6096000" cy="3429000"/>
           </a:xfrm>
           <a:custGeom>
-            <a:rect b="b" l="l" r="r" t="t"/>
+            <a:avLst/>
+            <a:gdLst/>
+            <a:ahLst/>
+            <a:cxnLst/>
+            <a:rect l="l" t="t" r="r" b="b"/>
             <a:pathLst>
-              <a:path extrusionOk="0" h="120000" w="120000">
+              <a:path w="120000" h="120000" extrusionOk="0">
                 <a:moveTo>
                   <a:pt x="0" y="0"/>
                 </a:moveTo>
@@ -1552,9 +1613,11 @@
       <p:sp>
         <p:nvSpPr>
           <p:cNvPr id="102" name="Google Shape;102;g202fefc93e3_0_56:notes"/>
-          <p:cNvSpPr txBox="1"/>
+          <p:cNvSpPr txBox="1">
+            <a:spLocks noGrp="1"/>
+          </p:cNvSpPr>
           <p:nvPr>
-            <p:ph idx="1" type="body"/>
+            <p:ph type="body" idx="1"/>
           </p:nvPr>
         </p:nvSpPr>
         <p:spPr>
@@ -1567,12 +1630,12 @@
           </a:prstGeom>
         </p:spPr>
         <p:txBody>
-          <a:bodyPr anchorCtr="0" anchor="t" bIns="91425" lIns="91425" spcFirstLastPara="1" rIns="91425" wrap="square" tIns="91425">
+          <a:bodyPr spcFirstLastPara="1" wrap="square" lIns="91425" tIns="91425" rIns="91425" bIns="91425" anchor="t" anchorCtr="0">
             <a:noAutofit/>
           </a:bodyPr>
           <a:lstStyle/>
           <a:p>
-            <a:pPr indent="0" lvl="0" marL="0" rtl="0" algn="l">
+            <a:pPr marL="0" lvl="0" indent="0" algn="l" rtl="0">
               <a:spcBef>
                 <a:spcPts val="0"/>
               </a:spcBef>
@@ -1581,9 +1644,6 @@
               </a:spcAft>
               <a:buNone/>
             </a:pPr>
-            <a:r>
-              <a:t/>
-            </a:r>
             <a:endParaRPr/>
           </a:p>
         </p:txBody>
@@ -1597,11 +1657,11 @@
 </file>
 
 <file path=ppt/notesSlides/notesSlide6.xml><?xml version="1.0" encoding="utf-8"?>
-<p:notes xmlns:a="http://schemas.openxmlformats.org/drawingml/2006/main" xmlns:r="http://schemas.openxmlformats.org/officeDocument/2006/relationships" xmlns:mc="http://schemas.openxmlformats.org/markup-compatibility/2006" xmlns:mv="urn:schemas-microsoft-com:mac:vml" xmlns:p="http://schemas.openxmlformats.org/presentationml/2006/main" xmlns:c="http://schemas.openxmlformats.org/drawingml/2006/chart" xmlns:dgm="http://schemas.openxmlformats.org/drawingml/2006/diagram" xmlns:o="urn:schemas-microsoft-com:office:office" xmlns:v="urn:schemas-microsoft-com:vml" xmlns:pvml="urn:schemas-microsoft-com:office:powerpoint" xmlns:com="http://schemas.openxmlformats.org/drawingml/2006/compatibility" xmlns:p14="http://schemas.microsoft.com/office/powerpoint/2010/main" xmlns:p15="http://schemas.microsoft.com/office/powerpoint/2012/main" xmlns:ahyp="http://schemas.microsoft.com/office/drawing/2018/hyperlinkcolor" showMasterPhAnim="0" showMasterSp="0">
+<p:notes xmlns:a="http://schemas.openxmlformats.org/drawingml/2006/main" xmlns:r="http://schemas.openxmlformats.org/officeDocument/2006/relationships" xmlns:p="http://schemas.openxmlformats.org/presentationml/2006/main" showMasterSp="0" showMasterPhAnim="0">
   <p:cSld>
     <p:spTree>
       <p:nvGrpSpPr>
-        <p:cNvPr id="118" name="Shape 118"/>
+        <p:cNvPr id="1" name="Shape 118"/>
         <p:cNvGrpSpPr/>
         <p:nvPr/>
       </p:nvGrpSpPr>
@@ -1616,9 +1676,11 @@
       <p:sp>
         <p:nvSpPr>
           <p:cNvPr id="119" name="Google Shape;119;g202fefc93e3_0_23:notes"/>
-          <p:cNvSpPr/>
+          <p:cNvSpPr>
+            <a:spLocks noGrp="1" noRot="1" noChangeAspect="1"/>
+          </p:cNvSpPr>
           <p:nvPr>
-            <p:ph idx="2" type="sldImg"/>
+            <p:ph type="sldImg" idx="2"/>
           </p:nvPr>
         </p:nvSpPr>
         <p:spPr>
@@ -1627,9 +1689,13 @@
             <a:ext cx="6096000" cy="3429000"/>
           </a:xfrm>
           <a:custGeom>
-            <a:rect b="b" l="l" r="r" t="t"/>
+            <a:avLst/>
+            <a:gdLst/>
+            <a:ahLst/>
+            <a:cxnLst/>
+            <a:rect l="l" t="t" r="r" b="b"/>
             <a:pathLst>
-              <a:path extrusionOk="0" h="120000" w="120000">
+              <a:path w="120000" h="120000" extrusionOk="0">
                 <a:moveTo>
                   <a:pt x="0" y="0"/>
                 </a:moveTo>
@@ -1651,9 +1717,11 @@
       <p:sp>
         <p:nvSpPr>
           <p:cNvPr id="120" name="Google Shape;120;g202fefc93e3_0_23:notes"/>
-          <p:cNvSpPr txBox="1"/>
+          <p:cNvSpPr txBox="1">
+            <a:spLocks noGrp="1"/>
+          </p:cNvSpPr>
           <p:nvPr>
-            <p:ph idx="1" type="body"/>
+            <p:ph type="body" idx="1"/>
           </p:nvPr>
         </p:nvSpPr>
         <p:spPr>
@@ -1666,12 +1734,12 @@
           </a:prstGeom>
         </p:spPr>
         <p:txBody>
-          <a:bodyPr anchorCtr="0" anchor="t" bIns="91425" lIns="91425" spcFirstLastPara="1" rIns="91425" wrap="square" tIns="91425">
+          <a:bodyPr spcFirstLastPara="1" wrap="square" lIns="91425" tIns="91425" rIns="91425" bIns="91425" anchor="t" anchorCtr="0">
             <a:noAutofit/>
           </a:bodyPr>
           <a:lstStyle/>
           <a:p>
-            <a:pPr indent="0" lvl="0" marL="0" rtl="0" algn="l">
+            <a:pPr marL="0" lvl="0" indent="0" algn="l" rtl="0">
               <a:spcBef>
                 <a:spcPts val="0"/>
               </a:spcBef>
@@ -1680,9 +1748,6 @@
               </a:spcAft>
               <a:buNone/>
             </a:pPr>
-            <a:r>
-              <a:t/>
-            </a:r>
             <a:endParaRPr/>
           </a:p>
         </p:txBody>
@@ -1696,11 +1761,11 @@
 </file>
 
 <file path=ppt/notesSlides/notesSlide7.xml><?xml version="1.0" encoding="utf-8"?>
-<p:notes xmlns:a="http://schemas.openxmlformats.org/drawingml/2006/main" xmlns:r="http://schemas.openxmlformats.org/officeDocument/2006/relationships" xmlns:mc="http://schemas.openxmlformats.org/markup-compatibility/2006" xmlns:mv="urn:schemas-microsoft-com:mac:vml" xmlns:p="http://schemas.openxmlformats.org/presentationml/2006/main" xmlns:c="http://schemas.openxmlformats.org/drawingml/2006/chart" xmlns:dgm="http://schemas.openxmlformats.org/drawingml/2006/diagram" xmlns:o="urn:schemas-microsoft-com:office:office" xmlns:v="urn:schemas-microsoft-com:vml" xmlns:pvml="urn:schemas-microsoft-com:office:powerpoint" xmlns:com="http://schemas.openxmlformats.org/drawingml/2006/compatibility" xmlns:p14="http://schemas.microsoft.com/office/powerpoint/2010/main" xmlns:p15="http://schemas.microsoft.com/office/powerpoint/2012/main" xmlns:ahyp="http://schemas.microsoft.com/office/drawing/2018/hyperlinkcolor" showMasterPhAnim="0" showMasterSp="0">
+<p:notes xmlns:a="http://schemas.openxmlformats.org/drawingml/2006/main" xmlns:r="http://schemas.openxmlformats.org/officeDocument/2006/relationships" xmlns:p="http://schemas.openxmlformats.org/presentationml/2006/main" showMasterSp="0" showMasterPhAnim="0">
   <p:cSld>
     <p:spTree>
       <p:nvGrpSpPr>
-        <p:cNvPr id="136" name="Shape 136"/>
+        <p:cNvPr id="1" name="Shape 136"/>
         <p:cNvGrpSpPr/>
         <p:nvPr/>
       </p:nvGrpSpPr>
@@ -1715,9 +1780,11 @@
       <p:sp>
         <p:nvSpPr>
           <p:cNvPr id="137" name="Google Shape;137;g202fefc93e3_0_96:notes"/>
-          <p:cNvSpPr/>
+          <p:cNvSpPr>
+            <a:spLocks noGrp="1" noRot="1" noChangeAspect="1"/>
+          </p:cNvSpPr>
           <p:nvPr>
-            <p:ph idx="2" type="sldImg"/>
+            <p:ph type="sldImg" idx="2"/>
           </p:nvPr>
         </p:nvSpPr>
         <p:spPr>
@@ -1726,9 +1793,13 @@
             <a:ext cx="6096000" cy="3429000"/>
           </a:xfrm>
           <a:custGeom>
-            <a:rect b="b" l="l" r="r" t="t"/>
+            <a:avLst/>
+            <a:gdLst/>
+            <a:ahLst/>
+            <a:cxnLst/>
+            <a:rect l="l" t="t" r="r" b="b"/>
             <a:pathLst>
-              <a:path extrusionOk="0" h="120000" w="120000">
+              <a:path w="120000" h="120000" extrusionOk="0">
                 <a:moveTo>
                   <a:pt x="0" y="0"/>
                 </a:moveTo>
@@ -1750,9 +1821,11 @@
       <p:sp>
         <p:nvSpPr>
           <p:cNvPr id="138" name="Google Shape;138;g202fefc93e3_0_96:notes"/>
-          <p:cNvSpPr txBox="1"/>
+          <p:cNvSpPr txBox="1">
+            <a:spLocks noGrp="1"/>
+          </p:cNvSpPr>
           <p:nvPr>
-            <p:ph idx="1" type="body"/>
+            <p:ph type="body" idx="1"/>
           </p:nvPr>
         </p:nvSpPr>
         <p:spPr>
@@ -1765,12 +1838,12 @@
           </a:prstGeom>
         </p:spPr>
         <p:txBody>
-          <a:bodyPr anchorCtr="0" anchor="t" bIns="91425" lIns="91425" spcFirstLastPara="1" rIns="91425" wrap="square" tIns="91425">
+          <a:bodyPr spcFirstLastPara="1" wrap="square" lIns="91425" tIns="91425" rIns="91425" bIns="91425" anchor="t" anchorCtr="0">
             <a:noAutofit/>
           </a:bodyPr>
           <a:lstStyle/>
           <a:p>
-            <a:pPr indent="0" lvl="0" marL="0" rtl="0" algn="l">
+            <a:pPr marL="0" lvl="0" indent="0" algn="l" rtl="0">
               <a:spcBef>
                 <a:spcPts val="0"/>
               </a:spcBef>
@@ -1779,9 +1852,6 @@
               </a:spcAft>
               <a:buNone/>
             </a:pPr>
-            <a:r>
-              <a:t/>
-            </a:r>
             <a:endParaRPr/>
           </a:p>
         </p:txBody>
@@ -1795,11 +1865,11 @@
 </file>
 
 <file path=ppt/notesSlides/notesSlide8.xml><?xml version="1.0" encoding="utf-8"?>
-<p:notes xmlns:a="http://schemas.openxmlformats.org/drawingml/2006/main" xmlns:r="http://schemas.openxmlformats.org/officeDocument/2006/relationships" xmlns:mc="http://schemas.openxmlformats.org/markup-compatibility/2006" xmlns:mv="urn:schemas-microsoft-com:mac:vml" xmlns:p="http://schemas.openxmlformats.org/presentationml/2006/main" xmlns:c="http://schemas.openxmlformats.org/drawingml/2006/chart" xmlns:dgm="http://schemas.openxmlformats.org/drawingml/2006/diagram" xmlns:o="urn:schemas-microsoft-com:office:office" xmlns:v="urn:schemas-microsoft-com:vml" xmlns:pvml="urn:schemas-microsoft-com:office:powerpoint" xmlns:com="http://schemas.openxmlformats.org/drawingml/2006/compatibility" xmlns:p14="http://schemas.microsoft.com/office/powerpoint/2010/main" xmlns:p15="http://schemas.microsoft.com/office/powerpoint/2012/main" xmlns:ahyp="http://schemas.microsoft.com/office/drawing/2018/hyperlinkcolor" showMasterPhAnim="0" showMasterSp="0">
+<p:notes xmlns:a="http://schemas.openxmlformats.org/drawingml/2006/main" xmlns:r="http://schemas.openxmlformats.org/officeDocument/2006/relationships" xmlns:p="http://schemas.openxmlformats.org/presentationml/2006/main" showMasterSp="0" showMasterPhAnim="0">
   <p:cSld>
     <p:spTree>
       <p:nvGrpSpPr>
-        <p:cNvPr id="157" name="Shape 157"/>
+        <p:cNvPr id="1" name="Shape 157"/>
         <p:cNvGrpSpPr/>
         <p:nvPr/>
       </p:nvGrpSpPr>
@@ -1814,9 +1884,11 @@
       <p:sp>
         <p:nvSpPr>
           <p:cNvPr id="158" name="Google Shape;158;g202fefc93e3_0_133:notes"/>
-          <p:cNvSpPr/>
+          <p:cNvSpPr>
+            <a:spLocks noGrp="1" noRot="1" noChangeAspect="1"/>
+          </p:cNvSpPr>
           <p:nvPr>
-            <p:ph idx="2" type="sldImg"/>
+            <p:ph type="sldImg" idx="2"/>
           </p:nvPr>
         </p:nvSpPr>
         <p:spPr>
@@ -1825,9 +1897,13 @@
             <a:ext cx="6096000" cy="3429000"/>
           </a:xfrm>
           <a:custGeom>
-            <a:rect b="b" l="l" r="r" t="t"/>
+            <a:avLst/>
+            <a:gdLst/>
+            <a:ahLst/>
+            <a:cxnLst/>
+            <a:rect l="l" t="t" r="r" b="b"/>
             <a:pathLst>
-              <a:path extrusionOk="0" h="120000" w="120000">
+              <a:path w="120000" h="120000" extrusionOk="0">
                 <a:moveTo>
                   <a:pt x="0" y="0"/>
                 </a:moveTo>
@@ -1849,9 +1925,11 @@
       <p:sp>
         <p:nvSpPr>
           <p:cNvPr id="159" name="Google Shape;159;g202fefc93e3_0_133:notes"/>
-          <p:cNvSpPr txBox="1"/>
+          <p:cNvSpPr txBox="1">
+            <a:spLocks noGrp="1"/>
+          </p:cNvSpPr>
           <p:nvPr>
-            <p:ph idx="1" type="body"/>
+            <p:ph type="body" idx="1"/>
           </p:nvPr>
         </p:nvSpPr>
         <p:spPr>
@@ -1864,12 +1942,12 @@
           </a:prstGeom>
         </p:spPr>
         <p:txBody>
-          <a:bodyPr anchorCtr="0" anchor="t" bIns="91425" lIns="91425" spcFirstLastPara="1" rIns="91425" wrap="square" tIns="91425">
+          <a:bodyPr spcFirstLastPara="1" wrap="square" lIns="91425" tIns="91425" rIns="91425" bIns="91425" anchor="t" anchorCtr="0">
             <a:noAutofit/>
           </a:bodyPr>
           <a:lstStyle/>
           <a:p>
-            <a:pPr indent="0" lvl="0" marL="0" rtl="0" algn="l">
+            <a:pPr marL="0" lvl="0" indent="0" algn="l" rtl="0">
               <a:spcBef>
                 <a:spcPts val="0"/>
               </a:spcBef>
@@ -1878,9 +1956,6 @@
               </a:spcAft>
               <a:buNone/>
             </a:pPr>
-            <a:r>
-              <a:t/>
-            </a:r>
             <a:endParaRPr/>
           </a:p>
         </p:txBody>
@@ -1894,11 +1969,11 @@
 </file>
 
 <file path=ppt/notesSlides/notesSlide9.xml><?xml version="1.0" encoding="utf-8"?>
-<p:notes xmlns:a="http://schemas.openxmlformats.org/drawingml/2006/main" xmlns:r="http://schemas.openxmlformats.org/officeDocument/2006/relationships" xmlns:mc="http://schemas.openxmlformats.org/markup-compatibility/2006" xmlns:mv="urn:schemas-microsoft-com:mac:vml" xmlns:p="http://schemas.openxmlformats.org/presentationml/2006/main" xmlns:c="http://schemas.openxmlformats.org/drawingml/2006/chart" xmlns:dgm="http://schemas.openxmlformats.org/drawingml/2006/diagram" xmlns:o="urn:schemas-microsoft-com:office:office" xmlns:v="urn:schemas-microsoft-com:vml" xmlns:pvml="urn:schemas-microsoft-com:office:powerpoint" xmlns:com="http://schemas.openxmlformats.org/drawingml/2006/compatibility" xmlns:p14="http://schemas.microsoft.com/office/powerpoint/2010/main" xmlns:p15="http://schemas.microsoft.com/office/powerpoint/2012/main" xmlns:ahyp="http://schemas.microsoft.com/office/drawing/2018/hyperlinkcolor" showMasterPhAnim="0" showMasterSp="0">
+<p:notes xmlns:a="http://schemas.openxmlformats.org/drawingml/2006/main" xmlns:r="http://schemas.openxmlformats.org/officeDocument/2006/relationships" xmlns:p="http://schemas.openxmlformats.org/presentationml/2006/main" showMasterSp="0" showMasterPhAnim="0">
   <p:cSld>
     <p:spTree>
       <p:nvGrpSpPr>
-        <p:cNvPr id="177" name="Shape 177"/>
+        <p:cNvPr id="1" name="Shape 177"/>
         <p:cNvGrpSpPr/>
         <p:nvPr/>
       </p:nvGrpSpPr>
@@ -1913,9 +1988,11 @@
       <p:sp>
         <p:nvSpPr>
           <p:cNvPr id="178" name="Google Shape;178;g202fefc93e3_0_232:notes"/>
-          <p:cNvSpPr/>
+          <p:cNvSpPr>
+            <a:spLocks noGrp="1" noRot="1" noChangeAspect="1"/>
+          </p:cNvSpPr>
           <p:nvPr>
-            <p:ph idx="2" type="sldImg"/>
+            <p:ph type="sldImg" idx="2"/>
           </p:nvPr>
         </p:nvSpPr>
         <p:spPr>
@@ -1924,9 +2001,13 @@
             <a:ext cx="6096000" cy="3429000"/>
           </a:xfrm>
           <a:custGeom>
-            <a:rect b="b" l="l" r="r" t="t"/>
+            <a:avLst/>
+            <a:gdLst/>
+            <a:ahLst/>
+            <a:cxnLst/>
+            <a:rect l="l" t="t" r="r" b="b"/>
             <a:pathLst>
-              <a:path extrusionOk="0" h="120000" w="120000">
+              <a:path w="120000" h="120000" extrusionOk="0">
                 <a:moveTo>
                   <a:pt x="0" y="0"/>
                 </a:moveTo>
@@ -1948,9 +2029,11 @@
       <p:sp>
         <p:nvSpPr>
           <p:cNvPr id="179" name="Google Shape;179;g202fefc93e3_0_232:notes"/>
-          <p:cNvSpPr txBox="1"/>
+          <p:cNvSpPr txBox="1">
+            <a:spLocks noGrp="1"/>
+          </p:cNvSpPr>
           <p:nvPr>
-            <p:ph idx="1" type="body"/>
+            <p:ph type="body" idx="1"/>
           </p:nvPr>
         </p:nvSpPr>
         <p:spPr>
@@ -1963,12 +2046,12 @@
           </a:prstGeom>
         </p:spPr>
         <p:txBody>
-          <a:bodyPr anchorCtr="0" anchor="t" bIns="91425" lIns="91425" spcFirstLastPara="1" rIns="91425" wrap="square" tIns="91425">
+          <a:bodyPr spcFirstLastPara="1" wrap="square" lIns="91425" tIns="91425" rIns="91425" bIns="91425" anchor="t" anchorCtr="0">
             <a:noAutofit/>
           </a:bodyPr>
           <a:lstStyle/>
           <a:p>
-            <a:pPr indent="0" lvl="0" marL="0" rtl="0" algn="l">
+            <a:pPr marL="0" lvl="0" indent="0" algn="l" rtl="0">
               <a:spcBef>
                 <a:spcPts val="0"/>
               </a:spcBef>
@@ -1977,9 +2060,6 @@
               </a:spcAft>
               <a:buNone/>
             </a:pPr>
-            <a:r>
-              <a:t/>
-            </a:r>
             <a:endParaRPr/>
           </a:p>
         </p:txBody>
@@ -1993,11 +2073,11 @@
 </file>
 
 <file path=ppt/slideLayouts/slideLayout1.xml><?xml version="1.0" encoding="utf-8"?>
-<p:sldLayout xmlns:a="http://schemas.openxmlformats.org/drawingml/2006/main" xmlns:r="http://schemas.openxmlformats.org/officeDocument/2006/relationships" xmlns:mc="http://schemas.openxmlformats.org/markup-compatibility/2006" xmlns:mv="urn:schemas-microsoft-com:mac:vml" xmlns:p="http://schemas.openxmlformats.org/presentationml/2006/main" xmlns:c="http://schemas.openxmlformats.org/drawingml/2006/chart" xmlns:dgm="http://schemas.openxmlformats.org/drawingml/2006/diagram" xmlns:o="urn:schemas-microsoft-com:office:office" xmlns:v="urn:schemas-microsoft-com:vml" xmlns:pvml="urn:schemas-microsoft-com:office:powerpoint" xmlns:com="http://schemas.openxmlformats.org/drawingml/2006/compatibility" xmlns:p14="http://schemas.microsoft.com/office/powerpoint/2010/main" xmlns:p15="http://schemas.microsoft.com/office/powerpoint/2012/main" xmlns:ahyp="http://schemas.microsoft.com/office/drawing/2018/hyperlinkcolor" matchingName="Title slide" type="title">
+<p:sldLayout xmlns:a="http://schemas.openxmlformats.org/drawingml/2006/main" xmlns:r="http://schemas.openxmlformats.org/officeDocument/2006/relationships" xmlns:p="http://schemas.openxmlformats.org/presentationml/2006/main" matchingName="Title slide" type="title">
   <p:cSld name="TITLE">
     <p:spTree>
       <p:nvGrpSpPr>
-        <p:cNvPr id="9" name="Shape 9"/>
+        <p:cNvPr id="1" name="Shape 9"/>
         <p:cNvGrpSpPr/>
         <p:nvPr/>
       </p:nvGrpSpPr>
@@ -2012,7 +2092,9 @@
       <p:sp>
         <p:nvSpPr>
           <p:cNvPr id="10" name="Google Shape;10;p2"/>
-          <p:cNvSpPr txBox="1"/>
+          <p:cNvSpPr txBox="1">
+            <a:spLocks noGrp="1"/>
+          </p:cNvSpPr>
           <p:nvPr>
             <p:ph type="ctrTitle"/>
           </p:nvPr>
@@ -2027,7 +2109,7 @@
           </a:prstGeom>
         </p:spPr>
         <p:txBody>
-          <a:bodyPr anchorCtr="0" anchor="b" bIns="91425" lIns="91425" spcFirstLastPara="1" rIns="91425" wrap="square" tIns="91425">
+          <a:bodyPr spcFirstLastPara="1" wrap="square" lIns="91425" tIns="91425" rIns="91425" bIns="91425" anchor="b" anchorCtr="0">
             <a:normAutofit/>
           </a:bodyPr>
           <a:lstStyle>
@@ -2131,15 +2213,19 @@
               <a:defRPr sz="5200"/>
             </a:lvl9pPr>
           </a:lstStyle>
-          <a:p/>
+          <a:p>
+            <a:endParaRPr/>
+          </a:p>
         </p:txBody>
       </p:sp>
       <p:sp>
         <p:nvSpPr>
           <p:cNvPr id="11" name="Google Shape;11;p2"/>
-          <p:cNvSpPr txBox="1"/>
+          <p:cNvSpPr txBox="1">
+            <a:spLocks noGrp="1"/>
+          </p:cNvSpPr>
           <p:nvPr>
-            <p:ph idx="1" type="subTitle"/>
+            <p:ph type="subTitle" idx="1"/>
           </p:nvPr>
         </p:nvSpPr>
         <p:spPr>
@@ -2152,7 +2238,7 @@
           </a:prstGeom>
         </p:spPr>
         <p:txBody>
-          <a:bodyPr anchorCtr="0" anchor="t" bIns="91425" lIns="91425" spcFirstLastPara="1" rIns="91425" wrap="square" tIns="91425">
+          <a:bodyPr spcFirstLastPara="1" wrap="square" lIns="91425" tIns="91425" rIns="91425" bIns="91425" anchor="t" anchorCtr="0">
             <a:normAutofit/>
           </a:bodyPr>
           <a:lstStyle>
@@ -2283,15 +2369,19 @@
               <a:defRPr sz="2800"/>
             </a:lvl9pPr>
           </a:lstStyle>
-          <a:p/>
+          <a:p>
+            <a:endParaRPr/>
+          </a:p>
         </p:txBody>
       </p:sp>
       <p:sp>
         <p:nvSpPr>
           <p:cNvPr id="12" name="Google Shape;12;p2"/>
-          <p:cNvSpPr txBox="1"/>
+          <p:cNvSpPr txBox="1">
+            <a:spLocks noGrp="1"/>
+          </p:cNvSpPr>
           <p:nvPr>
-            <p:ph idx="12" type="sldNum"/>
+            <p:ph type="sldNum" idx="12"/>
           </p:nvPr>
         </p:nvSpPr>
         <p:spPr>
@@ -2304,7 +2394,7 @@
           </a:prstGeom>
         </p:spPr>
         <p:txBody>
-          <a:bodyPr anchorCtr="0" anchor="ctr" bIns="91425" lIns="91425" spcFirstLastPara="1" rIns="91425" wrap="square" tIns="91425">
+          <a:bodyPr spcFirstLastPara="1" wrap="square" lIns="91425" tIns="91425" rIns="91425" bIns="91425" anchor="ctr" anchorCtr="0">
             <a:normAutofit/>
           </a:bodyPr>
           <a:lstStyle>
@@ -2346,7 +2436,7 @@
             </a:lvl9pPr>
           </a:lstStyle>
           <a:p>
-            <a:pPr indent="0" lvl="0" marL="0" rtl="0" algn="r">
+            <a:pPr marL="0" lvl="0" indent="0" algn="r" rtl="0">
               <a:spcBef>
                 <a:spcPts val="0"/>
               </a:spcBef>
@@ -2372,11 +2462,11 @@
 </file>
 
 <file path=ppt/slideLayouts/slideLayout10.xml><?xml version="1.0" encoding="utf-8"?>
-<p:sldLayout xmlns:a="http://schemas.openxmlformats.org/drawingml/2006/main" xmlns:r="http://schemas.openxmlformats.org/officeDocument/2006/relationships" xmlns:mc="http://schemas.openxmlformats.org/markup-compatibility/2006" xmlns:mv="urn:schemas-microsoft-com:mac:vml" xmlns:p="http://schemas.openxmlformats.org/presentationml/2006/main" xmlns:c="http://schemas.openxmlformats.org/drawingml/2006/chart" xmlns:dgm="http://schemas.openxmlformats.org/drawingml/2006/diagram" xmlns:o="urn:schemas-microsoft-com:office:office" xmlns:v="urn:schemas-microsoft-com:vml" xmlns:pvml="urn:schemas-microsoft-com:office:powerpoint" xmlns:com="http://schemas.openxmlformats.org/drawingml/2006/compatibility" xmlns:p14="http://schemas.microsoft.com/office/powerpoint/2010/main" xmlns:p15="http://schemas.microsoft.com/office/powerpoint/2012/main" xmlns:ahyp="http://schemas.microsoft.com/office/drawing/2018/hyperlinkcolor" matchingName="Big number">
+<p:sldLayout xmlns:a="http://schemas.openxmlformats.org/drawingml/2006/main" xmlns:r="http://schemas.openxmlformats.org/officeDocument/2006/relationships" xmlns:p="http://schemas.openxmlformats.org/presentationml/2006/main" matchingName="Big number">
   <p:cSld name="BIG_NUMBER">
     <p:spTree>
       <p:nvGrpSpPr>
-        <p:cNvPr id="44" name="Shape 44"/>
+        <p:cNvPr id="1" name="Shape 44"/>
         <p:cNvGrpSpPr/>
         <p:nvPr/>
       </p:nvGrpSpPr>
@@ -2391,9 +2481,11 @@
       <p:sp>
         <p:nvSpPr>
           <p:cNvPr id="45" name="Google Shape;45;p11"/>
-          <p:cNvSpPr txBox="1"/>
+          <p:cNvSpPr txBox="1">
+            <a:spLocks noGrp="1"/>
+          </p:cNvSpPr>
           <p:nvPr>
-            <p:ph hasCustomPrompt="1" type="title"/>
+            <p:ph type="title" hasCustomPrompt="1"/>
           </p:nvPr>
         </p:nvSpPr>
         <p:spPr>
@@ -2406,7 +2498,7 @@
           </a:prstGeom>
         </p:spPr>
         <p:txBody>
-          <a:bodyPr anchorCtr="0" anchor="b" bIns="91425" lIns="91425" spcFirstLastPara="1" rIns="91425" wrap="square" tIns="91425">
+          <a:bodyPr spcFirstLastPara="1" wrap="square" lIns="91425" tIns="91425" rIns="91425" bIns="91425" anchor="b" anchorCtr="0">
             <a:normAutofit/>
           </a:bodyPr>
           <a:lstStyle>
@@ -2520,9 +2612,11 @@
       <p:sp>
         <p:nvSpPr>
           <p:cNvPr id="46" name="Google Shape;46;p11"/>
-          <p:cNvSpPr txBox="1"/>
+          <p:cNvSpPr txBox="1">
+            <a:spLocks noGrp="1"/>
+          </p:cNvSpPr>
           <p:nvPr>
-            <p:ph idx="1" type="body"/>
+            <p:ph type="body" idx="1"/>
           </p:nvPr>
         </p:nvSpPr>
         <p:spPr>
@@ -2535,11 +2629,11 @@
           </a:prstGeom>
         </p:spPr>
         <p:txBody>
-          <a:bodyPr anchorCtr="0" anchor="t" bIns="91425" lIns="91425" spcFirstLastPara="1" rIns="91425" wrap="square" tIns="91425">
+          <a:bodyPr spcFirstLastPara="1" wrap="square" lIns="91425" tIns="91425" rIns="91425" bIns="91425" anchor="t" anchorCtr="0">
             <a:normAutofit/>
           </a:bodyPr>
           <a:lstStyle>
-            <a:lvl1pPr indent="-342900" lvl="0" marL="457200" algn="ctr">
+            <a:lvl1pPr marL="457200" lvl="0" indent="-342900" algn="ctr">
               <a:spcBef>
                 <a:spcPts val="0"/>
               </a:spcBef>
@@ -2550,7 +2644,7 @@
               <a:buChar char="●"/>
               <a:defRPr/>
             </a:lvl1pPr>
-            <a:lvl2pPr indent="-317500" lvl="1" marL="914400" algn="ctr">
+            <a:lvl2pPr marL="914400" lvl="1" indent="-317500" algn="ctr">
               <a:spcBef>
                 <a:spcPts val="0"/>
               </a:spcBef>
@@ -2561,7 +2655,7 @@
               <a:buChar char="○"/>
               <a:defRPr/>
             </a:lvl2pPr>
-            <a:lvl3pPr indent="-317500" lvl="2" marL="1371600" algn="ctr">
+            <a:lvl3pPr marL="1371600" lvl="2" indent="-317500" algn="ctr">
               <a:spcBef>
                 <a:spcPts val="0"/>
               </a:spcBef>
@@ -2572,7 +2666,7 @@
               <a:buChar char="■"/>
               <a:defRPr/>
             </a:lvl3pPr>
-            <a:lvl4pPr indent="-317500" lvl="3" marL="1828800" algn="ctr">
+            <a:lvl4pPr marL="1828800" lvl="3" indent="-317500" algn="ctr">
               <a:spcBef>
                 <a:spcPts val="0"/>
               </a:spcBef>
@@ -2583,7 +2677,7 @@
               <a:buChar char="●"/>
               <a:defRPr/>
             </a:lvl4pPr>
-            <a:lvl5pPr indent="-317500" lvl="4" marL="2286000" algn="ctr">
+            <a:lvl5pPr marL="2286000" lvl="4" indent="-317500" algn="ctr">
               <a:spcBef>
                 <a:spcPts val="0"/>
               </a:spcBef>
@@ -2594,7 +2688,7 @@
               <a:buChar char="○"/>
               <a:defRPr/>
             </a:lvl5pPr>
-            <a:lvl6pPr indent="-317500" lvl="5" marL="2743200" algn="ctr">
+            <a:lvl6pPr marL="2743200" lvl="5" indent="-317500" algn="ctr">
               <a:spcBef>
                 <a:spcPts val="0"/>
               </a:spcBef>
@@ -2605,7 +2699,7 @@
               <a:buChar char="■"/>
               <a:defRPr/>
             </a:lvl6pPr>
-            <a:lvl7pPr indent="-317500" lvl="6" marL="3200400" algn="ctr">
+            <a:lvl7pPr marL="3200400" lvl="6" indent="-317500" algn="ctr">
               <a:spcBef>
                 <a:spcPts val="0"/>
               </a:spcBef>
@@ -2616,7 +2710,7 @@
               <a:buChar char="●"/>
               <a:defRPr/>
             </a:lvl7pPr>
-            <a:lvl8pPr indent="-317500" lvl="7" marL="3657600" algn="ctr">
+            <a:lvl8pPr marL="3657600" lvl="7" indent="-317500" algn="ctr">
               <a:spcBef>
                 <a:spcPts val="0"/>
               </a:spcBef>
@@ -2627,7 +2721,7 @@
               <a:buChar char="○"/>
               <a:defRPr/>
             </a:lvl8pPr>
-            <a:lvl9pPr indent="-317500" lvl="8" marL="4114800" algn="ctr">
+            <a:lvl9pPr marL="4114800" lvl="8" indent="-317500" algn="ctr">
               <a:spcBef>
                 <a:spcPts val="0"/>
               </a:spcBef>
@@ -2639,15 +2733,19 @@
               <a:defRPr/>
             </a:lvl9pPr>
           </a:lstStyle>
-          <a:p/>
+          <a:p>
+            <a:endParaRPr/>
+          </a:p>
         </p:txBody>
       </p:sp>
       <p:sp>
         <p:nvSpPr>
           <p:cNvPr id="47" name="Google Shape;47;p11"/>
-          <p:cNvSpPr txBox="1"/>
+          <p:cNvSpPr txBox="1">
+            <a:spLocks noGrp="1"/>
+          </p:cNvSpPr>
           <p:nvPr>
-            <p:ph idx="12" type="sldNum"/>
+            <p:ph type="sldNum" idx="12"/>
           </p:nvPr>
         </p:nvSpPr>
         <p:spPr>
@@ -2660,7 +2758,7 @@
           </a:prstGeom>
         </p:spPr>
         <p:txBody>
-          <a:bodyPr anchorCtr="0" anchor="ctr" bIns="91425" lIns="91425" spcFirstLastPara="1" rIns="91425" wrap="square" tIns="91425">
+          <a:bodyPr spcFirstLastPara="1" wrap="square" lIns="91425" tIns="91425" rIns="91425" bIns="91425" anchor="ctr" anchorCtr="0">
             <a:normAutofit/>
           </a:bodyPr>
           <a:lstStyle>
@@ -2702,7 +2800,7 @@
             </a:lvl9pPr>
           </a:lstStyle>
           <a:p>
-            <a:pPr indent="0" lvl="0" marL="0" rtl="0" algn="r">
+            <a:pPr marL="0" lvl="0" indent="0" algn="r" rtl="0">
               <a:spcBef>
                 <a:spcPts val="0"/>
               </a:spcBef>
@@ -2728,11 +2826,11 @@
 </file>
 
 <file path=ppt/slideLayouts/slideLayout11.xml><?xml version="1.0" encoding="utf-8"?>
-<p:sldLayout xmlns:a="http://schemas.openxmlformats.org/drawingml/2006/main" xmlns:r="http://schemas.openxmlformats.org/officeDocument/2006/relationships" xmlns:mc="http://schemas.openxmlformats.org/markup-compatibility/2006" xmlns:mv="urn:schemas-microsoft-com:mac:vml" xmlns:p="http://schemas.openxmlformats.org/presentationml/2006/main" xmlns:c="http://schemas.openxmlformats.org/drawingml/2006/chart" xmlns:dgm="http://schemas.openxmlformats.org/drawingml/2006/diagram" xmlns:o="urn:schemas-microsoft-com:office:office" xmlns:v="urn:schemas-microsoft-com:vml" xmlns:pvml="urn:schemas-microsoft-com:office:powerpoint" xmlns:com="http://schemas.openxmlformats.org/drawingml/2006/compatibility" xmlns:p14="http://schemas.microsoft.com/office/powerpoint/2010/main" xmlns:p15="http://schemas.microsoft.com/office/powerpoint/2012/main" xmlns:ahyp="http://schemas.microsoft.com/office/drawing/2018/hyperlinkcolor" matchingName="Blank" type="blank">
+<p:sldLayout xmlns:a="http://schemas.openxmlformats.org/drawingml/2006/main" xmlns:r="http://schemas.openxmlformats.org/officeDocument/2006/relationships" xmlns:p="http://schemas.openxmlformats.org/presentationml/2006/main" matchingName="Blank" type="blank">
   <p:cSld name="BLANK">
     <p:spTree>
       <p:nvGrpSpPr>
-        <p:cNvPr id="48" name="Shape 48"/>
+        <p:cNvPr id="1" name="Shape 48"/>
         <p:cNvGrpSpPr/>
         <p:nvPr/>
       </p:nvGrpSpPr>
@@ -2747,9 +2845,11 @@
       <p:sp>
         <p:nvSpPr>
           <p:cNvPr id="49" name="Google Shape;49;p12"/>
-          <p:cNvSpPr txBox="1"/>
+          <p:cNvSpPr txBox="1">
+            <a:spLocks noGrp="1"/>
+          </p:cNvSpPr>
           <p:nvPr>
-            <p:ph idx="12" type="sldNum"/>
+            <p:ph type="sldNum" idx="12"/>
           </p:nvPr>
         </p:nvSpPr>
         <p:spPr>
@@ -2762,7 +2862,7 @@
           </a:prstGeom>
         </p:spPr>
         <p:txBody>
-          <a:bodyPr anchorCtr="0" anchor="ctr" bIns="91425" lIns="91425" spcFirstLastPara="1" rIns="91425" wrap="square" tIns="91425">
+          <a:bodyPr spcFirstLastPara="1" wrap="square" lIns="91425" tIns="91425" rIns="91425" bIns="91425" anchor="ctr" anchorCtr="0">
             <a:normAutofit/>
           </a:bodyPr>
           <a:lstStyle>
@@ -2804,7 +2904,7 @@
             </a:lvl9pPr>
           </a:lstStyle>
           <a:p>
-            <a:pPr indent="0" lvl="0" marL="0" rtl="0" algn="r">
+            <a:pPr marL="0" lvl="0" indent="0" algn="r" rtl="0">
               <a:spcBef>
                 <a:spcPts val="0"/>
               </a:spcBef>
@@ -2830,11 +2930,11 @@
 </file>
 
 <file path=ppt/slideLayouts/slideLayout2.xml><?xml version="1.0" encoding="utf-8"?>
-<p:sldLayout xmlns:a="http://schemas.openxmlformats.org/drawingml/2006/main" xmlns:r="http://schemas.openxmlformats.org/officeDocument/2006/relationships" xmlns:mc="http://schemas.openxmlformats.org/markup-compatibility/2006" xmlns:mv="urn:schemas-microsoft-com:mac:vml" xmlns:p="http://schemas.openxmlformats.org/presentationml/2006/main" xmlns:c="http://schemas.openxmlformats.org/drawingml/2006/chart" xmlns:dgm="http://schemas.openxmlformats.org/drawingml/2006/diagram" xmlns:o="urn:schemas-microsoft-com:office:office" xmlns:v="urn:schemas-microsoft-com:vml" xmlns:pvml="urn:schemas-microsoft-com:office:powerpoint" xmlns:com="http://schemas.openxmlformats.org/drawingml/2006/compatibility" xmlns:p14="http://schemas.microsoft.com/office/powerpoint/2010/main" xmlns:p15="http://schemas.microsoft.com/office/powerpoint/2012/main" xmlns:ahyp="http://schemas.microsoft.com/office/drawing/2018/hyperlinkcolor" matchingName="Section header" type="secHead">
+<p:sldLayout xmlns:a="http://schemas.openxmlformats.org/drawingml/2006/main" xmlns:r="http://schemas.openxmlformats.org/officeDocument/2006/relationships" xmlns:p="http://schemas.openxmlformats.org/presentationml/2006/main" matchingName="Section header" type="secHead">
   <p:cSld name="SECTION_HEADER">
     <p:spTree>
       <p:nvGrpSpPr>
-        <p:cNvPr id="13" name="Shape 13"/>
+        <p:cNvPr id="1" name="Shape 13"/>
         <p:cNvGrpSpPr/>
         <p:nvPr/>
       </p:nvGrpSpPr>
@@ -2849,7 +2949,9 @@
       <p:sp>
         <p:nvSpPr>
           <p:cNvPr id="14" name="Google Shape;14;p3"/>
-          <p:cNvSpPr txBox="1"/>
+          <p:cNvSpPr txBox="1">
+            <a:spLocks noGrp="1"/>
+          </p:cNvSpPr>
           <p:nvPr>
             <p:ph type="title"/>
           </p:nvPr>
@@ -2864,7 +2966,7 @@
           </a:prstGeom>
         </p:spPr>
         <p:txBody>
-          <a:bodyPr anchorCtr="0" anchor="ctr" bIns="91425" lIns="91425" spcFirstLastPara="1" rIns="91425" wrap="square" tIns="91425">
+          <a:bodyPr spcFirstLastPara="1" wrap="square" lIns="91425" tIns="91425" rIns="91425" bIns="91425" anchor="ctr" anchorCtr="0">
             <a:normAutofit/>
           </a:bodyPr>
           <a:lstStyle>
@@ -2968,15 +3070,19 @@
               <a:defRPr sz="3600"/>
             </a:lvl9pPr>
           </a:lstStyle>
-          <a:p/>
+          <a:p>
+            <a:endParaRPr/>
+          </a:p>
         </p:txBody>
       </p:sp>
       <p:sp>
         <p:nvSpPr>
           <p:cNvPr id="15" name="Google Shape;15;p3"/>
-          <p:cNvSpPr txBox="1"/>
+          <p:cNvSpPr txBox="1">
+            <a:spLocks noGrp="1"/>
+          </p:cNvSpPr>
           <p:nvPr>
-            <p:ph idx="12" type="sldNum"/>
+            <p:ph type="sldNum" idx="12"/>
           </p:nvPr>
         </p:nvSpPr>
         <p:spPr>
@@ -2989,7 +3095,7 @@
           </a:prstGeom>
         </p:spPr>
         <p:txBody>
-          <a:bodyPr anchorCtr="0" anchor="ctr" bIns="91425" lIns="91425" spcFirstLastPara="1" rIns="91425" wrap="square" tIns="91425">
+          <a:bodyPr spcFirstLastPara="1" wrap="square" lIns="91425" tIns="91425" rIns="91425" bIns="91425" anchor="ctr" anchorCtr="0">
             <a:normAutofit/>
           </a:bodyPr>
           <a:lstStyle>
@@ -3031,7 +3137,7 @@
             </a:lvl9pPr>
           </a:lstStyle>
           <a:p>
-            <a:pPr indent="0" lvl="0" marL="0" rtl="0" algn="r">
+            <a:pPr marL="0" lvl="0" indent="0" algn="r" rtl="0">
               <a:spcBef>
                 <a:spcPts val="0"/>
               </a:spcBef>
@@ -3057,11 +3163,11 @@
 </file>
 
 <file path=ppt/slideLayouts/slideLayout3.xml><?xml version="1.0" encoding="utf-8"?>
-<p:sldLayout xmlns:a="http://schemas.openxmlformats.org/drawingml/2006/main" xmlns:r="http://schemas.openxmlformats.org/officeDocument/2006/relationships" xmlns:mc="http://schemas.openxmlformats.org/markup-compatibility/2006" xmlns:mv="urn:schemas-microsoft-com:mac:vml" xmlns:p="http://schemas.openxmlformats.org/presentationml/2006/main" xmlns:c="http://schemas.openxmlformats.org/drawingml/2006/chart" xmlns:dgm="http://schemas.openxmlformats.org/drawingml/2006/diagram" xmlns:o="urn:schemas-microsoft-com:office:office" xmlns:v="urn:schemas-microsoft-com:vml" xmlns:pvml="urn:schemas-microsoft-com:office:powerpoint" xmlns:com="http://schemas.openxmlformats.org/drawingml/2006/compatibility" xmlns:p14="http://schemas.microsoft.com/office/powerpoint/2010/main" xmlns:p15="http://schemas.microsoft.com/office/powerpoint/2012/main" xmlns:ahyp="http://schemas.microsoft.com/office/drawing/2018/hyperlinkcolor" matchingName="Title and body" type="tx">
+<p:sldLayout xmlns:a="http://schemas.openxmlformats.org/drawingml/2006/main" xmlns:r="http://schemas.openxmlformats.org/officeDocument/2006/relationships" xmlns:p="http://schemas.openxmlformats.org/presentationml/2006/main" matchingName="Title and body" type="tx">
   <p:cSld name="TITLE_AND_BODY">
     <p:spTree>
       <p:nvGrpSpPr>
-        <p:cNvPr id="16" name="Shape 16"/>
+        <p:cNvPr id="1" name="Shape 16"/>
         <p:cNvGrpSpPr/>
         <p:nvPr/>
       </p:nvGrpSpPr>
@@ -3076,7 +3182,9 @@
       <p:sp>
         <p:nvSpPr>
           <p:cNvPr id="17" name="Google Shape;17;p4"/>
-          <p:cNvSpPr txBox="1"/>
+          <p:cNvSpPr txBox="1">
+            <a:spLocks noGrp="1"/>
+          </p:cNvSpPr>
           <p:nvPr>
             <p:ph type="title"/>
           </p:nvPr>
@@ -3091,7 +3199,7 @@
           </a:prstGeom>
         </p:spPr>
         <p:txBody>
-          <a:bodyPr anchorCtr="0" anchor="t" bIns="91425" lIns="91425" spcFirstLastPara="1" rIns="91425" wrap="square" tIns="91425">
+          <a:bodyPr spcFirstLastPara="1" wrap="square" lIns="91425" tIns="91425" rIns="91425" bIns="91425" anchor="t" anchorCtr="0">
             <a:normAutofit/>
           </a:bodyPr>
           <a:lstStyle>
@@ -3195,15 +3303,19 @@
               <a:defRPr/>
             </a:lvl9pPr>
           </a:lstStyle>
-          <a:p/>
+          <a:p>
+            <a:endParaRPr/>
+          </a:p>
         </p:txBody>
       </p:sp>
       <p:sp>
         <p:nvSpPr>
           <p:cNvPr id="18" name="Google Shape;18;p4"/>
-          <p:cNvSpPr txBox="1"/>
+          <p:cNvSpPr txBox="1">
+            <a:spLocks noGrp="1"/>
+          </p:cNvSpPr>
           <p:nvPr>
-            <p:ph idx="1" type="body"/>
+            <p:ph type="body" idx="1"/>
           </p:nvPr>
         </p:nvSpPr>
         <p:spPr>
@@ -3216,11 +3328,11 @@
           </a:prstGeom>
         </p:spPr>
         <p:txBody>
-          <a:bodyPr anchorCtr="0" anchor="t" bIns="91425" lIns="91425" spcFirstLastPara="1" rIns="91425" wrap="square" tIns="91425">
+          <a:bodyPr spcFirstLastPara="1" wrap="square" lIns="91425" tIns="91425" rIns="91425" bIns="91425" anchor="t" anchorCtr="0">
             <a:normAutofit/>
           </a:bodyPr>
           <a:lstStyle>
-            <a:lvl1pPr indent="-342900" lvl="0" marL="457200">
+            <a:lvl1pPr marL="457200" lvl="0" indent="-342900">
               <a:spcBef>
                 <a:spcPts val="0"/>
               </a:spcBef>
@@ -3231,7 +3343,7 @@
               <a:buChar char="●"/>
               <a:defRPr/>
             </a:lvl1pPr>
-            <a:lvl2pPr indent="-317500" lvl="1" marL="914400">
+            <a:lvl2pPr marL="914400" lvl="1" indent="-317500">
               <a:spcBef>
                 <a:spcPts val="0"/>
               </a:spcBef>
@@ -3242,7 +3354,7 @@
               <a:buChar char="○"/>
               <a:defRPr/>
             </a:lvl2pPr>
-            <a:lvl3pPr indent="-317500" lvl="2" marL="1371600">
+            <a:lvl3pPr marL="1371600" lvl="2" indent="-317500">
               <a:spcBef>
                 <a:spcPts val="0"/>
               </a:spcBef>
@@ -3253,7 +3365,7 @@
               <a:buChar char="■"/>
               <a:defRPr/>
             </a:lvl3pPr>
-            <a:lvl4pPr indent="-317500" lvl="3" marL="1828800">
+            <a:lvl4pPr marL="1828800" lvl="3" indent="-317500">
               <a:spcBef>
                 <a:spcPts val="0"/>
               </a:spcBef>
@@ -3264,7 +3376,7 @@
               <a:buChar char="●"/>
               <a:defRPr/>
             </a:lvl4pPr>
-            <a:lvl5pPr indent="-317500" lvl="4" marL="2286000">
+            <a:lvl5pPr marL="2286000" lvl="4" indent="-317500">
               <a:spcBef>
                 <a:spcPts val="0"/>
               </a:spcBef>
@@ -3275,7 +3387,7 @@
               <a:buChar char="○"/>
               <a:defRPr/>
             </a:lvl5pPr>
-            <a:lvl6pPr indent="-317500" lvl="5" marL="2743200">
+            <a:lvl6pPr marL="2743200" lvl="5" indent="-317500">
               <a:spcBef>
                 <a:spcPts val="0"/>
               </a:spcBef>
@@ -3286,7 +3398,7 @@
               <a:buChar char="■"/>
               <a:defRPr/>
             </a:lvl6pPr>
-            <a:lvl7pPr indent="-317500" lvl="6" marL="3200400">
+            <a:lvl7pPr marL="3200400" lvl="6" indent="-317500">
               <a:spcBef>
                 <a:spcPts val="0"/>
               </a:spcBef>
@@ -3297,7 +3409,7 @@
               <a:buChar char="●"/>
               <a:defRPr/>
             </a:lvl7pPr>
-            <a:lvl8pPr indent="-317500" lvl="7" marL="3657600">
+            <a:lvl8pPr marL="3657600" lvl="7" indent="-317500">
               <a:spcBef>
                 <a:spcPts val="0"/>
               </a:spcBef>
@@ -3308,7 +3420,7 @@
               <a:buChar char="○"/>
               <a:defRPr/>
             </a:lvl8pPr>
-            <a:lvl9pPr indent="-317500" lvl="8" marL="4114800">
+            <a:lvl9pPr marL="4114800" lvl="8" indent="-317500">
               <a:spcBef>
                 <a:spcPts val="0"/>
               </a:spcBef>
@@ -3320,15 +3432,19 @@
               <a:defRPr/>
             </a:lvl9pPr>
           </a:lstStyle>
-          <a:p/>
+          <a:p>
+            <a:endParaRPr/>
+          </a:p>
         </p:txBody>
       </p:sp>
       <p:sp>
         <p:nvSpPr>
           <p:cNvPr id="19" name="Google Shape;19;p4"/>
-          <p:cNvSpPr txBox="1"/>
+          <p:cNvSpPr txBox="1">
+            <a:spLocks noGrp="1"/>
+          </p:cNvSpPr>
           <p:nvPr>
-            <p:ph idx="12" type="sldNum"/>
+            <p:ph type="sldNum" idx="12"/>
           </p:nvPr>
         </p:nvSpPr>
         <p:spPr>
@@ -3341,7 +3457,7 @@
           </a:prstGeom>
         </p:spPr>
         <p:txBody>
-          <a:bodyPr anchorCtr="0" anchor="ctr" bIns="91425" lIns="91425" spcFirstLastPara="1" rIns="91425" wrap="square" tIns="91425">
+          <a:bodyPr spcFirstLastPara="1" wrap="square" lIns="91425" tIns="91425" rIns="91425" bIns="91425" anchor="ctr" anchorCtr="0">
             <a:normAutofit/>
           </a:bodyPr>
           <a:lstStyle>
@@ -3383,7 +3499,7 @@
             </a:lvl9pPr>
           </a:lstStyle>
           <a:p>
-            <a:pPr indent="0" lvl="0" marL="0" rtl="0" algn="r">
+            <a:pPr marL="0" lvl="0" indent="0" algn="r" rtl="0">
               <a:spcBef>
                 <a:spcPts val="0"/>
               </a:spcBef>
@@ -3409,11 +3525,11 @@
 </file>
 
 <file path=ppt/slideLayouts/slideLayout4.xml><?xml version="1.0" encoding="utf-8"?>
-<p:sldLayout xmlns:a="http://schemas.openxmlformats.org/drawingml/2006/main" xmlns:r="http://schemas.openxmlformats.org/officeDocument/2006/relationships" xmlns:mc="http://schemas.openxmlformats.org/markup-compatibility/2006" xmlns:mv="urn:schemas-microsoft-com:mac:vml" xmlns:p="http://schemas.openxmlformats.org/presentationml/2006/main" xmlns:c="http://schemas.openxmlformats.org/drawingml/2006/chart" xmlns:dgm="http://schemas.openxmlformats.org/drawingml/2006/diagram" xmlns:o="urn:schemas-microsoft-com:office:office" xmlns:v="urn:schemas-microsoft-com:vml" xmlns:pvml="urn:schemas-microsoft-com:office:powerpoint" xmlns:com="http://schemas.openxmlformats.org/drawingml/2006/compatibility" xmlns:p14="http://schemas.microsoft.com/office/powerpoint/2010/main" xmlns:p15="http://schemas.microsoft.com/office/powerpoint/2012/main" xmlns:ahyp="http://schemas.microsoft.com/office/drawing/2018/hyperlinkcolor" matchingName="Title and two columns" type="twoColTx">
+<p:sldLayout xmlns:a="http://schemas.openxmlformats.org/drawingml/2006/main" xmlns:r="http://schemas.openxmlformats.org/officeDocument/2006/relationships" xmlns:p="http://schemas.openxmlformats.org/presentationml/2006/main" matchingName="Title and two columns" type="twoColTx">
   <p:cSld name="TITLE_AND_TWO_COLUMNS">
     <p:spTree>
       <p:nvGrpSpPr>
-        <p:cNvPr id="20" name="Shape 20"/>
+        <p:cNvPr id="1" name="Shape 20"/>
         <p:cNvGrpSpPr/>
         <p:nvPr/>
       </p:nvGrpSpPr>
@@ -3428,7 +3544,9 @@
       <p:sp>
         <p:nvSpPr>
           <p:cNvPr id="21" name="Google Shape;21;p5"/>
-          <p:cNvSpPr txBox="1"/>
+          <p:cNvSpPr txBox="1">
+            <a:spLocks noGrp="1"/>
+          </p:cNvSpPr>
           <p:nvPr>
             <p:ph type="title"/>
           </p:nvPr>
@@ -3443,7 +3561,7 @@
           </a:prstGeom>
         </p:spPr>
         <p:txBody>
-          <a:bodyPr anchorCtr="0" anchor="t" bIns="91425" lIns="91425" spcFirstLastPara="1" rIns="91425" wrap="square" tIns="91425">
+          <a:bodyPr spcFirstLastPara="1" wrap="square" lIns="91425" tIns="91425" rIns="91425" bIns="91425" anchor="t" anchorCtr="0">
             <a:normAutofit/>
           </a:bodyPr>
           <a:lstStyle>
@@ -3547,15 +3665,19 @@
               <a:defRPr/>
             </a:lvl9pPr>
           </a:lstStyle>
-          <a:p/>
+          <a:p>
+            <a:endParaRPr/>
+          </a:p>
         </p:txBody>
       </p:sp>
       <p:sp>
         <p:nvSpPr>
           <p:cNvPr id="22" name="Google Shape;22;p5"/>
-          <p:cNvSpPr txBox="1"/>
+          <p:cNvSpPr txBox="1">
+            <a:spLocks noGrp="1"/>
+          </p:cNvSpPr>
           <p:nvPr>
-            <p:ph idx="1" type="body"/>
+            <p:ph type="body" idx="1"/>
           </p:nvPr>
         </p:nvSpPr>
         <p:spPr>
@@ -3568,11 +3690,11 @@
           </a:prstGeom>
         </p:spPr>
         <p:txBody>
-          <a:bodyPr anchorCtr="0" anchor="t" bIns="91425" lIns="91425" spcFirstLastPara="1" rIns="91425" wrap="square" tIns="91425">
+          <a:bodyPr spcFirstLastPara="1" wrap="square" lIns="91425" tIns="91425" rIns="91425" bIns="91425" anchor="t" anchorCtr="0">
             <a:normAutofit/>
           </a:bodyPr>
           <a:lstStyle>
-            <a:lvl1pPr indent="-317500" lvl="0" marL="457200">
+            <a:lvl1pPr marL="457200" lvl="0" indent="-317500">
               <a:spcBef>
                 <a:spcPts val="0"/>
               </a:spcBef>
@@ -3583,7 +3705,7 @@
               <a:buChar char="●"/>
               <a:defRPr sz="1400"/>
             </a:lvl1pPr>
-            <a:lvl2pPr indent="-304800" lvl="1" marL="914400">
+            <a:lvl2pPr marL="914400" lvl="1" indent="-304800">
               <a:spcBef>
                 <a:spcPts val="0"/>
               </a:spcBef>
@@ -3594,7 +3716,7 @@
               <a:buChar char="○"/>
               <a:defRPr sz="1200"/>
             </a:lvl2pPr>
-            <a:lvl3pPr indent="-304800" lvl="2" marL="1371600">
+            <a:lvl3pPr marL="1371600" lvl="2" indent="-304800">
               <a:spcBef>
                 <a:spcPts val="0"/>
               </a:spcBef>
@@ -3605,7 +3727,7 @@
               <a:buChar char="■"/>
               <a:defRPr sz="1200"/>
             </a:lvl3pPr>
-            <a:lvl4pPr indent="-304800" lvl="3" marL="1828800">
+            <a:lvl4pPr marL="1828800" lvl="3" indent="-304800">
               <a:spcBef>
                 <a:spcPts val="0"/>
               </a:spcBef>
@@ -3616,7 +3738,7 @@
               <a:buChar char="●"/>
               <a:defRPr sz="1200"/>
             </a:lvl4pPr>
-            <a:lvl5pPr indent="-304800" lvl="4" marL="2286000">
+            <a:lvl5pPr marL="2286000" lvl="4" indent="-304800">
               <a:spcBef>
                 <a:spcPts val="0"/>
               </a:spcBef>
@@ -3627,7 +3749,7 @@
               <a:buChar char="○"/>
               <a:defRPr sz="1200"/>
             </a:lvl5pPr>
-            <a:lvl6pPr indent="-304800" lvl="5" marL="2743200">
+            <a:lvl6pPr marL="2743200" lvl="5" indent="-304800">
               <a:spcBef>
                 <a:spcPts val="0"/>
               </a:spcBef>
@@ -3638,7 +3760,7 @@
               <a:buChar char="■"/>
               <a:defRPr sz="1200"/>
             </a:lvl6pPr>
-            <a:lvl7pPr indent="-304800" lvl="6" marL="3200400">
+            <a:lvl7pPr marL="3200400" lvl="6" indent="-304800">
               <a:spcBef>
                 <a:spcPts val="0"/>
               </a:spcBef>
@@ -3649,7 +3771,7 @@
               <a:buChar char="●"/>
               <a:defRPr sz="1200"/>
             </a:lvl7pPr>
-            <a:lvl8pPr indent="-304800" lvl="7" marL="3657600">
+            <a:lvl8pPr marL="3657600" lvl="7" indent="-304800">
               <a:spcBef>
                 <a:spcPts val="0"/>
               </a:spcBef>
@@ -3660,7 +3782,7 @@
               <a:buChar char="○"/>
               <a:defRPr sz="1200"/>
             </a:lvl8pPr>
-            <a:lvl9pPr indent="-304800" lvl="8" marL="4114800">
+            <a:lvl9pPr marL="4114800" lvl="8" indent="-304800">
               <a:spcBef>
                 <a:spcPts val="0"/>
               </a:spcBef>
@@ -3672,15 +3794,19 @@
               <a:defRPr sz="1200"/>
             </a:lvl9pPr>
           </a:lstStyle>
-          <a:p/>
+          <a:p>
+            <a:endParaRPr/>
+          </a:p>
         </p:txBody>
       </p:sp>
       <p:sp>
         <p:nvSpPr>
           <p:cNvPr id="23" name="Google Shape;23;p5"/>
-          <p:cNvSpPr txBox="1"/>
+          <p:cNvSpPr txBox="1">
+            <a:spLocks noGrp="1"/>
+          </p:cNvSpPr>
           <p:nvPr>
-            <p:ph idx="2" type="body"/>
+            <p:ph type="body" idx="2"/>
           </p:nvPr>
         </p:nvSpPr>
         <p:spPr>
@@ -3693,11 +3819,11 @@
           </a:prstGeom>
         </p:spPr>
         <p:txBody>
-          <a:bodyPr anchorCtr="0" anchor="t" bIns="91425" lIns="91425" spcFirstLastPara="1" rIns="91425" wrap="square" tIns="91425">
+          <a:bodyPr spcFirstLastPara="1" wrap="square" lIns="91425" tIns="91425" rIns="91425" bIns="91425" anchor="t" anchorCtr="0">
             <a:normAutofit/>
           </a:bodyPr>
           <a:lstStyle>
-            <a:lvl1pPr indent="-317500" lvl="0" marL="457200">
+            <a:lvl1pPr marL="457200" lvl="0" indent="-317500">
               <a:spcBef>
                 <a:spcPts val="0"/>
               </a:spcBef>
@@ -3708,7 +3834,7 @@
               <a:buChar char="●"/>
               <a:defRPr sz="1400"/>
             </a:lvl1pPr>
-            <a:lvl2pPr indent="-304800" lvl="1" marL="914400">
+            <a:lvl2pPr marL="914400" lvl="1" indent="-304800">
               <a:spcBef>
                 <a:spcPts val="0"/>
               </a:spcBef>
@@ -3719,7 +3845,7 @@
               <a:buChar char="○"/>
               <a:defRPr sz="1200"/>
             </a:lvl2pPr>
-            <a:lvl3pPr indent="-304800" lvl="2" marL="1371600">
+            <a:lvl3pPr marL="1371600" lvl="2" indent="-304800">
               <a:spcBef>
                 <a:spcPts val="0"/>
               </a:spcBef>
@@ -3730,7 +3856,7 @@
               <a:buChar char="■"/>
               <a:defRPr sz="1200"/>
             </a:lvl3pPr>
-            <a:lvl4pPr indent="-304800" lvl="3" marL="1828800">
+            <a:lvl4pPr marL="1828800" lvl="3" indent="-304800">
               <a:spcBef>
                 <a:spcPts val="0"/>
               </a:spcBef>
@@ -3741,7 +3867,7 @@
               <a:buChar char="●"/>
               <a:defRPr sz="1200"/>
             </a:lvl4pPr>
-            <a:lvl5pPr indent="-304800" lvl="4" marL="2286000">
+            <a:lvl5pPr marL="2286000" lvl="4" indent="-304800">
               <a:spcBef>
                 <a:spcPts val="0"/>
               </a:spcBef>
@@ -3752,7 +3878,7 @@
               <a:buChar char="○"/>
               <a:defRPr sz="1200"/>
             </a:lvl5pPr>
-            <a:lvl6pPr indent="-304800" lvl="5" marL="2743200">
+            <a:lvl6pPr marL="2743200" lvl="5" indent="-304800">
               <a:spcBef>
                 <a:spcPts val="0"/>
               </a:spcBef>
@@ -3763,7 +3889,7 @@
               <a:buChar char="■"/>
               <a:defRPr sz="1200"/>
             </a:lvl6pPr>
-            <a:lvl7pPr indent="-304800" lvl="6" marL="3200400">
+            <a:lvl7pPr marL="3200400" lvl="6" indent="-304800">
               <a:spcBef>
                 <a:spcPts val="0"/>
               </a:spcBef>
@@ -3774,7 +3900,7 @@
               <a:buChar char="●"/>
               <a:defRPr sz="1200"/>
             </a:lvl7pPr>
-            <a:lvl8pPr indent="-304800" lvl="7" marL="3657600">
+            <a:lvl8pPr marL="3657600" lvl="7" indent="-304800">
               <a:spcBef>
                 <a:spcPts val="0"/>
               </a:spcBef>
@@ -3785,7 +3911,7 @@
               <a:buChar char="○"/>
               <a:defRPr sz="1200"/>
             </a:lvl8pPr>
-            <a:lvl9pPr indent="-304800" lvl="8" marL="4114800">
+            <a:lvl9pPr marL="4114800" lvl="8" indent="-304800">
               <a:spcBef>
                 <a:spcPts val="0"/>
               </a:spcBef>
@@ -3797,15 +3923,19 @@
               <a:defRPr sz="1200"/>
             </a:lvl9pPr>
           </a:lstStyle>
-          <a:p/>
+          <a:p>
+            <a:endParaRPr/>
+          </a:p>
         </p:txBody>
       </p:sp>
       <p:sp>
         <p:nvSpPr>
           <p:cNvPr id="24" name="Google Shape;24;p5"/>
-          <p:cNvSpPr txBox="1"/>
+          <p:cNvSpPr txBox="1">
+            <a:spLocks noGrp="1"/>
+          </p:cNvSpPr>
           <p:nvPr>
-            <p:ph idx="12" type="sldNum"/>
+            <p:ph type="sldNum" idx="12"/>
           </p:nvPr>
         </p:nvSpPr>
         <p:spPr>
@@ -3818,7 +3948,7 @@
           </a:prstGeom>
         </p:spPr>
         <p:txBody>
-          <a:bodyPr anchorCtr="0" anchor="ctr" bIns="91425" lIns="91425" spcFirstLastPara="1" rIns="91425" wrap="square" tIns="91425">
+          <a:bodyPr spcFirstLastPara="1" wrap="square" lIns="91425" tIns="91425" rIns="91425" bIns="91425" anchor="ctr" anchorCtr="0">
             <a:normAutofit/>
           </a:bodyPr>
           <a:lstStyle>
@@ -3860,7 +3990,7 @@
             </a:lvl9pPr>
           </a:lstStyle>
           <a:p>
-            <a:pPr indent="0" lvl="0" marL="0" rtl="0" algn="r">
+            <a:pPr marL="0" lvl="0" indent="0" algn="r" rtl="0">
               <a:spcBef>
                 <a:spcPts val="0"/>
               </a:spcBef>
@@ -3886,11 +4016,11 @@
 </file>
 
 <file path=ppt/slideLayouts/slideLayout5.xml><?xml version="1.0" encoding="utf-8"?>
-<p:sldLayout xmlns:a="http://schemas.openxmlformats.org/drawingml/2006/main" xmlns:r="http://schemas.openxmlformats.org/officeDocument/2006/relationships" xmlns:mc="http://schemas.openxmlformats.org/markup-compatibility/2006" xmlns:mv="urn:schemas-microsoft-com:mac:vml" xmlns:p="http://schemas.openxmlformats.org/presentationml/2006/main" xmlns:c="http://schemas.openxmlformats.org/drawingml/2006/chart" xmlns:dgm="http://schemas.openxmlformats.org/drawingml/2006/diagram" xmlns:o="urn:schemas-microsoft-com:office:office" xmlns:v="urn:schemas-microsoft-com:vml" xmlns:pvml="urn:schemas-microsoft-com:office:powerpoint" xmlns:com="http://schemas.openxmlformats.org/drawingml/2006/compatibility" xmlns:p14="http://schemas.microsoft.com/office/powerpoint/2010/main" xmlns:p15="http://schemas.microsoft.com/office/powerpoint/2012/main" xmlns:ahyp="http://schemas.microsoft.com/office/drawing/2018/hyperlinkcolor" matchingName="Title only" type="titleOnly">
+<p:sldLayout xmlns:a="http://schemas.openxmlformats.org/drawingml/2006/main" xmlns:r="http://schemas.openxmlformats.org/officeDocument/2006/relationships" xmlns:p="http://schemas.openxmlformats.org/presentationml/2006/main" matchingName="Title only" type="titleOnly">
   <p:cSld name="TITLE_ONLY">
     <p:spTree>
       <p:nvGrpSpPr>
-        <p:cNvPr id="25" name="Shape 25"/>
+        <p:cNvPr id="1" name="Shape 25"/>
         <p:cNvGrpSpPr/>
         <p:nvPr/>
       </p:nvGrpSpPr>
@@ -3905,7 +4035,9 @@
       <p:sp>
         <p:nvSpPr>
           <p:cNvPr id="26" name="Google Shape;26;p6"/>
-          <p:cNvSpPr txBox="1"/>
+          <p:cNvSpPr txBox="1">
+            <a:spLocks noGrp="1"/>
+          </p:cNvSpPr>
           <p:nvPr>
             <p:ph type="title"/>
           </p:nvPr>
@@ -3920,7 +4052,7 @@
           </a:prstGeom>
         </p:spPr>
         <p:txBody>
-          <a:bodyPr anchorCtr="0" anchor="t" bIns="91425" lIns="91425" spcFirstLastPara="1" rIns="91425" wrap="square" tIns="91425">
+          <a:bodyPr spcFirstLastPara="1" wrap="square" lIns="91425" tIns="91425" rIns="91425" bIns="91425" anchor="t" anchorCtr="0">
             <a:normAutofit/>
           </a:bodyPr>
           <a:lstStyle>
@@ -4024,15 +4156,19 @@
               <a:defRPr/>
             </a:lvl9pPr>
           </a:lstStyle>
-          <a:p/>
+          <a:p>
+            <a:endParaRPr/>
+          </a:p>
         </p:txBody>
       </p:sp>
       <p:sp>
         <p:nvSpPr>
           <p:cNvPr id="27" name="Google Shape;27;p6"/>
-          <p:cNvSpPr txBox="1"/>
+          <p:cNvSpPr txBox="1">
+            <a:spLocks noGrp="1"/>
+          </p:cNvSpPr>
           <p:nvPr>
-            <p:ph idx="12" type="sldNum"/>
+            <p:ph type="sldNum" idx="12"/>
           </p:nvPr>
         </p:nvSpPr>
         <p:spPr>
@@ -4045,7 +4181,7 @@
           </a:prstGeom>
         </p:spPr>
         <p:txBody>
-          <a:bodyPr anchorCtr="0" anchor="ctr" bIns="91425" lIns="91425" spcFirstLastPara="1" rIns="91425" wrap="square" tIns="91425">
+          <a:bodyPr spcFirstLastPara="1" wrap="square" lIns="91425" tIns="91425" rIns="91425" bIns="91425" anchor="ctr" anchorCtr="0">
             <a:normAutofit/>
           </a:bodyPr>
           <a:lstStyle>
@@ -4087,7 +4223,7 @@
             </a:lvl9pPr>
           </a:lstStyle>
           <a:p>
-            <a:pPr indent="0" lvl="0" marL="0" rtl="0" algn="r">
+            <a:pPr marL="0" lvl="0" indent="0" algn="r" rtl="0">
               <a:spcBef>
                 <a:spcPts val="0"/>
               </a:spcBef>
@@ -4113,11 +4249,11 @@
 </file>
 
 <file path=ppt/slideLayouts/slideLayout6.xml><?xml version="1.0" encoding="utf-8"?>
-<p:sldLayout xmlns:a="http://schemas.openxmlformats.org/drawingml/2006/main" xmlns:r="http://schemas.openxmlformats.org/officeDocument/2006/relationships" xmlns:mc="http://schemas.openxmlformats.org/markup-compatibility/2006" xmlns:mv="urn:schemas-microsoft-com:mac:vml" xmlns:p="http://schemas.openxmlformats.org/presentationml/2006/main" xmlns:c="http://schemas.openxmlformats.org/drawingml/2006/chart" xmlns:dgm="http://schemas.openxmlformats.org/drawingml/2006/diagram" xmlns:o="urn:schemas-microsoft-com:office:office" xmlns:v="urn:schemas-microsoft-com:vml" xmlns:pvml="urn:schemas-microsoft-com:office:powerpoint" xmlns:com="http://schemas.openxmlformats.org/drawingml/2006/compatibility" xmlns:p14="http://schemas.microsoft.com/office/powerpoint/2010/main" xmlns:p15="http://schemas.microsoft.com/office/powerpoint/2012/main" xmlns:ahyp="http://schemas.microsoft.com/office/drawing/2018/hyperlinkcolor" matchingName="One column text">
+<p:sldLayout xmlns:a="http://schemas.openxmlformats.org/drawingml/2006/main" xmlns:r="http://schemas.openxmlformats.org/officeDocument/2006/relationships" xmlns:p="http://schemas.openxmlformats.org/presentationml/2006/main" matchingName="One column text">
   <p:cSld name="ONE_COLUMN_TEXT">
     <p:spTree>
       <p:nvGrpSpPr>
-        <p:cNvPr id="28" name="Shape 28"/>
+        <p:cNvPr id="1" name="Shape 28"/>
         <p:cNvGrpSpPr/>
         <p:nvPr/>
       </p:nvGrpSpPr>
@@ -4132,7 +4268,9 @@
       <p:sp>
         <p:nvSpPr>
           <p:cNvPr id="29" name="Google Shape;29;p7"/>
-          <p:cNvSpPr txBox="1"/>
+          <p:cNvSpPr txBox="1">
+            <a:spLocks noGrp="1"/>
+          </p:cNvSpPr>
           <p:nvPr>
             <p:ph type="title"/>
           </p:nvPr>
@@ -4147,7 +4285,7 @@
           </a:prstGeom>
         </p:spPr>
         <p:txBody>
-          <a:bodyPr anchorCtr="0" anchor="b" bIns="91425" lIns="91425" spcFirstLastPara="1" rIns="91425" wrap="square" tIns="91425">
+          <a:bodyPr spcFirstLastPara="1" wrap="square" lIns="91425" tIns="91425" rIns="91425" bIns="91425" anchor="b" anchorCtr="0">
             <a:normAutofit/>
           </a:bodyPr>
           <a:lstStyle>
@@ -4251,15 +4389,19 @@
               <a:defRPr sz="2400"/>
             </a:lvl9pPr>
           </a:lstStyle>
-          <a:p/>
+          <a:p>
+            <a:endParaRPr/>
+          </a:p>
         </p:txBody>
       </p:sp>
       <p:sp>
         <p:nvSpPr>
           <p:cNvPr id="30" name="Google Shape;30;p7"/>
-          <p:cNvSpPr txBox="1"/>
+          <p:cNvSpPr txBox="1">
+            <a:spLocks noGrp="1"/>
+          </p:cNvSpPr>
           <p:nvPr>
-            <p:ph idx="1" type="body"/>
+            <p:ph type="body" idx="1"/>
           </p:nvPr>
         </p:nvSpPr>
         <p:spPr>
@@ -4272,11 +4414,11 @@
           </a:prstGeom>
         </p:spPr>
         <p:txBody>
-          <a:bodyPr anchorCtr="0" anchor="t" bIns="91425" lIns="91425" spcFirstLastPara="1" rIns="91425" wrap="square" tIns="91425">
+          <a:bodyPr spcFirstLastPara="1" wrap="square" lIns="91425" tIns="91425" rIns="91425" bIns="91425" anchor="t" anchorCtr="0">
             <a:normAutofit/>
           </a:bodyPr>
           <a:lstStyle>
-            <a:lvl1pPr indent="-304800" lvl="0" marL="457200">
+            <a:lvl1pPr marL="457200" lvl="0" indent="-304800">
               <a:spcBef>
                 <a:spcPts val="0"/>
               </a:spcBef>
@@ -4287,7 +4429,7 @@
               <a:buChar char="●"/>
               <a:defRPr sz="1200"/>
             </a:lvl1pPr>
-            <a:lvl2pPr indent="-304800" lvl="1" marL="914400">
+            <a:lvl2pPr marL="914400" lvl="1" indent="-304800">
               <a:spcBef>
                 <a:spcPts val="0"/>
               </a:spcBef>
@@ -4298,7 +4440,7 @@
               <a:buChar char="○"/>
               <a:defRPr sz="1200"/>
             </a:lvl2pPr>
-            <a:lvl3pPr indent="-304800" lvl="2" marL="1371600">
+            <a:lvl3pPr marL="1371600" lvl="2" indent="-304800">
               <a:spcBef>
                 <a:spcPts val="0"/>
               </a:spcBef>
@@ -4309,7 +4451,7 @@
               <a:buChar char="■"/>
               <a:defRPr sz="1200"/>
             </a:lvl3pPr>
-            <a:lvl4pPr indent="-304800" lvl="3" marL="1828800">
+            <a:lvl4pPr marL="1828800" lvl="3" indent="-304800">
               <a:spcBef>
                 <a:spcPts val="0"/>
               </a:spcBef>
@@ -4320,7 +4462,7 @@
               <a:buChar char="●"/>
               <a:defRPr sz="1200"/>
             </a:lvl4pPr>
-            <a:lvl5pPr indent="-304800" lvl="4" marL="2286000">
+            <a:lvl5pPr marL="2286000" lvl="4" indent="-304800">
               <a:spcBef>
                 <a:spcPts val="0"/>
               </a:spcBef>
@@ -4331,7 +4473,7 @@
               <a:buChar char="○"/>
               <a:defRPr sz="1200"/>
             </a:lvl5pPr>
-            <a:lvl6pPr indent="-304800" lvl="5" marL="2743200">
+            <a:lvl6pPr marL="2743200" lvl="5" indent="-304800">
               <a:spcBef>
                 <a:spcPts val="0"/>
               </a:spcBef>
@@ -4342,7 +4484,7 @@
               <a:buChar char="■"/>
               <a:defRPr sz="1200"/>
             </a:lvl6pPr>
-            <a:lvl7pPr indent="-304800" lvl="6" marL="3200400">
+            <a:lvl7pPr marL="3200400" lvl="6" indent="-304800">
               <a:spcBef>
                 <a:spcPts val="0"/>
               </a:spcBef>
@@ -4353,7 +4495,7 @@
               <a:buChar char="●"/>
               <a:defRPr sz="1200"/>
             </a:lvl7pPr>
-            <a:lvl8pPr indent="-304800" lvl="7" marL="3657600">
+            <a:lvl8pPr marL="3657600" lvl="7" indent="-304800">
               <a:spcBef>
                 <a:spcPts val="0"/>
               </a:spcBef>
@@ -4364,7 +4506,7 @@
               <a:buChar char="○"/>
               <a:defRPr sz="1200"/>
             </a:lvl8pPr>
-            <a:lvl9pPr indent="-304800" lvl="8" marL="4114800">
+            <a:lvl9pPr marL="4114800" lvl="8" indent="-304800">
               <a:spcBef>
                 <a:spcPts val="0"/>
               </a:spcBef>
@@ -4376,15 +4518,19 @@
               <a:defRPr sz="1200"/>
             </a:lvl9pPr>
           </a:lstStyle>
-          <a:p/>
+          <a:p>
+            <a:endParaRPr/>
+          </a:p>
         </p:txBody>
       </p:sp>
       <p:sp>
         <p:nvSpPr>
           <p:cNvPr id="31" name="Google Shape;31;p7"/>
-          <p:cNvSpPr txBox="1"/>
+          <p:cNvSpPr txBox="1">
+            <a:spLocks noGrp="1"/>
+          </p:cNvSpPr>
           <p:nvPr>
-            <p:ph idx="12" type="sldNum"/>
+            <p:ph type="sldNum" idx="12"/>
           </p:nvPr>
         </p:nvSpPr>
         <p:spPr>
@@ -4397,7 +4543,7 @@
           </a:prstGeom>
         </p:spPr>
         <p:txBody>
-          <a:bodyPr anchorCtr="0" anchor="ctr" bIns="91425" lIns="91425" spcFirstLastPara="1" rIns="91425" wrap="square" tIns="91425">
+          <a:bodyPr spcFirstLastPara="1" wrap="square" lIns="91425" tIns="91425" rIns="91425" bIns="91425" anchor="ctr" anchorCtr="0">
             <a:normAutofit/>
           </a:bodyPr>
           <a:lstStyle>
@@ -4439,7 +4585,7 @@
             </a:lvl9pPr>
           </a:lstStyle>
           <a:p>
-            <a:pPr indent="0" lvl="0" marL="0" rtl="0" algn="r">
+            <a:pPr marL="0" lvl="0" indent="0" algn="r" rtl="0">
               <a:spcBef>
                 <a:spcPts val="0"/>
               </a:spcBef>
@@ -4465,11 +4611,11 @@
 </file>
 
 <file path=ppt/slideLayouts/slideLayout7.xml><?xml version="1.0" encoding="utf-8"?>
-<p:sldLayout xmlns:a="http://schemas.openxmlformats.org/drawingml/2006/main" xmlns:r="http://schemas.openxmlformats.org/officeDocument/2006/relationships" xmlns:mc="http://schemas.openxmlformats.org/markup-compatibility/2006" xmlns:mv="urn:schemas-microsoft-com:mac:vml" xmlns:p="http://schemas.openxmlformats.org/presentationml/2006/main" xmlns:c="http://schemas.openxmlformats.org/drawingml/2006/chart" xmlns:dgm="http://schemas.openxmlformats.org/drawingml/2006/diagram" xmlns:o="urn:schemas-microsoft-com:office:office" xmlns:v="urn:schemas-microsoft-com:vml" xmlns:pvml="urn:schemas-microsoft-com:office:powerpoint" xmlns:com="http://schemas.openxmlformats.org/drawingml/2006/compatibility" xmlns:p14="http://schemas.microsoft.com/office/powerpoint/2010/main" xmlns:p15="http://schemas.microsoft.com/office/powerpoint/2012/main" xmlns:ahyp="http://schemas.microsoft.com/office/drawing/2018/hyperlinkcolor" matchingName="Main point">
+<p:sldLayout xmlns:a="http://schemas.openxmlformats.org/drawingml/2006/main" xmlns:r="http://schemas.openxmlformats.org/officeDocument/2006/relationships" xmlns:p="http://schemas.openxmlformats.org/presentationml/2006/main" matchingName="Main point">
   <p:cSld name="MAIN_POINT">
     <p:spTree>
       <p:nvGrpSpPr>
-        <p:cNvPr id="32" name="Shape 32"/>
+        <p:cNvPr id="1" name="Shape 32"/>
         <p:cNvGrpSpPr/>
         <p:nvPr/>
       </p:nvGrpSpPr>
@@ -4484,7 +4630,9 @@
       <p:sp>
         <p:nvSpPr>
           <p:cNvPr id="33" name="Google Shape;33;p8"/>
-          <p:cNvSpPr txBox="1"/>
+          <p:cNvSpPr txBox="1">
+            <a:spLocks noGrp="1"/>
+          </p:cNvSpPr>
           <p:nvPr>
             <p:ph type="title"/>
           </p:nvPr>
@@ -4499,7 +4647,7 @@
           </a:prstGeom>
         </p:spPr>
         <p:txBody>
-          <a:bodyPr anchorCtr="0" anchor="ctr" bIns="91425" lIns="91425" spcFirstLastPara="1" rIns="91425" wrap="square" tIns="91425">
+          <a:bodyPr spcFirstLastPara="1" wrap="square" lIns="91425" tIns="91425" rIns="91425" bIns="91425" anchor="ctr" anchorCtr="0">
             <a:normAutofit/>
           </a:bodyPr>
           <a:lstStyle>
@@ -4603,15 +4751,19 @@
               <a:defRPr sz="4800"/>
             </a:lvl9pPr>
           </a:lstStyle>
-          <a:p/>
+          <a:p>
+            <a:endParaRPr/>
+          </a:p>
         </p:txBody>
       </p:sp>
       <p:sp>
         <p:nvSpPr>
           <p:cNvPr id="34" name="Google Shape;34;p8"/>
-          <p:cNvSpPr txBox="1"/>
+          <p:cNvSpPr txBox="1">
+            <a:spLocks noGrp="1"/>
+          </p:cNvSpPr>
           <p:nvPr>
-            <p:ph idx="12" type="sldNum"/>
+            <p:ph type="sldNum" idx="12"/>
           </p:nvPr>
         </p:nvSpPr>
         <p:spPr>
@@ -4624,7 +4776,7 @@
           </a:prstGeom>
         </p:spPr>
         <p:txBody>
-          <a:bodyPr anchorCtr="0" anchor="ctr" bIns="91425" lIns="91425" spcFirstLastPara="1" rIns="91425" wrap="square" tIns="91425">
+          <a:bodyPr spcFirstLastPara="1" wrap="square" lIns="91425" tIns="91425" rIns="91425" bIns="91425" anchor="ctr" anchorCtr="0">
             <a:normAutofit/>
           </a:bodyPr>
           <a:lstStyle>
@@ -4666,7 +4818,7 @@
             </a:lvl9pPr>
           </a:lstStyle>
           <a:p>
-            <a:pPr indent="0" lvl="0" marL="0" rtl="0" algn="r">
+            <a:pPr marL="0" lvl="0" indent="0" algn="r" rtl="0">
               <a:spcBef>
                 <a:spcPts val="0"/>
               </a:spcBef>
@@ -4692,11 +4844,11 @@
 </file>
 
 <file path=ppt/slideLayouts/slideLayout8.xml><?xml version="1.0" encoding="utf-8"?>
-<p:sldLayout xmlns:a="http://schemas.openxmlformats.org/drawingml/2006/main" xmlns:r="http://schemas.openxmlformats.org/officeDocument/2006/relationships" xmlns:mc="http://schemas.openxmlformats.org/markup-compatibility/2006" xmlns:mv="urn:schemas-microsoft-com:mac:vml" xmlns:p="http://schemas.openxmlformats.org/presentationml/2006/main" xmlns:c="http://schemas.openxmlformats.org/drawingml/2006/chart" xmlns:dgm="http://schemas.openxmlformats.org/drawingml/2006/diagram" xmlns:o="urn:schemas-microsoft-com:office:office" xmlns:v="urn:schemas-microsoft-com:vml" xmlns:pvml="urn:schemas-microsoft-com:office:powerpoint" xmlns:com="http://schemas.openxmlformats.org/drawingml/2006/compatibility" xmlns:p14="http://schemas.microsoft.com/office/powerpoint/2010/main" xmlns:p15="http://schemas.microsoft.com/office/powerpoint/2012/main" xmlns:ahyp="http://schemas.microsoft.com/office/drawing/2018/hyperlinkcolor" matchingName="Section title and description">
+<p:sldLayout xmlns:a="http://schemas.openxmlformats.org/drawingml/2006/main" xmlns:r="http://schemas.openxmlformats.org/officeDocument/2006/relationships" xmlns:p="http://schemas.openxmlformats.org/presentationml/2006/main" matchingName="Section title and description">
   <p:cSld name="SECTION_TITLE_AND_DESCRIPTION">
     <p:spTree>
       <p:nvGrpSpPr>
-        <p:cNvPr id="35" name="Shape 35"/>
+        <p:cNvPr id="1" name="Shape 35"/>
         <p:cNvGrpSpPr/>
         <p:nvPr/>
       </p:nvGrpSpPr>
@@ -4730,12 +4882,12 @@
           </a:ln>
         </p:spPr>
         <p:txBody>
-          <a:bodyPr anchorCtr="0" anchor="ctr" bIns="91425" lIns="91425" spcFirstLastPara="1" rIns="91425" wrap="square" tIns="91425">
+          <a:bodyPr spcFirstLastPara="1" wrap="square" lIns="91425" tIns="91425" rIns="91425" bIns="91425" anchor="ctr" anchorCtr="0">
             <a:noAutofit/>
           </a:bodyPr>
           <a:lstStyle/>
           <a:p>
-            <a:pPr indent="0" lvl="0" marL="0" rtl="0" algn="l">
+            <a:pPr marL="0" lvl="0" indent="0" algn="l" rtl="0">
               <a:spcBef>
                 <a:spcPts val="0"/>
               </a:spcBef>
@@ -4744,9 +4896,6 @@
               </a:spcAft>
               <a:buNone/>
             </a:pPr>
-            <a:r>
-              <a:t/>
-            </a:r>
             <a:endParaRPr/>
           </a:p>
         </p:txBody>
@@ -4754,7 +4903,9 @@
       <p:sp>
         <p:nvSpPr>
           <p:cNvPr id="37" name="Google Shape;37;p9"/>
-          <p:cNvSpPr txBox="1"/>
+          <p:cNvSpPr txBox="1">
+            <a:spLocks noGrp="1"/>
+          </p:cNvSpPr>
           <p:nvPr>
             <p:ph type="title"/>
           </p:nvPr>
@@ -4769,7 +4920,7 @@
           </a:prstGeom>
         </p:spPr>
         <p:txBody>
-          <a:bodyPr anchorCtr="0" anchor="b" bIns="91425" lIns="91425" spcFirstLastPara="1" rIns="91425" wrap="square" tIns="91425">
+          <a:bodyPr spcFirstLastPara="1" wrap="square" lIns="91425" tIns="91425" rIns="91425" bIns="91425" anchor="b" anchorCtr="0">
             <a:normAutofit/>
           </a:bodyPr>
           <a:lstStyle>
@@ -4873,15 +5024,19 @@
               <a:defRPr sz="4200"/>
             </a:lvl9pPr>
           </a:lstStyle>
-          <a:p/>
+          <a:p>
+            <a:endParaRPr/>
+          </a:p>
         </p:txBody>
       </p:sp>
       <p:sp>
         <p:nvSpPr>
           <p:cNvPr id="38" name="Google Shape;38;p9"/>
-          <p:cNvSpPr txBox="1"/>
+          <p:cNvSpPr txBox="1">
+            <a:spLocks noGrp="1"/>
+          </p:cNvSpPr>
           <p:nvPr>
-            <p:ph idx="1" type="subTitle"/>
+            <p:ph type="subTitle" idx="1"/>
           </p:nvPr>
         </p:nvSpPr>
         <p:spPr>
@@ -4894,7 +5049,7 @@
           </a:prstGeom>
         </p:spPr>
         <p:txBody>
-          <a:bodyPr anchorCtr="0" anchor="t" bIns="91425" lIns="91425" spcFirstLastPara="1" rIns="91425" wrap="square" tIns="91425">
+          <a:bodyPr spcFirstLastPara="1" wrap="square" lIns="91425" tIns="91425" rIns="91425" bIns="91425" anchor="t" anchorCtr="0">
             <a:normAutofit/>
           </a:bodyPr>
           <a:lstStyle>
@@ -5025,15 +5180,19 @@
               <a:defRPr sz="2100"/>
             </a:lvl9pPr>
           </a:lstStyle>
-          <a:p/>
+          <a:p>
+            <a:endParaRPr/>
+          </a:p>
         </p:txBody>
       </p:sp>
       <p:sp>
         <p:nvSpPr>
           <p:cNvPr id="39" name="Google Shape;39;p9"/>
-          <p:cNvSpPr txBox="1"/>
+          <p:cNvSpPr txBox="1">
+            <a:spLocks noGrp="1"/>
+          </p:cNvSpPr>
           <p:nvPr>
-            <p:ph idx="2" type="body"/>
+            <p:ph type="body" idx="2"/>
           </p:nvPr>
         </p:nvSpPr>
         <p:spPr>
@@ -5046,11 +5205,11 @@
           </a:prstGeom>
         </p:spPr>
         <p:txBody>
-          <a:bodyPr anchorCtr="0" anchor="ctr" bIns="91425" lIns="91425" spcFirstLastPara="1" rIns="91425" wrap="square" tIns="91425">
+          <a:bodyPr spcFirstLastPara="1" wrap="square" lIns="91425" tIns="91425" rIns="91425" bIns="91425" anchor="ctr" anchorCtr="0">
             <a:normAutofit/>
           </a:bodyPr>
           <a:lstStyle>
-            <a:lvl1pPr indent="-342900" lvl="0" marL="457200">
+            <a:lvl1pPr marL="457200" lvl="0" indent="-342900">
               <a:spcBef>
                 <a:spcPts val="0"/>
               </a:spcBef>
@@ -5061,7 +5220,7 @@
               <a:buChar char="●"/>
               <a:defRPr/>
             </a:lvl1pPr>
-            <a:lvl2pPr indent="-317500" lvl="1" marL="914400">
+            <a:lvl2pPr marL="914400" lvl="1" indent="-317500">
               <a:spcBef>
                 <a:spcPts val="0"/>
               </a:spcBef>
@@ -5072,7 +5231,7 @@
               <a:buChar char="○"/>
               <a:defRPr/>
             </a:lvl2pPr>
-            <a:lvl3pPr indent="-317500" lvl="2" marL="1371600">
+            <a:lvl3pPr marL="1371600" lvl="2" indent="-317500">
               <a:spcBef>
                 <a:spcPts val="0"/>
               </a:spcBef>
@@ -5083,7 +5242,7 @@
               <a:buChar char="■"/>
               <a:defRPr/>
             </a:lvl3pPr>
-            <a:lvl4pPr indent="-317500" lvl="3" marL="1828800">
+            <a:lvl4pPr marL="1828800" lvl="3" indent="-317500">
               <a:spcBef>
                 <a:spcPts val="0"/>
               </a:spcBef>
@@ -5094,7 +5253,7 @@
               <a:buChar char="●"/>
               <a:defRPr/>
             </a:lvl4pPr>
-            <a:lvl5pPr indent="-317500" lvl="4" marL="2286000">
+            <a:lvl5pPr marL="2286000" lvl="4" indent="-317500">
               <a:spcBef>
                 <a:spcPts val="0"/>
               </a:spcBef>
@@ -5105,7 +5264,7 @@
               <a:buChar char="○"/>
               <a:defRPr/>
             </a:lvl5pPr>
-            <a:lvl6pPr indent="-317500" lvl="5" marL="2743200">
+            <a:lvl6pPr marL="2743200" lvl="5" indent="-317500">
               <a:spcBef>
                 <a:spcPts val="0"/>
               </a:spcBef>
@@ -5116,7 +5275,7 @@
               <a:buChar char="■"/>
               <a:defRPr/>
             </a:lvl6pPr>
-            <a:lvl7pPr indent="-317500" lvl="6" marL="3200400">
+            <a:lvl7pPr marL="3200400" lvl="6" indent="-317500">
               <a:spcBef>
                 <a:spcPts val="0"/>
               </a:spcBef>
@@ -5127,7 +5286,7 @@
               <a:buChar char="●"/>
               <a:defRPr/>
             </a:lvl7pPr>
-            <a:lvl8pPr indent="-317500" lvl="7" marL="3657600">
+            <a:lvl8pPr marL="3657600" lvl="7" indent="-317500">
               <a:spcBef>
                 <a:spcPts val="0"/>
               </a:spcBef>
@@ -5138,7 +5297,7 @@
               <a:buChar char="○"/>
               <a:defRPr/>
             </a:lvl8pPr>
-            <a:lvl9pPr indent="-317500" lvl="8" marL="4114800">
+            <a:lvl9pPr marL="4114800" lvl="8" indent="-317500">
               <a:spcBef>
                 <a:spcPts val="0"/>
               </a:spcBef>
@@ -5150,15 +5309,19 @@
               <a:defRPr/>
             </a:lvl9pPr>
           </a:lstStyle>
-          <a:p/>
+          <a:p>
+            <a:endParaRPr/>
+          </a:p>
         </p:txBody>
       </p:sp>
       <p:sp>
         <p:nvSpPr>
           <p:cNvPr id="40" name="Google Shape;40;p9"/>
-          <p:cNvSpPr txBox="1"/>
+          <p:cNvSpPr txBox="1">
+            <a:spLocks noGrp="1"/>
+          </p:cNvSpPr>
           <p:nvPr>
-            <p:ph idx="12" type="sldNum"/>
+            <p:ph type="sldNum" idx="12"/>
           </p:nvPr>
         </p:nvSpPr>
         <p:spPr>
@@ -5171,7 +5334,7 @@
           </a:prstGeom>
         </p:spPr>
         <p:txBody>
-          <a:bodyPr anchorCtr="0" anchor="ctr" bIns="91425" lIns="91425" spcFirstLastPara="1" rIns="91425" wrap="square" tIns="91425">
+          <a:bodyPr spcFirstLastPara="1" wrap="square" lIns="91425" tIns="91425" rIns="91425" bIns="91425" anchor="ctr" anchorCtr="0">
             <a:normAutofit/>
           </a:bodyPr>
           <a:lstStyle>
@@ -5213,7 +5376,7 @@
             </a:lvl9pPr>
           </a:lstStyle>
           <a:p>
-            <a:pPr indent="0" lvl="0" marL="0" rtl="0" algn="r">
+            <a:pPr marL="0" lvl="0" indent="0" algn="r" rtl="0">
               <a:spcBef>
                 <a:spcPts val="0"/>
               </a:spcBef>
@@ -5239,11 +5402,11 @@
 </file>
 
 <file path=ppt/slideLayouts/slideLayout9.xml><?xml version="1.0" encoding="utf-8"?>
-<p:sldLayout xmlns:a="http://schemas.openxmlformats.org/drawingml/2006/main" xmlns:r="http://schemas.openxmlformats.org/officeDocument/2006/relationships" xmlns:mc="http://schemas.openxmlformats.org/markup-compatibility/2006" xmlns:mv="urn:schemas-microsoft-com:mac:vml" xmlns:p="http://schemas.openxmlformats.org/presentationml/2006/main" xmlns:c="http://schemas.openxmlformats.org/drawingml/2006/chart" xmlns:dgm="http://schemas.openxmlformats.org/drawingml/2006/diagram" xmlns:o="urn:schemas-microsoft-com:office:office" xmlns:v="urn:schemas-microsoft-com:vml" xmlns:pvml="urn:schemas-microsoft-com:office:powerpoint" xmlns:com="http://schemas.openxmlformats.org/drawingml/2006/compatibility" xmlns:p14="http://schemas.microsoft.com/office/powerpoint/2010/main" xmlns:p15="http://schemas.microsoft.com/office/powerpoint/2012/main" xmlns:ahyp="http://schemas.microsoft.com/office/drawing/2018/hyperlinkcolor" matchingName="Caption">
+<p:sldLayout xmlns:a="http://schemas.openxmlformats.org/drawingml/2006/main" xmlns:r="http://schemas.openxmlformats.org/officeDocument/2006/relationships" xmlns:p="http://schemas.openxmlformats.org/presentationml/2006/main" matchingName="Caption">
   <p:cSld name="CAPTION_ONLY">
     <p:spTree>
       <p:nvGrpSpPr>
-        <p:cNvPr id="41" name="Shape 41"/>
+        <p:cNvPr id="1" name="Shape 41"/>
         <p:cNvGrpSpPr/>
         <p:nvPr/>
       </p:nvGrpSpPr>
@@ -5258,9 +5421,11 @@
       <p:sp>
         <p:nvSpPr>
           <p:cNvPr id="42" name="Google Shape;42;p10"/>
-          <p:cNvSpPr txBox="1"/>
+          <p:cNvSpPr txBox="1">
+            <a:spLocks noGrp="1"/>
+          </p:cNvSpPr>
           <p:nvPr>
-            <p:ph idx="1" type="body"/>
+            <p:ph type="body" idx="1"/>
           </p:nvPr>
         </p:nvSpPr>
         <p:spPr>
@@ -5273,11 +5438,11 @@
           </a:prstGeom>
         </p:spPr>
         <p:txBody>
-          <a:bodyPr anchorCtr="0" anchor="ctr" bIns="91425" lIns="91425" spcFirstLastPara="1" rIns="91425" wrap="square" tIns="91425">
+          <a:bodyPr spcFirstLastPara="1" wrap="square" lIns="91425" tIns="91425" rIns="91425" bIns="91425" anchor="ctr" anchorCtr="0">
             <a:normAutofit/>
           </a:bodyPr>
           <a:lstStyle>
-            <a:lvl1pPr indent="-228600" lvl="0" marL="457200">
+            <a:lvl1pPr marL="457200" lvl="0" indent="-228600">
               <a:lnSpc>
                 <a:spcPct val="100000"/>
               </a:lnSpc>
@@ -5292,15 +5457,19 @@
               <a:defRPr/>
             </a:lvl1pPr>
           </a:lstStyle>
-          <a:p/>
+          <a:p>
+            <a:endParaRPr/>
+          </a:p>
         </p:txBody>
       </p:sp>
       <p:sp>
         <p:nvSpPr>
           <p:cNvPr id="43" name="Google Shape;43;p10"/>
-          <p:cNvSpPr txBox="1"/>
+          <p:cNvSpPr txBox="1">
+            <a:spLocks noGrp="1"/>
+          </p:cNvSpPr>
           <p:nvPr>
-            <p:ph idx="12" type="sldNum"/>
+            <p:ph type="sldNum" idx="12"/>
           </p:nvPr>
         </p:nvSpPr>
         <p:spPr>
@@ -5313,7 +5482,7 @@
           </a:prstGeom>
         </p:spPr>
         <p:txBody>
-          <a:bodyPr anchorCtr="0" anchor="ctr" bIns="91425" lIns="91425" spcFirstLastPara="1" rIns="91425" wrap="square" tIns="91425">
+          <a:bodyPr spcFirstLastPara="1" wrap="square" lIns="91425" tIns="91425" rIns="91425" bIns="91425" anchor="ctr" anchorCtr="0">
             <a:normAutofit/>
           </a:bodyPr>
           <a:lstStyle>
@@ -5355,7 +5524,7 @@
             </a:lvl9pPr>
           </a:lstStyle>
           <a:p>
-            <a:pPr indent="0" lvl="0" marL="0" rtl="0" algn="r">
+            <a:pPr marL="0" lvl="0" indent="0" algn="r" rtl="0">
               <a:spcBef>
                 <a:spcPts val="0"/>
               </a:spcBef>
@@ -5381,18 +5550,19 @@
 </file>
 
 <file path=ppt/slideMasters/slideMaster1.xml><?xml version="1.0" encoding="utf-8"?>
-<p:sldMaster xmlns:a="http://schemas.openxmlformats.org/drawingml/2006/main" xmlns:r="http://schemas.openxmlformats.org/officeDocument/2006/relationships" xmlns:mc="http://schemas.openxmlformats.org/markup-compatibility/2006" xmlns:mv="urn:schemas-microsoft-com:mac:vml" xmlns:p="http://schemas.openxmlformats.org/presentationml/2006/main" xmlns:c="http://schemas.openxmlformats.org/drawingml/2006/chart" xmlns:dgm="http://schemas.openxmlformats.org/drawingml/2006/diagram" xmlns:o="urn:schemas-microsoft-com:office:office" xmlns:v="urn:schemas-microsoft-com:vml" xmlns:pvml="urn:schemas-microsoft-com:office:powerpoint" xmlns:com="http://schemas.openxmlformats.org/drawingml/2006/compatibility" xmlns:p14="http://schemas.microsoft.com/office/powerpoint/2010/main" xmlns:p15="http://schemas.microsoft.com/office/powerpoint/2012/main" xmlns:ahyp="http://schemas.microsoft.com/office/drawing/2018/hyperlinkcolor">
+<p:sldMaster xmlns:a="http://schemas.openxmlformats.org/drawingml/2006/main" xmlns:r="http://schemas.openxmlformats.org/officeDocument/2006/relationships" xmlns:p="http://schemas.openxmlformats.org/presentationml/2006/main">
   <p:cSld name="simple-light-2">
     <p:bg>
       <p:bgPr>
         <a:solidFill>
           <a:schemeClr val="lt1"/>
         </a:solidFill>
+        <a:effectLst/>
       </p:bgPr>
     </p:bg>
     <p:spTree>
       <p:nvGrpSpPr>
-        <p:cNvPr id="5" name="Shape 5"/>
+        <p:cNvPr id="1" name="Shape 5"/>
         <p:cNvGrpSpPr/>
         <p:nvPr/>
       </p:nvGrpSpPr>
@@ -5407,7 +5577,9 @@
       <p:sp>
         <p:nvSpPr>
           <p:cNvPr id="6" name="Google Shape;6;p1"/>
-          <p:cNvSpPr txBox="1"/>
+          <p:cNvSpPr txBox="1">
+            <a:spLocks noGrp="1"/>
+          </p:cNvSpPr>
           <p:nvPr>
             <p:ph type="title"/>
           </p:nvPr>
@@ -5426,7 +5598,7 @@
           </a:ln>
         </p:spPr>
         <p:txBody>
-          <a:bodyPr anchorCtr="0" anchor="t" bIns="91425" lIns="91425" spcFirstLastPara="1" rIns="91425" wrap="square" tIns="91425">
+          <a:bodyPr spcFirstLastPara="1" wrap="square" lIns="91425" tIns="91425" rIns="91425" bIns="91425" anchor="t" anchorCtr="0">
             <a:normAutofit/>
           </a:bodyPr>
           <a:lstStyle>
@@ -5593,15 +5765,19 @@
               </a:defRPr>
             </a:lvl9pPr>
           </a:lstStyle>
-          <a:p/>
+          <a:p>
+            <a:endParaRPr/>
+          </a:p>
         </p:txBody>
       </p:sp>
       <p:sp>
         <p:nvSpPr>
           <p:cNvPr id="7" name="Google Shape;7;p1"/>
-          <p:cNvSpPr txBox="1"/>
+          <p:cNvSpPr txBox="1">
+            <a:spLocks noGrp="1"/>
+          </p:cNvSpPr>
           <p:nvPr>
-            <p:ph idx="1" type="body"/>
+            <p:ph type="body" idx="1"/>
           </p:nvPr>
         </p:nvSpPr>
         <p:spPr>
@@ -5618,11 +5794,11 @@
           </a:ln>
         </p:spPr>
         <p:txBody>
-          <a:bodyPr anchorCtr="0" anchor="t" bIns="91425" lIns="91425" spcFirstLastPara="1" rIns="91425" wrap="square" tIns="91425">
+          <a:bodyPr spcFirstLastPara="1" wrap="square" lIns="91425" tIns="91425" rIns="91425" bIns="91425" anchor="t" anchorCtr="0">
             <a:normAutofit/>
           </a:bodyPr>
           <a:lstStyle>
-            <a:lvl1pPr indent="-342900" lvl="0" marL="457200">
+            <a:lvl1pPr marL="457200" lvl="0" indent="-342900">
               <a:lnSpc>
                 <a:spcPct val="115000"/>
               </a:lnSpc>
@@ -5643,7 +5819,7 @@
                 </a:solidFill>
               </a:defRPr>
             </a:lvl1pPr>
-            <a:lvl2pPr indent="-317500" lvl="1" marL="914400">
+            <a:lvl2pPr marL="914400" lvl="1" indent="-317500">
               <a:lnSpc>
                 <a:spcPct val="115000"/>
               </a:lnSpc>
@@ -5664,7 +5840,7 @@
                 </a:solidFill>
               </a:defRPr>
             </a:lvl2pPr>
-            <a:lvl3pPr indent="-317500" lvl="2" marL="1371600">
+            <a:lvl3pPr marL="1371600" lvl="2" indent="-317500">
               <a:lnSpc>
                 <a:spcPct val="115000"/>
               </a:lnSpc>
@@ -5685,7 +5861,7 @@
                 </a:solidFill>
               </a:defRPr>
             </a:lvl3pPr>
-            <a:lvl4pPr indent="-317500" lvl="3" marL="1828800">
+            <a:lvl4pPr marL="1828800" lvl="3" indent="-317500">
               <a:lnSpc>
                 <a:spcPct val="115000"/>
               </a:lnSpc>
@@ -5706,7 +5882,7 @@
                 </a:solidFill>
               </a:defRPr>
             </a:lvl4pPr>
-            <a:lvl5pPr indent="-317500" lvl="4" marL="2286000">
+            <a:lvl5pPr marL="2286000" lvl="4" indent="-317500">
               <a:lnSpc>
                 <a:spcPct val="115000"/>
               </a:lnSpc>
@@ -5727,7 +5903,7 @@
                 </a:solidFill>
               </a:defRPr>
             </a:lvl5pPr>
-            <a:lvl6pPr indent="-317500" lvl="5" marL="2743200">
+            <a:lvl6pPr marL="2743200" lvl="5" indent="-317500">
               <a:lnSpc>
                 <a:spcPct val="115000"/>
               </a:lnSpc>
@@ -5748,7 +5924,7 @@
                 </a:solidFill>
               </a:defRPr>
             </a:lvl6pPr>
-            <a:lvl7pPr indent="-317500" lvl="6" marL="3200400">
+            <a:lvl7pPr marL="3200400" lvl="6" indent="-317500">
               <a:lnSpc>
                 <a:spcPct val="115000"/>
               </a:lnSpc>
@@ -5769,7 +5945,7 @@
                 </a:solidFill>
               </a:defRPr>
             </a:lvl7pPr>
-            <a:lvl8pPr indent="-317500" lvl="7" marL="3657600">
+            <a:lvl8pPr marL="3657600" lvl="7" indent="-317500">
               <a:lnSpc>
                 <a:spcPct val="115000"/>
               </a:lnSpc>
@@ -5790,7 +5966,7 @@
                 </a:solidFill>
               </a:defRPr>
             </a:lvl8pPr>
-            <a:lvl9pPr indent="-317500" lvl="8" marL="4114800">
+            <a:lvl9pPr marL="4114800" lvl="8" indent="-317500">
               <a:lnSpc>
                 <a:spcPct val="115000"/>
               </a:lnSpc>
@@ -5812,15 +5988,19 @@
               </a:defRPr>
             </a:lvl9pPr>
           </a:lstStyle>
-          <a:p/>
+          <a:p>
+            <a:endParaRPr/>
+          </a:p>
         </p:txBody>
       </p:sp>
       <p:sp>
         <p:nvSpPr>
           <p:cNvPr id="8" name="Google Shape;8;p1"/>
-          <p:cNvSpPr txBox="1"/>
+          <p:cNvSpPr txBox="1">
+            <a:spLocks noGrp="1"/>
+          </p:cNvSpPr>
           <p:nvPr>
-            <p:ph idx="12" type="sldNum"/>
+            <p:ph type="sldNum" idx="12"/>
           </p:nvPr>
         </p:nvSpPr>
         <p:spPr>
@@ -5837,7 +6017,7 @@
           </a:ln>
         </p:spPr>
         <p:txBody>
-          <a:bodyPr anchorCtr="0" anchor="ctr" bIns="91425" lIns="91425" spcFirstLastPara="1" rIns="91425" wrap="square" tIns="91425">
+          <a:bodyPr spcFirstLastPara="1" wrap="square" lIns="91425" tIns="91425" rIns="91425" bIns="91425" anchor="ctr" anchorCtr="0">
             <a:normAutofit/>
           </a:bodyPr>
           <a:lstStyle>
@@ -5915,7 +6095,7 @@
             </a:lvl9pPr>
           </a:lstStyle>
           <a:p>
-            <a:pPr indent="0" lvl="0" marL="0" rtl="0" algn="r">
+            <a:pPr marL="0" lvl="0" indent="0" algn="r" rtl="0">
               <a:spcBef>
                 <a:spcPts val="0"/>
               </a:spcBef>
@@ -5934,7 +6114,7 @@
       </p:sp>
     </p:spTree>
   </p:cSld>
-  <p:clrMap accent1="accent1" accent2="accent2" accent3="accent3" accent4="accent4" accent5="accent5" accent6="accent6" bg1="lt1" bg2="dk2" tx1="dk1" tx2="lt2" folHlink="folHlink" hlink="hlink"/>
+  <p:clrMap bg1="lt1" tx1="dk1" bg2="dk2" tx2="lt2" accent1="accent1" accent2="accent2" accent3="accent3" accent4="accent4" accent5="accent5" accent6="accent6" hlink="hlink" folHlink="folHlink"/>
   <p:sldLayoutIdLst>
     <p:sldLayoutId id="2147483648" r:id="rId1"/>
     <p:sldLayoutId id="2147483649" r:id="rId2"/>
@@ -5948,10 +6128,10 @@
     <p:sldLayoutId id="2147483657" r:id="rId10"/>
     <p:sldLayoutId id="2147483658" r:id="rId11"/>
   </p:sldLayoutIdLst>
-  <p:hf dt="0" ftr="0" hdr="0" sldNum="0"/>
+  <p:hf sldNum="0" hdr="0" ftr="0" dt="0"/>
   <p:txStyles>
     <p:titleStyle>
-      <a:defPPr lvl="0" marR="0" rtl="0" algn="l">
+      <a:defPPr marR="0" lvl="0" algn="l" rtl="0">
         <a:lnSpc>
           <a:spcPct val="100000"/>
         </a:lnSpc>
@@ -5962,7 +6142,7 @@
           <a:spcPts val="0"/>
         </a:spcAft>
       </a:defPPr>
-      <a:lvl1pPr lvl="0" marR="0" rtl="0" algn="l">
+      <a:lvl1pPr marR="0" lvl="0" algn="l" rtl="0">
         <a:lnSpc>
           <a:spcPct val="100000"/>
         </a:lnSpc>
@@ -5976,7 +6156,7 @@
           <a:srgbClr val="000000"/>
         </a:buClr>
         <a:buFont typeface="Arial"/>
-        <a:defRPr b="0" i="0" sz="1400" u="none" cap="none" strike="noStrike">
+        <a:defRPr sz="1400" b="0" i="0" u="none" strike="noStrike" cap="none">
           <a:solidFill>
             <a:srgbClr val="000000"/>
           </a:solidFill>
@@ -5986,7 +6166,7 @@
           <a:sym typeface="Arial"/>
         </a:defRPr>
       </a:lvl1pPr>
-      <a:lvl2pPr lvl="1" marR="0" rtl="0" algn="l">
+      <a:lvl2pPr marR="0" lvl="1" algn="l" rtl="0">
         <a:lnSpc>
           <a:spcPct val="100000"/>
         </a:lnSpc>
@@ -6000,7 +6180,7 @@
           <a:srgbClr val="000000"/>
         </a:buClr>
         <a:buFont typeface="Arial"/>
-        <a:defRPr b="0" i="0" sz="1400" u="none" cap="none" strike="noStrike">
+        <a:defRPr sz="1400" b="0" i="0" u="none" strike="noStrike" cap="none">
           <a:solidFill>
             <a:srgbClr val="000000"/>
           </a:solidFill>
@@ -6010,7 +6190,7 @@
           <a:sym typeface="Arial"/>
         </a:defRPr>
       </a:lvl2pPr>
-      <a:lvl3pPr lvl="2" marR="0" rtl="0" algn="l">
+      <a:lvl3pPr marR="0" lvl="2" algn="l" rtl="0">
         <a:lnSpc>
           <a:spcPct val="100000"/>
         </a:lnSpc>
@@ -6024,7 +6204,7 @@
           <a:srgbClr val="000000"/>
         </a:buClr>
         <a:buFont typeface="Arial"/>
-        <a:defRPr b="0" i="0" sz="1400" u="none" cap="none" strike="noStrike">
+        <a:defRPr sz="1400" b="0" i="0" u="none" strike="noStrike" cap="none">
           <a:solidFill>
             <a:srgbClr val="000000"/>
           </a:solidFill>
@@ -6034,7 +6214,7 @@
           <a:sym typeface="Arial"/>
         </a:defRPr>
       </a:lvl3pPr>
-      <a:lvl4pPr lvl="3" marR="0" rtl="0" algn="l">
+      <a:lvl4pPr marR="0" lvl="3" algn="l" rtl="0">
         <a:lnSpc>
           <a:spcPct val="100000"/>
         </a:lnSpc>
@@ -6048,7 +6228,7 @@
           <a:srgbClr val="000000"/>
         </a:buClr>
         <a:buFont typeface="Arial"/>
-        <a:defRPr b="0" i="0" sz="1400" u="none" cap="none" strike="noStrike">
+        <a:defRPr sz="1400" b="0" i="0" u="none" strike="noStrike" cap="none">
           <a:solidFill>
             <a:srgbClr val="000000"/>
           </a:solidFill>
@@ -6058,7 +6238,7 @@
           <a:sym typeface="Arial"/>
         </a:defRPr>
       </a:lvl4pPr>
-      <a:lvl5pPr lvl="4" marR="0" rtl="0" algn="l">
+      <a:lvl5pPr marR="0" lvl="4" algn="l" rtl="0">
         <a:lnSpc>
           <a:spcPct val="100000"/>
         </a:lnSpc>
@@ -6072,7 +6252,7 @@
           <a:srgbClr val="000000"/>
         </a:buClr>
         <a:buFont typeface="Arial"/>
-        <a:defRPr b="0" i="0" sz="1400" u="none" cap="none" strike="noStrike">
+        <a:defRPr sz="1400" b="0" i="0" u="none" strike="noStrike" cap="none">
           <a:solidFill>
             <a:srgbClr val="000000"/>
           </a:solidFill>
@@ -6082,7 +6262,7 @@
           <a:sym typeface="Arial"/>
         </a:defRPr>
       </a:lvl5pPr>
-      <a:lvl6pPr lvl="5" marR="0" rtl="0" algn="l">
+      <a:lvl6pPr marR="0" lvl="5" algn="l" rtl="0">
         <a:lnSpc>
           <a:spcPct val="100000"/>
         </a:lnSpc>
@@ -6096,7 +6276,7 @@
           <a:srgbClr val="000000"/>
         </a:buClr>
         <a:buFont typeface="Arial"/>
-        <a:defRPr b="0" i="0" sz="1400" u="none" cap="none" strike="noStrike">
+        <a:defRPr sz="1400" b="0" i="0" u="none" strike="noStrike" cap="none">
           <a:solidFill>
             <a:srgbClr val="000000"/>
           </a:solidFill>
@@ -6106,7 +6286,7 @@
           <a:sym typeface="Arial"/>
         </a:defRPr>
       </a:lvl6pPr>
-      <a:lvl7pPr lvl="6" marR="0" rtl="0" algn="l">
+      <a:lvl7pPr marR="0" lvl="6" algn="l" rtl="0">
         <a:lnSpc>
           <a:spcPct val="100000"/>
         </a:lnSpc>
@@ -6120,7 +6300,7 @@
           <a:srgbClr val="000000"/>
         </a:buClr>
         <a:buFont typeface="Arial"/>
-        <a:defRPr b="0" i="0" sz="1400" u="none" cap="none" strike="noStrike">
+        <a:defRPr sz="1400" b="0" i="0" u="none" strike="noStrike" cap="none">
           <a:solidFill>
             <a:srgbClr val="000000"/>
           </a:solidFill>
@@ -6130,7 +6310,7 @@
           <a:sym typeface="Arial"/>
         </a:defRPr>
       </a:lvl7pPr>
-      <a:lvl8pPr lvl="7" marR="0" rtl="0" algn="l">
+      <a:lvl8pPr marR="0" lvl="7" algn="l" rtl="0">
         <a:lnSpc>
           <a:spcPct val="100000"/>
         </a:lnSpc>
@@ -6144,7 +6324,7 @@
           <a:srgbClr val="000000"/>
         </a:buClr>
         <a:buFont typeface="Arial"/>
-        <a:defRPr b="0" i="0" sz="1400" u="none" cap="none" strike="noStrike">
+        <a:defRPr sz="1400" b="0" i="0" u="none" strike="noStrike" cap="none">
           <a:solidFill>
             <a:srgbClr val="000000"/>
           </a:solidFill>
@@ -6154,7 +6334,7 @@
           <a:sym typeface="Arial"/>
         </a:defRPr>
       </a:lvl8pPr>
-      <a:lvl9pPr lvl="8" marR="0" rtl="0" algn="l">
+      <a:lvl9pPr marR="0" lvl="8" algn="l" rtl="0">
         <a:lnSpc>
           <a:spcPct val="100000"/>
         </a:lnSpc>
@@ -6168,7 +6348,7 @@
           <a:srgbClr val="000000"/>
         </a:buClr>
         <a:buFont typeface="Arial"/>
-        <a:defRPr b="0" i="0" sz="1400" u="none" cap="none" strike="noStrike">
+        <a:defRPr sz="1400" b="0" i="0" u="none" strike="noStrike" cap="none">
           <a:solidFill>
             <a:srgbClr val="000000"/>
           </a:solidFill>
@@ -6180,7 +6360,7 @@
       </a:lvl9pPr>
     </p:titleStyle>
     <p:bodyStyle>
-      <a:defPPr lvl="0" marR="0" rtl="0" algn="l">
+      <a:defPPr marR="0" lvl="0" algn="l" rtl="0">
         <a:lnSpc>
           <a:spcPct val="100000"/>
         </a:lnSpc>
@@ -6191,7 +6371,7 @@
           <a:spcPts val="0"/>
         </a:spcAft>
       </a:defPPr>
-      <a:lvl1pPr lvl="0" marR="0" rtl="0" algn="l">
+      <a:lvl1pPr marR="0" lvl="0" algn="l" rtl="0">
         <a:lnSpc>
           <a:spcPct val="100000"/>
         </a:lnSpc>
@@ -6205,7 +6385,7 @@
           <a:srgbClr val="000000"/>
         </a:buClr>
         <a:buFont typeface="Arial"/>
-        <a:defRPr b="0" i="0" sz="1400" u="none" cap="none" strike="noStrike">
+        <a:defRPr sz="1400" b="0" i="0" u="none" strike="noStrike" cap="none">
           <a:solidFill>
             <a:srgbClr val="000000"/>
           </a:solidFill>
@@ -6215,7 +6395,7 @@
           <a:sym typeface="Arial"/>
         </a:defRPr>
       </a:lvl1pPr>
-      <a:lvl2pPr lvl="1" marR="0" rtl="0" algn="l">
+      <a:lvl2pPr marR="0" lvl="1" algn="l" rtl="0">
         <a:lnSpc>
           <a:spcPct val="100000"/>
         </a:lnSpc>
@@ -6229,7 +6409,7 @@
           <a:srgbClr val="000000"/>
         </a:buClr>
         <a:buFont typeface="Arial"/>
-        <a:defRPr b="0" i="0" sz="1400" u="none" cap="none" strike="noStrike">
+        <a:defRPr sz="1400" b="0" i="0" u="none" strike="noStrike" cap="none">
           <a:solidFill>
             <a:srgbClr val="000000"/>
           </a:solidFill>
@@ -6239,7 +6419,7 @@
           <a:sym typeface="Arial"/>
         </a:defRPr>
       </a:lvl2pPr>
-      <a:lvl3pPr lvl="2" marR="0" rtl="0" algn="l">
+      <a:lvl3pPr marR="0" lvl="2" algn="l" rtl="0">
         <a:lnSpc>
           <a:spcPct val="100000"/>
         </a:lnSpc>
@@ -6253,7 +6433,7 @@
           <a:srgbClr val="000000"/>
         </a:buClr>
         <a:buFont typeface="Arial"/>
-        <a:defRPr b="0" i="0" sz="1400" u="none" cap="none" strike="noStrike">
+        <a:defRPr sz="1400" b="0" i="0" u="none" strike="noStrike" cap="none">
           <a:solidFill>
             <a:srgbClr val="000000"/>
           </a:solidFill>
@@ -6263,7 +6443,7 @@
           <a:sym typeface="Arial"/>
         </a:defRPr>
       </a:lvl3pPr>
-      <a:lvl4pPr lvl="3" marR="0" rtl="0" algn="l">
+      <a:lvl4pPr marR="0" lvl="3" algn="l" rtl="0">
         <a:lnSpc>
           <a:spcPct val="100000"/>
         </a:lnSpc>
@@ -6277,7 +6457,7 @@
           <a:srgbClr val="000000"/>
         </a:buClr>
         <a:buFont typeface="Arial"/>
-        <a:defRPr b="0" i="0" sz="1400" u="none" cap="none" strike="noStrike">
+        <a:defRPr sz="1400" b="0" i="0" u="none" strike="noStrike" cap="none">
           <a:solidFill>
             <a:srgbClr val="000000"/>
           </a:solidFill>
@@ -6287,7 +6467,7 @@
           <a:sym typeface="Arial"/>
         </a:defRPr>
       </a:lvl4pPr>
-      <a:lvl5pPr lvl="4" marR="0" rtl="0" algn="l">
+      <a:lvl5pPr marR="0" lvl="4" algn="l" rtl="0">
         <a:lnSpc>
           <a:spcPct val="100000"/>
         </a:lnSpc>
@@ -6301,7 +6481,7 @@
           <a:srgbClr val="000000"/>
         </a:buClr>
         <a:buFont typeface="Arial"/>
-        <a:defRPr b="0" i="0" sz="1400" u="none" cap="none" strike="noStrike">
+        <a:defRPr sz="1400" b="0" i="0" u="none" strike="noStrike" cap="none">
           <a:solidFill>
             <a:srgbClr val="000000"/>
           </a:solidFill>
@@ -6311,7 +6491,7 @@
           <a:sym typeface="Arial"/>
         </a:defRPr>
       </a:lvl5pPr>
-      <a:lvl6pPr lvl="5" marR="0" rtl="0" algn="l">
+      <a:lvl6pPr marR="0" lvl="5" algn="l" rtl="0">
         <a:lnSpc>
           <a:spcPct val="100000"/>
         </a:lnSpc>
@@ -6325,7 +6505,7 @@
           <a:srgbClr val="000000"/>
         </a:buClr>
         <a:buFont typeface="Arial"/>
-        <a:defRPr b="0" i="0" sz="1400" u="none" cap="none" strike="noStrike">
+        <a:defRPr sz="1400" b="0" i="0" u="none" strike="noStrike" cap="none">
           <a:solidFill>
             <a:srgbClr val="000000"/>
           </a:solidFill>
@@ -6335,7 +6515,7 @@
           <a:sym typeface="Arial"/>
         </a:defRPr>
       </a:lvl6pPr>
-      <a:lvl7pPr lvl="6" marR="0" rtl="0" algn="l">
+      <a:lvl7pPr marR="0" lvl="6" algn="l" rtl="0">
         <a:lnSpc>
           <a:spcPct val="100000"/>
         </a:lnSpc>
@@ -6349,7 +6529,7 @@
           <a:srgbClr val="000000"/>
         </a:buClr>
         <a:buFont typeface="Arial"/>
-        <a:defRPr b="0" i="0" sz="1400" u="none" cap="none" strike="noStrike">
+        <a:defRPr sz="1400" b="0" i="0" u="none" strike="noStrike" cap="none">
           <a:solidFill>
             <a:srgbClr val="000000"/>
           </a:solidFill>
@@ -6359,7 +6539,7 @@
           <a:sym typeface="Arial"/>
         </a:defRPr>
       </a:lvl7pPr>
-      <a:lvl8pPr lvl="7" marR="0" rtl="0" algn="l">
+      <a:lvl8pPr marR="0" lvl="7" algn="l" rtl="0">
         <a:lnSpc>
           <a:spcPct val="100000"/>
         </a:lnSpc>
@@ -6373,7 +6553,7 @@
           <a:srgbClr val="000000"/>
         </a:buClr>
         <a:buFont typeface="Arial"/>
-        <a:defRPr b="0" i="0" sz="1400" u="none" cap="none" strike="noStrike">
+        <a:defRPr sz="1400" b="0" i="0" u="none" strike="noStrike" cap="none">
           <a:solidFill>
             <a:srgbClr val="000000"/>
           </a:solidFill>
@@ -6383,7 +6563,7 @@
           <a:sym typeface="Arial"/>
         </a:defRPr>
       </a:lvl8pPr>
-      <a:lvl9pPr lvl="8" marR="0" rtl="0" algn="l">
+      <a:lvl9pPr marR="0" lvl="8" algn="l" rtl="0">
         <a:lnSpc>
           <a:spcPct val="100000"/>
         </a:lnSpc>
@@ -6397,7 +6577,7 @@
           <a:srgbClr val="000000"/>
         </a:buClr>
         <a:buFont typeface="Arial"/>
-        <a:defRPr b="0" i="0" sz="1400" u="none" cap="none" strike="noStrike">
+        <a:defRPr sz="1400" b="0" i="0" u="none" strike="noStrike" cap="none">
           <a:solidFill>
             <a:srgbClr val="000000"/>
           </a:solidFill>
@@ -6409,7 +6589,7 @@
       </a:lvl9pPr>
     </p:bodyStyle>
     <p:otherStyle>
-      <a:defPPr lvl="0" marR="0" rtl="0" algn="l">
+      <a:defPPr marR="0" lvl="0" algn="l" rtl="0">
         <a:lnSpc>
           <a:spcPct val="100000"/>
         </a:lnSpc>
@@ -6420,7 +6600,7 @@
           <a:spcPts val="0"/>
         </a:spcAft>
       </a:defPPr>
-      <a:lvl1pPr lvl="0" marR="0" rtl="0" algn="l">
+      <a:lvl1pPr marR="0" lvl="0" algn="l" rtl="0">
         <a:lnSpc>
           <a:spcPct val="100000"/>
         </a:lnSpc>
@@ -6434,7 +6614,7 @@
           <a:srgbClr val="000000"/>
         </a:buClr>
         <a:buFont typeface="Arial"/>
-        <a:defRPr b="0" i="0" sz="1400" u="none" cap="none" strike="noStrike">
+        <a:defRPr sz="1400" b="0" i="0" u="none" strike="noStrike" cap="none">
           <a:solidFill>
             <a:srgbClr val="000000"/>
           </a:solidFill>
@@ -6444,7 +6624,7 @@
           <a:sym typeface="Arial"/>
         </a:defRPr>
       </a:lvl1pPr>
-      <a:lvl2pPr lvl="1" marR="0" rtl="0" algn="l">
+      <a:lvl2pPr marR="0" lvl="1" algn="l" rtl="0">
         <a:lnSpc>
           <a:spcPct val="100000"/>
         </a:lnSpc>
@@ -6458,7 +6638,7 @@
           <a:srgbClr val="000000"/>
         </a:buClr>
         <a:buFont typeface="Arial"/>
-        <a:defRPr b="0" i="0" sz="1400" u="none" cap="none" strike="noStrike">
+        <a:defRPr sz="1400" b="0" i="0" u="none" strike="noStrike" cap="none">
           <a:solidFill>
             <a:srgbClr val="000000"/>
           </a:solidFill>
@@ -6468,7 +6648,7 @@
           <a:sym typeface="Arial"/>
         </a:defRPr>
       </a:lvl2pPr>
-      <a:lvl3pPr lvl="2" marR="0" rtl="0" algn="l">
+      <a:lvl3pPr marR="0" lvl="2" algn="l" rtl="0">
         <a:lnSpc>
           <a:spcPct val="100000"/>
         </a:lnSpc>
@@ -6482,7 +6662,7 @@
           <a:srgbClr val="000000"/>
         </a:buClr>
         <a:buFont typeface="Arial"/>
-        <a:defRPr b="0" i="0" sz="1400" u="none" cap="none" strike="noStrike">
+        <a:defRPr sz="1400" b="0" i="0" u="none" strike="noStrike" cap="none">
           <a:solidFill>
             <a:srgbClr val="000000"/>
           </a:solidFill>
@@ -6492,7 +6672,7 @@
           <a:sym typeface="Arial"/>
         </a:defRPr>
       </a:lvl3pPr>
-      <a:lvl4pPr lvl="3" marR="0" rtl="0" algn="l">
+      <a:lvl4pPr marR="0" lvl="3" algn="l" rtl="0">
         <a:lnSpc>
           <a:spcPct val="100000"/>
         </a:lnSpc>
@@ -6506,7 +6686,7 @@
           <a:srgbClr val="000000"/>
         </a:buClr>
         <a:buFont typeface="Arial"/>
-        <a:defRPr b="0" i="0" sz="1400" u="none" cap="none" strike="noStrike">
+        <a:defRPr sz="1400" b="0" i="0" u="none" strike="noStrike" cap="none">
           <a:solidFill>
             <a:srgbClr val="000000"/>
           </a:solidFill>
@@ -6516,7 +6696,7 @@
           <a:sym typeface="Arial"/>
         </a:defRPr>
       </a:lvl4pPr>
-      <a:lvl5pPr lvl="4" marR="0" rtl="0" algn="l">
+      <a:lvl5pPr marR="0" lvl="4" algn="l" rtl="0">
         <a:lnSpc>
           <a:spcPct val="100000"/>
         </a:lnSpc>
@@ -6530,7 +6710,7 @@
           <a:srgbClr val="000000"/>
         </a:buClr>
         <a:buFont typeface="Arial"/>
-        <a:defRPr b="0" i="0" sz="1400" u="none" cap="none" strike="noStrike">
+        <a:defRPr sz="1400" b="0" i="0" u="none" strike="noStrike" cap="none">
           <a:solidFill>
             <a:srgbClr val="000000"/>
           </a:solidFill>
@@ -6540,7 +6720,7 @@
           <a:sym typeface="Arial"/>
         </a:defRPr>
       </a:lvl5pPr>
-      <a:lvl6pPr lvl="5" marR="0" rtl="0" algn="l">
+      <a:lvl6pPr marR="0" lvl="5" algn="l" rtl="0">
         <a:lnSpc>
           <a:spcPct val="100000"/>
         </a:lnSpc>
@@ -6554,7 +6734,7 @@
           <a:srgbClr val="000000"/>
         </a:buClr>
         <a:buFont typeface="Arial"/>
-        <a:defRPr b="0" i="0" sz="1400" u="none" cap="none" strike="noStrike">
+        <a:defRPr sz="1400" b="0" i="0" u="none" strike="noStrike" cap="none">
           <a:solidFill>
             <a:srgbClr val="000000"/>
           </a:solidFill>
@@ -6564,7 +6744,7 @@
           <a:sym typeface="Arial"/>
         </a:defRPr>
       </a:lvl6pPr>
-      <a:lvl7pPr lvl="6" marR="0" rtl="0" algn="l">
+      <a:lvl7pPr marR="0" lvl="6" algn="l" rtl="0">
         <a:lnSpc>
           <a:spcPct val="100000"/>
         </a:lnSpc>
@@ -6578,7 +6758,7 @@
           <a:srgbClr val="000000"/>
         </a:buClr>
         <a:buFont typeface="Arial"/>
-        <a:defRPr b="0" i="0" sz="1400" u="none" cap="none" strike="noStrike">
+        <a:defRPr sz="1400" b="0" i="0" u="none" strike="noStrike" cap="none">
           <a:solidFill>
             <a:srgbClr val="000000"/>
           </a:solidFill>
@@ -6588,7 +6768,7 @@
           <a:sym typeface="Arial"/>
         </a:defRPr>
       </a:lvl7pPr>
-      <a:lvl8pPr lvl="7" marR="0" rtl="0" algn="l">
+      <a:lvl8pPr marR="0" lvl="7" algn="l" rtl="0">
         <a:lnSpc>
           <a:spcPct val="100000"/>
         </a:lnSpc>
@@ -6602,7 +6782,7 @@
           <a:srgbClr val="000000"/>
         </a:buClr>
         <a:buFont typeface="Arial"/>
-        <a:defRPr b="0" i="0" sz="1400" u="none" cap="none" strike="noStrike">
+        <a:defRPr sz="1400" b="0" i="0" u="none" strike="noStrike" cap="none">
           <a:solidFill>
             <a:srgbClr val="000000"/>
           </a:solidFill>
@@ -6612,7 +6792,7 @@
           <a:sym typeface="Arial"/>
         </a:defRPr>
       </a:lvl8pPr>
-      <a:lvl9pPr lvl="8" marR="0" rtl="0" algn="l">
+      <a:lvl9pPr marR="0" lvl="8" algn="l" rtl="0">
         <a:lnSpc>
           <a:spcPct val="100000"/>
         </a:lnSpc>
@@ -6626,7 +6806,7 @@
           <a:srgbClr val="000000"/>
         </a:buClr>
         <a:buFont typeface="Arial"/>
-        <a:defRPr b="0" i="0" sz="1400" u="none" cap="none" strike="noStrike">
+        <a:defRPr sz="1400" b="0" i="0" u="none" strike="noStrike" cap="none">
           <a:solidFill>
             <a:srgbClr val="000000"/>
           </a:solidFill>
@@ -6642,11 +6822,11 @@
 </file>
 
 <file path=ppt/slides/slide1.xml><?xml version="1.0" encoding="utf-8"?>
-<p:sld xmlns:a="http://schemas.openxmlformats.org/drawingml/2006/main" xmlns:r="http://schemas.openxmlformats.org/officeDocument/2006/relationships" xmlns:mc="http://schemas.openxmlformats.org/markup-compatibility/2006" xmlns:mv="urn:schemas-microsoft-com:mac:vml" xmlns:p="http://schemas.openxmlformats.org/presentationml/2006/main" xmlns:c="http://schemas.openxmlformats.org/drawingml/2006/chart" xmlns:dgm="http://schemas.openxmlformats.org/drawingml/2006/diagram" xmlns:o="urn:schemas-microsoft-com:office:office" xmlns:v="urn:schemas-microsoft-com:vml" xmlns:pvml="urn:schemas-microsoft-com:office:powerpoint" xmlns:com="http://schemas.openxmlformats.org/drawingml/2006/compatibility" xmlns:p14="http://schemas.microsoft.com/office/powerpoint/2010/main" xmlns:p15="http://schemas.microsoft.com/office/powerpoint/2012/main" xmlns:ahyp="http://schemas.microsoft.com/office/drawing/2018/hyperlinkcolor">
+<p:sld xmlns:a="http://schemas.openxmlformats.org/drawingml/2006/main" xmlns:r="http://schemas.openxmlformats.org/officeDocument/2006/relationships" xmlns:p="http://schemas.openxmlformats.org/presentationml/2006/main">
   <p:cSld>
     <p:spTree>
       <p:nvGrpSpPr>
-        <p:cNvPr id="53" name="Shape 53"/>
+        <p:cNvPr id="1" name="Shape 53"/>
         <p:cNvGrpSpPr/>
         <p:nvPr/>
       </p:nvGrpSpPr>
@@ -6706,12 +6886,12 @@
           </a:ln>
         </p:spPr>
         <p:txBody>
-          <a:bodyPr anchorCtr="0" anchor="t" bIns="91425" lIns="91425" spcFirstLastPara="1" rIns="91425" wrap="square" tIns="91425">
+          <a:bodyPr spcFirstLastPara="1" wrap="square" lIns="91425" tIns="91425" rIns="91425" bIns="91425" anchor="t" anchorCtr="0">
             <a:spAutoFit/>
           </a:bodyPr>
           <a:lstStyle/>
           <a:p>
-            <a:pPr indent="0" lvl="0" marL="0" rtl="0" algn="ctr">
+            <a:pPr marL="0" lvl="0" indent="0" algn="ctr" rtl="0">
               <a:lnSpc>
                 <a:spcPct val="115000"/>
               </a:lnSpc>
@@ -6746,7 +6926,7 @@
             </a:endParaRPr>
           </a:p>
           <a:p>
-            <a:pPr indent="0" lvl="0" marL="0" rtl="0" algn="ctr">
+            <a:pPr marL="0" lvl="0" indent="0" algn="ctr" rtl="0">
               <a:lnSpc>
                 <a:spcPct val="115000"/>
               </a:lnSpc>
@@ -6786,7 +6966,7 @@
             </a:endParaRPr>
           </a:p>
           <a:p>
-            <a:pPr indent="0" lvl="0" marL="0" rtl="0" algn="l">
+            <a:pPr marL="0" lvl="0" indent="0" algn="l" rtl="0">
               <a:spcBef>
                 <a:spcPts val="0"/>
               </a:spcBef>
@@ -6795,9 +6975,6 @@
               </a:spcAft>
               <a:buNone/>
             </a:pPr>
-            <a:r>
-              <a:t/>
-            </a:r>
             <a:endParaRPr sz="1800">
               <a:solidFill>
                 <a:schemeClr val="dk2"/>
@@ -6815,11 +6992,11 @@
 </file>
 
 <file path=ppt/slides/slide10.xml><?xml version="1.0" encoding="utf-8"?>
-<p:sld xmlns:a="http://schemas.openxmlformats.org/drawingml/2006/main" xmlns:r="http://schemas.openxmlformats.org/officeDocument/2006/relationships" xmlns:mc="http://schemas.openxmlformats.org/markup-compatibility/2006" xmlns:mv="urn:schemas-microsoft-com:mac:vml" xmlns:p="http://schemas.openxmlformats.org/presentationml/2006/main" xmlns:c="http://schemas.openxmlformats.org/drawingml/2006/chart" xmlns:dgm="http://schemas.openxmlformats.org/drawingml/2006/diagram" xmlns:o="urn:schemas-microsoft-com:office:office" xmlns:v="urn:schemas-microsoft-com:vml" xmlns:pvml="urn:schemas-microsoft-com:office:powerpoint" xmlns:com="http://schemas.openxmlformats.org/drawingml/2006/compatibility" xmlns:p14="http://schemas.microsoft.com/office/powerpoint/2010/main" xmlns:p15="http://schemas.microsoft.com/office/powerpoint/2012/main" xmlns:ahyp="http://schemas.microsoft.com/office/drawing/2018/hyperlinkcolor">
+<p:sld xmlns:a="http://schemas.openxmlformats.org/drawingml/2006/main" xmlns:r="http://schemas.openxmlformats.org/officeDocument/2006/relationships" xmlns:p="http://schemas.openxmlformats.org/presentationml/2006/main">
   <p:cSld>
     <p:spTree>
       <p:nvGrpSpPr>
-        <p:cNvPr id="186" name="Shape 186"/>
+        <p:cNvPr id="1" name="Shape 186"/>
         <p:cNvGrpSpPr/>
         <p:nvPr/>
       </p:nvGrpSpPr>
@@ -6879,12 +7056,12 @@
           </a:ln>
         </p:spPr>
         <p:txBody>
-          <a:bodyPr anchorCtr="0" anchor="t" bIns="91425" lIns="91425" spcFirstLastPara="1" rIns="91425" wrap="square" tIns="91425">
+          <a:bodyPr spcFirstLastPara="1" wrap="square" lIns="91425" tIns="91425" rIns="91425" bIns="91425" anchor="t" anchorCtr="0">
             <a:spAutoFit/>
           </a:bodyPr>
           <a:lstStyle/>
           <a:p>
-            <a:pPr indent="0" lvl="0" marL="0" rtl="0" algn="l">
+            <a:pPr marL="0" lvl="0" indent="0" algn="l" rtl="0">
               <a:lnSpc>
                 <a:spcPct val="115000"/>
               </a:lnSpc>
@@ -6933,23 +7110,23 @@
           <a:solidFill>
             <a:srgbClr val="0B5394"/>
           </a:solidFill>
-          <a:ln cap="flat" cmpd="sng" w="9525">
+          <a:ln w="9525" cap="flat" cmpd="sng">
             <a:solidFill>
               <a:srgbClr val="0B5394"/>
             </a:solidFill>
             <a:prstDash val="solid"/>
             <a:round/>
-            <a:headEnd len="sm" w="sm" type="none"/>
-            <a:tailEnd len="sm" w="sm" type="none"/>
+            <a:headEnd type="none" w="sm" len="sm"/>
+            <a:tailEnd type="none" w="sm" len="sm"/>
           </a:ln>
         </p:spPr>
         <p:txBody>
-          <a:bodyPr anchorCtr="0" anchor="ctr" bIns="91425" lIns="91425" spcFirstLastPara="1" rIns="91425" wrap="square" tIns="91425">
+          <a:bodyPr spcFirstLastPara="1" wrap="square" lIns="91425" tIns="91425" rIns="91425" bIns="91425" anchor="ctr" anchorCtr="0">
             <a:noAutofit/>
           </a:bodyPr>
           <a:lstStyle/>
           <a:p>
-            <a:pPr indent="0" lvl="0" marL="0" rtl="0" algn="ctr">
+            <a:pPr marL="0" lvl="0" indent="0" algn="ctr" rtl="0">
               <a:spcBef>
                 <a:spcPts val="0"/>
               </a:spcBef>
@@ -6958,9 +7135,6 @@
               </a:spcAft>
               <a:buNone/>
             </a:pPr>
-            <a:r>
-              <a:t/>
-            </a:r>
             <a:endParaRPr/>
           </a:p>
         </p:txBody>
@@ -6985,12 +7159,12 @@
           </a:ln>
         </p:spPr>
         <p:txBody>
-          <a:bodyPr anchorCtr="0" anchor="t" bIns="91425" lIns="91425" spcFirstLastPara="1" rIns="91425" wrap="square" tIns="91425">
+          <a:bodyPr spcFirstLastPara="1" wrap="square" lIns="91425" tIns="91425" rIns="91425" bIns="91425" anchor="t" anchorCtr="0">
             <a:spAutoFit/>
           </a:bodyPr>
           <a:lstStyle/>
           <a:p>
-            <a:pPr indent="0" lvl="0" marL="0" rtl="0" algn="l">
+            <a:pPr marL="0" lvl="0" indent="0" algn="l" rtl="0">
               <a:spcBef>
                 <a:spcPts val="0"/>
               </a:spcBef>
@@ -7012,7 +7186,7 @@
               <a:t>Es una representación en forma de vector de un elemento (como frases o imágenes) en un espacio vectorial.  Estos vectores son una </a:t>
             </a:r>
             <a:r>
-              <a:rPr b="1" lang="es" sz="1000">
+              <a:rPr lang="es" sz="1000" b="1">
                 <a:solidFill>
                   <a:srgbClr val="1C4587"/>
                 </a:solidFill>
@@ -7059,12 +7233,12 @@
           </a:ln>
         </p:spPr>
         <p:txBody>
-          <a:bodyPr anchorCtr="0" anchor="t" bIns="91425" lIns="91425" spcFirstLastPara="1" rIns="91425" wrap="square" tIns="91425">
+          <a:bodyPr spcFirstLastPara="1" wrap="square" lIns="91425" tIns="91425" rIns="91425" bIns="91425" anchor="t" anchorCtr="0">
             <a:spAutoFit/>
           </a:bodyPr>
           <a:lstStyle/>
           <a:p>
-            <a:pPr indent="0" lvl="0" marL="0" rtl="0" algn="l">
+            <a:pPr marL="0" lvl="0" indent="0" algn="l" rtl="0">
               <a:lnSpc>
                 <a:spcPct val="115000"/>
               </a:lnSpc>
@@ -7077,7 +7251,7 @@
               <a:buNone/>
             </a:pPr>
             <a:r>
-              <a:rPr b="1" lang="es" sz="1200">
+              <a:rPr lang="es" sz="1200" b="1">
                 <a:solidFill>
                   <a:srgbClr val="1C4587"/>
                 </a:solidFill>
@@ -7120,12 +7294,12 @@
           </a:ln>
         </p:spPr>
         <p:txBody>
-          <a:bodyPr anchorCtr="0" anchor="t" bIns="91425" lIns="91425" spcFirstLastPara="1" rIns="91425" wrap="square" tIns="91425">
+          <a:bodyPr spcFirstLastPara="1" wrap="square" lIns="91425" tIns="91425" rIns="91425" bIns="91425" anchor="t" anchorCtr="0">
             <a:spAutoFit/>
           </a:bodyPr>
           <a:lstStyle/>
           <a:p>
-            <a:pPr indent="0" lvl="0" marL="0" rtl="0" algn="l">
+            <a:pPr marL="0" lvl="0" indent="0" algn="l" rtl="0">
               <a:lnSpc>
                 <a:spcPct val="115000"/>
               </a:lnSpc>
@@ -7138,7 +7312,7 @@
               <a:buNone/>
             </a:pPr>
             <a:r>
-              <a:rPr b="1" lang="es" sz="1200">
+              <a:rPr lang="es" sz="1200" b="1">
                 <a:solidFill>
                   <a:srgbClr val="1C4587"/>
                 </a:solidFill>
@@ -7181,12 +7355,12 @@
           </a:ln>
         </p:spPr>
         <p:txBody>
-          <a:bodyPr anchorCtr="0" anchor="t" bIns="91425" lIns="91425" spcFirstLastPara="1" rIns="91425" wrap="square" tIns="91425">
+          <a:bodyPr spcFirstLastPara="1" wrap="square" lIns="91425" tIns="91425" rIns="91425" bIns="91425" anchor="t" anchorCtr="0">
             <a:spAutoFit/>
           </a:bodyPr>
           <a:lstStyle/>
           <a:p>
-            <a:pPr indent="0" lvl="0" marL="0" rtl="0" algn="l">
+            <a:pPr marL="0" lvl="0" indent="0" algn="l" rtl="0">
               <a:spcBef>
                 <a:spcPts val="0"/>
               </a:spcBef>
@@ -7208,7 +7382,7 @@
               <a:t>Es una </a:t>
             </a:r>
             <a:r>
-              <a:rPr b="1" lang="es" sz="1000">
+              <a:rPr lang="es" sz="1000" b="1">
                 <a:solidFill>
                   <a:srgbClr val="1C4587"/>
                 </a:solidFill>
@@ -7255,12 +7429,12 @@
           </a:ln>
         </p:spPr>
         <p:txBody>
-          <a:bodyPr anchorCtr="0" anchor="t" bIns="91425" lIns="91425" spcFirstLastPara="1" rIns="91425" wrap="square" tIns="91425">
+          <a:bodyPr spcFirstLastPara="1" wrap="square" lIns="91425" tIns="91425" rIns="91425" bIns="91425" anchor="t" anchorCtr="0">
             <a:spAutoFit/>
           </a:bodyPr>
           <a:lstStyle/>
           <a:p>
-            <a:pPr indent="0" lvl="0" marL="0" rtl="0" algn="l">
+            <a:pPr marL="0" lvl="0" indent="0" algn="l" rtl="0">
               <a:lnSpc>
                 <a:spcPct val="115000"/>
               </a:lnSpc>
@@ -7273,7 +7447,7 @@
               <a:buNone/>
             </a:pPr>
             <a:r>
-              <a:rPr b="1" lang="es" sz="1200">
+              <a:rPr lang="es" sz="1200" b="1">
                 <a:solidFill>
                   <a:srgbClr val="1C4587"/>
                 </a:solidFill>
@@ -7282,31 +7456,7 @@
                 <a:cs typeface="Sora"/>
                 <a:sym typeface="Sora"/>
               </a:rPr>
-              <a:t>¿Para </a:t>
-            </a:r>
-            <a:r>
-              <a:rPr b="1" lang="es" sz="1200">
-                <a:solidFill>
-                  <a:srgbClr val="1C4587"/>
-                </a:solidFill>
-                <a:latin typeface="Sora"/>
-                <a:ea typeface="Sora"/>
-                <a:cs typeface="Sora"/>
-                <a:sym typeface="Sora"/>
-              </a:rPr>
-              <a:t>qué</a:t>
-            </a:r>
-            <a:r>
-              <a:rPr b="1" lang="es" sz="1200">
-                <a:solidFill>
-                  <a:srgbClr val="1C4587"/>
-                </a:solidFill>
-                <a:latin typeface="Sora"/>
-                <a:ea typeface="Sora"/>
-                <a:cs typeface="Sora"/>
-                <a:sym typeface="Sora"/>
-              </a:rPr>
-              <a:t> sirve?</a:t>
+              <a:t>¿Para qué sirve?</a:t>
             </a:r>
             <a:endParaRPr sz="1800">
               <a:solidFill>
@@ -7340,12 +7490,12 @@
           </a:ln>
         </p:spPr>
         <p:txBody>
-          <a:bodyPr anchorCtr="0" anchor="t" bIns="91425" lIns="91425" spcFirstLastPara="1" rIns="91425" wrap="square" tIns="91425">
+          <a:bodyPr spcFirstLastPara="1" wrap="square" lIns="91425" tIns="91425" rIns="91425" bIns="91425" anchor="t" anchorCtr="0">
             <a:spAutoFit/>
           </a:bodyPr>
           <a:lstStyle/>
           <a:p>
-            <a:pPr indent="0" lvl="0" marL="0" rtl="0" algn="l">
+            <a:pPr marL="0" lvl="0" indent="0" algn="l" rtl="0">
               <a:spcBef>
                 <a:spcPts val="0"/>
               </a:spcBef>
@@ -7377,7 +7527,7 @@
             </a:endParaRPr>
           </a:p>
           <a:p>
-            <a:pPr indent="0" lvl="0" marL="0" rtl="0" algn="l">
+            <a:pPr marL="0" lvl="0" indent="0" algn="l" rtl="0">
               <a:spcBef>
                 <a:spcPts val="0"/>
               </a:spcBef>
@@ -7386,9 +7536,6 @@
               </a:spcAft>
               <a:buNone/>
             </a:pPr>
-            <a:r>
-              <a:t/>
-            </a:r>
             <a:endParaRPr sz="1000">
               <a:solidFill>
                 <a:srgbClr val="1C4587"/>
@@ -7400,7 +7547,7 @@
             </a:endParaRPr>
           </a:p>
           <a:p>
-            <a:pPr indent="0" lvl="0" marL="0" rtl="0" algn="l">
+            <a:pPr marL="0" lvl="0" indent="0" algn="l" rtl="0">
               <a:spcBef>
                 <a:spcPts val="0"/>
               </a:spcBef>
@@ -7422,7 +7569,7 @@
               <a:t>1. Podemos saber </a:t>
             </a:r>
             <a:r>
-              <a:rPr b="1" lang="es" sz="1000">
+              <a:rPr lang="es" sz="1000" b="1">
                 <a:solidFill>
                   <a:srgbClr val="1C4587"/>
                 </a:solidFill>
@@ -7467,7 +7614,7 @@
             </a:endParaRPr>
           </a:p>
           <a:p>
-            <a:pPr indent="0" lvl="0" marL="0" rtl="0" algn="l">
+            <a:pPr marL="0" lvl="0" indent="0" algn="l" rtl="0">
               <a:spcBef>
                 <a:spcPts val="0"/>
               </a:spcBef>
@@ -7489,7 +7636,7 @@
               <a:t>2. Cada dimensión es un número que </a:t>
             </a:r>
             <a:r>
-              <a:rPr b="1" lang="es" sz="1000">
+              <a:rPr lang="es" sz="1000" b="1">
                 <a:solidFill>
                   <a:srgbClr val="1C4587"/>
                 </a:solidFill>
@@ -7537,30 +7684,30 @@
           </a:xfrm>
           <a:prstGeom prst="rightArrow">
             <a:avLst>
-              <a:gd fmla="val 50000" name="adj1"/>
-              <a:gd fmla="val 50000" name="adj2"/>
+              <a:gd name="adj1" fmla="val 50000"/>
+              <a:gd name="adj2" fmla="val 50000"/>
             </a:avLst>
           </a:prstGeom>
           <a:solidFill>
             <a:srgbClr val="0B5394"/>
           </a:solidFill>
-          <a:ln cap="flat" cmpd="sng" w="9525">
+          <a:ln w="9525" cap="flat" cmpd="sng">
             <a:solidFill>
               <a:srgbClr val="0B5394"/>
             </a:solidFill>
             <a:prstDash val="solid"/>
             <a:round/>
-            <a:headEnd len="sm" w="sm" type="none"/>
-            <a:tailEnd len="sm" w="sm" type="none"/>
+            <a:headEnd type="none" w="sm" len="sm"/>
+            <a:tailEnd type="none" w="sm" len="sm"/>
           </a:ln>
         </p:spPr>
         <p:txBody>
-          <a:bodyPr anchorCtr="0" anchor="ctr" bIns="91425" lIns="91425" spcFirstLastPara="1" rIns="91425" wrap="square" tIns="91425">
+          <a:bodyPr spcFirstLastPara="1" wrap="square" lIns="91425" tIns="91425" rIns="91425" bIns="91425" anchor="ctr" anchorCtr="0">
             <a:noAutofit/>
           </a:bodyPr>
           <a:lstStyle/>
           <a:p>
-            <a:pPr indent="0" lvl="0" marL="0" rtl="0" algn="ctr">
+            <a:pPr marL="0" lvl="0" indent="0" algn="ctr" rtl="0">
               <a:spcBef>
                 <a:spcPts val="0"/>
               </a:spcBef>
@@ -7569,9 +7716,6 @@
               </a:spcAft>
               <a:buNone/>
             </a:pPr>
-            <a:r>
-              <a:t/>
-            </a:r>
             <a:endParaRPr/>
           </a:p>
         </p:txBody>
@@ -7596,12 +7740,12 @@
           </a:ln>
         </p:spPr>
         <p:txBody>
-          <a:bodyPr anchorCtr="0" anchor="t" bIns="91425" lIns="91425" spcFirstLastPara="1" rIns="91425" wrap="square" tIns="91425">
+          <a:bodyPr spcFirstLastPara="1" wrap="square" lIns="91425" tIns="91425" rIns="91425" bIns="91425" anchor="t" anchorCtr="0">
             <a:spAutoFit/>
           </a:bodyPr>
           <a:lstStyle/>
           <a:p>
-            <a:pPr indent="0" lvl="0" marL="0" rtl="0" algn="l">
+            <a:pPr marL="0" lvl="0" indent="0" algn="l" rtl="0">
               <a:spcBef>
                 <a:spcPts val="0"/>
               </a:spcBef>
@@ -7639,30 +7783,30 @@
           </a:xfrm>
           <a:prstGeom prst="rightArrow">
             <a:avLst>
-              <a:gd fmla="val 50000" name="adj1"/>
-              <a:gd fmla="val 50000" name="adj2"/>
+              <a:gd name="adj1" fmla="val 50000"/>
+              <a:gd name="adj2" fmla="val 50000"/>
             </a:avLst>
           </a:prstGeom>
           <a:solidFill>
             <a:srgbClr val="0B5394"/>
           </a:solidFill>
-          <a:ln cap="flat" cmpd="sng" w="9525">
+          <a:ln w="9525" cap="flat" cmpd="sng">
             <a:solidFill>
               <a:srgbClr val="0B5394"/>
             </a:solidFill>
             <a:prstDash val="solid"/>
             <a:round/>
-            <a:headEnd len="sm" w="sm" type="none"/>
-            <a:tailEnd len="sm" w="sm" type="none"/>
+            <a:headEnd type="none" w="sm" len="sm"/>
+            <a:tailEnd type="none" w="sm" len="sm"/>
           </a:ln>
         </p:spPr>
         <p:txBody>
-          <a:bodyPr anchorCtr="0" anchor="ctr" bIns="91425" lIns="91425" spcFirstLastPara="1" rIns="91425" wrap="square" tIns="91425">
+          <a:bodyPr spcFirstLastPara="1" wrap="square" lIns="91425" tIns="91425" rIns="91425" bIns="91425" anchor="ctr" anchorCtr="0">
             <a:noAutofit/>
           </a:bodyPr>
           <a:lstStyle/>
           <a:p>
-            <a:pPr indent="0" lvl="0" marL="0" rtl="0" algn="ctr">
+            <a:pPr marL="0" lvl="0" indent="0" algn="ctr" rtl="0">
               <a:spcBef>
                 <a:spcPts val="0"/>
               </a:spcBef>
@@ -7671,9 +7815,6 @@
               </a:spcAft>
               <a:buNone/>
             </a:pPr>
-            <a:r>
-              <a:t/>
-            </a:r>
             <a:endParaRPr/>
           </a:p>
         </p:txBody>
@@ -7698,12 +7839,12 @@
           </a:ln>
         </p:spPr>
         <p:txBody>
-          <a:bodyPr anchorCtr="0" anchor="t" bIns="91425" lIns="91425" spcFirstLastPara="1" rIns="91425" wrap="square" tIns="91425">
+          <a:bodyPr spcFirstLastPara="1" wrap="square" lIns="91425" tIns="91425" rIns="91425" bIns="91425" anchor="t" anchorCtr="0">
             <a:spAutoFit/>
           </a:bodyPr>
           <a:lstStyle/>
           <a:p>
-            <a:pPr indent="0" lvl="0" marL="0" rtl="0" algn="l">
+            <a:pPr marL="0" lvl="0" indent="0" algn="l" rtl="0">
               <a:spcBef>
                 <a:spcPts val="0"/>
               </a:spcBef>
@@ -7755,7 +7896,7 @@
             <a:noFill/>
           </a:ln>
           <a:effectLst>
-            <a:outerShdw blurRad="57150" rotWithShape="0" algn="bl" dir="5400000" dist="19050">
+            <a:outerShdw blurRad="57150" dist="19050" dir="5400000" algn="bl" rotWithShape="0">
               <a:srgbClr val="000000">
                 <a:alpha val="50000"/>
               </a:srgbClr>
@@ -7811,12 +7952,12 @@
           </a:ln>
         </p:spPr>
         <p:txBody>
-          <a:bodyPr anchorCtr="0" anchor="t" bIns="91425" lIns="91425" spcFirstLastPara="1" rIns="91425" wrap="square" tIns="91425">
+          <a:bodyPr spcFirstLastPara="1" wrap="square" lIns="91425" tIns="91425" rIns="91425" bIns="91425" anchor="t" anchorCtr="0">
             <a:spAutoFit/>
           </a:bodyPr>
           <a:lstStyle/>
           <a:p>
-            <a:pPr indent="0" lvl="0" marL="0" rtl="0" algn="l">
+            <a:pPr marL="0" lvl="0" indent="0" algn="l" rtl="0">
               <a:spcBef>
                 <a:spcPts val="0"/>
               </a:spcBef>
@@ -7835,19 +7976,7 @@
                 <a:cs typeface="Sora"/>
                 <a:sym typeface="Sora"/>
               </a:rPr>
-              <a:t>* </a:t>
-            </a:r>
-            <a:r>
-              <a:rPr lang="es" sz="1000">
-                <a:solidFill>
-                  <a:srgbClr val="1C4587"/>
-                </a:solidFill>
-                <a:latin typeface="Sora"/>
-                <a:ea typeface="Sora"/>
-                <a:cs typeface="Sora"/>
-                <a:sym typeface="Sora"/>
-              </a:rPr>
-              <a:t>Visualizador interactivo Word2Vec: </a:t>
+              <a:t>* Visualizador interactivo Word2Vec: </a:t>
             </a:r>
             <a:r>
               <a:rPr lang="es" sz="1000" u="sng">
@@ -7869,7 +7998,7 @@
             </a:endParaRPr>
           </a:p>
           <a:p>
-            <a:pPr indent="0" lvl="0" marL="0" rtl="0" algn="l">
+            <a:pPr marL="0" lvl="0" indent="0" algn="l" rtl="0">
               <a:spcBef>
                 <a:spcPts val="0"/>
               </a:spcBef>
@@ -7878,9 +8007,6 @@
               </a:spcAft>
               <a:buNone/>
             </a:pPr>
-            <a:r>
-              <a:t/>
-            </a:r>
             <a:endParaRPr sz="1000">
               <a:solidFill>
                 <a:srgbClr val="1C4587"/>
@@ -7902,11 +8028,11 @@
 </file>
 
 <file path=ppt/slides/slide11.xml><?xml version="1.0" encoding="utf-8"?>
-<p:sld xmlns:a="http://schemas.openxmlformats.org/drawingml/2006/main" xmlns:r="http://schemas.openxmlformats.org/officeDocument/2006/relationships" xmlns:mc="http://schemas.openxmlformats.org/markup-compatibility/2006" xmlns:mv="urn:schemas-microsoft-com:mac:vml" xmlns:p="http://schemas.openxmlformats.org/presentationml/2006/main" xmlns:c="http://schemas.openxmlformats.org/drawingml/2006/chart" xmlns:dgm="http://schemas.openxmlformats.org/drawingml/2006/diagram" xmlns:o="urn:schemas-microsoft-com:office:office" xmlns:v="urn:schemas-microsoft-com:vml" xmlns:pvml="urn:schemas-microsoft-com:office:powerpoint" xmlns:com="http://schemas.openxmlformats.org/drawingml/2006/compatibility" xmlns:p14="http://schemas.microsoft.com/office/powerpoint/2010/main" xmlns:p15="http://schemas.microsoft.com/office/powerpoint/2012/main" xmlns:ahyp="http://schemas.microsoft.com/office/drawing/2018/hyperlinkcolor">
+<p:sld xmlns:a="http://schemas.openxmlformats.org/drawingml/2006/main" xmlns:r="http://schemas.openxmlformats.org/officeDocument/2006/relationships" xmlns:p="http://schemas.openxmlformats.org/presentationml/2006/main">
   <p:cSld>
     <p:spTree>
       <p:nvGrpSpPr>
-        <p:cNvPr id="206" name="Shape 206"/>
+        <p:cNvPr id="1" name="Shape 206"/>
         <p:cNvGrpSpPr/>
         <p:nvPr/>
       </p:nvGrpSpPr>
@@ -7966,12 +8092,12 @@
           </a:ln>
         </p:spPr>
         <p:txBody>
-          <a:bodyPr anchorCtr="0" anchor="t" bIns="91425" lIns="91425" spcFirstLastPara="1" rIns="91425" wrap="square" tIns="91425">
+          <a:bodyPr spcFirstLastPara="1" wrap="square" lIns="91425" tIns="91425" rIns="91425" bIns="91425" anchor="t" anchorCtr="0">
             <a:spAutoFit/>
           </a:bodyPr>
           <a:lstStyle/>
           <a:p>
-            <a:pPr indent="0" lvl="0" marL="0" rtl="0" algn="l">
+            <a:pPr marL="0" lvl="0" indent="0" algn="l" rtl="0">
               <a:lnSpc>
                 <a:spcPct val="115000"/>
               </a:lnSpc>
@@ -8020,23 +8146,23 @@
           <a:solidFill>
             <a:srgbClr val="0B5394"/>
           </a:solidFill>
-          <a:ln cap="flat" cmpd="sng" w="9525">
+          <a:ln w="9525" cap="flat" cmpd="sng">
             <a:solidFill>
               <a:srgbClr val="0B5394"/>
             </a:solidFill>
             <a:prstDash val="solid"/>
             <a:round/>
-            <a:headEnd len="sm" w="sm" type="none"/>
-            <a:tailEnd len="sm" w="sm" type="none"/>
+            <a:headEnd type="none" w="sm" len="sm"/>
+            <a:tailEnd type="none" w="sm" len="sm"/>
           </a:ln>
         </p:spPr>
         <p:txBody>
-          <a:bodyPr anchorCtr="0" anchor="ctr" bIns="91425" lIns="91425" spcFirstLastPara="1" rIns="91425" wrap="square" tIns="91425">
+          <a:bodyPr spcFirstLastPara="1" wrap="square" lIns="91425" tIns="91425" rIns="91425" bIns="91425" anchor="ctr" anchorCtr="0">
             <a:noAutofit/>
           </a:bodyPr>
           <a:lstStyle/>
           <a:p>
-            <a:pPr indent="0" lvl="0" marL="0" rtl="0" algn="ctr">
+            <a:pPr marL="0" lvl="0" indent="0" algn="ctr" rtl="0">
               <a:spcBef>
                 <a:spcPts val="0"/>
               </a:spcBef>
@@ -8045,9 +8171,6 @@
               </a:spcAft>
               <a:buNone/>
             </a:pPr>
-            <a:r>
-              <a:t/>
-            </a:r>
             <a:endParaRPr/>
           </a:p>
         </p:txBody>
@@ -8072,12 +8195,12 @@
           </a:ln>
         </p:spPr>
         <p:txBody>
-          <a:bodyPr anchorCtr="0" anchor="t" bIns="91425" lIns="91425" spcFirstLastPara="1" rIns="91425" wrap="square" tIns="91425">
+          <a:bodyPr spcFirstLastPara="1" wrap="square" lIns="91425" tIns="91425" rIns="91425" bIns="91425" anchor="t" anchorCtr="0">
             <a:spAutoFit/>
           </a:bodyPr>
           <a:lstStyle/>
           <a:p>
-            <a:pPr indent="0" lvl="0" marL="0" rtl="0" algn="l">
+            <a:pPr marL="0" lvl="0" indent="0" algn="l" rtl="0">
               <a:spcBef>
                 <a:spcPts val="0"/>
               </a:spcBef>
@@ -8099,7 +8222,7 @@
               <a:t>Es una técnica que permite </a:t>
             </a:r>
             <a:r>
-              <a:rPr b="1" lang="es" sz="1000">
+              <a:rPr lang="es" sz="1000" b="1">
                 <a:solidFill>
                   <a:srgbClr val="1C4587"/>
                 </a:solidFill>
@@ -8123,7 +8246,7 @@
               <a:t> de un modelo más </a:t>
             </a:r>
             <a:r>
-              <a:rPr b="1" lang="es" sz="1000">
+              <a:rPr lang="es" sz="1000" b="1">
                 <a:solidFill>
                   <a:srgbClr val="1C4587"/>
                 </a:solidFill>
@@ -8170,12 +8293,12 @@
           </a:ln>
         </p:spPr>
         <p:txBody>
-          <a:bodyPr anchorCtr="0" anchor="t" bIns="91425" lIns="91425" spcFirstLastPara="1" rIns="91425" wrap="square" tIns="91425">
+          <a:bodyPr spcFirstLastPara="1" wrap="square" lIns="91425" tIns="91425" rIns="91425" bIns="91425" anchor="t" anchorCtr="0">
             <a:spAutoFit/>
           </a:bodyPr>
           <a:lstStyle/>
           <a:p>
-            <a:pPr indent="0" lvl="0" marL="0" rtl="0" algn="l">
+            <a:pPr marL="0" lvl="0" indent="0" algn="l" rtl="0">
               <a:lnSpc>
                 <a:spcPct val="115000"/>
               </a:lnSpc>
@@ -8188,7 +8311,7 @@
               <a:buNone/>
             </a:pPr>
             <a:r>
-              <a:rPr b="1" lang="es" sz="1200">
+              <a:rPr lang="es" sz="1200" b="1">
                 <a:solidFill>
                   <a:srgbClr val="1C4587"/>
                 </a:solidFill>
@@ -8231,12 +8354,12 @@
           </a:ln>
         </p:spPr>
         <p:txBody>
-          <a:bodyPr anchorCtr="0" anchor="t" bIns="91425" lIns="91425" spcFirstLastPara="1" rIns="91425" wrap="square" tIns="91425">
+          <a:bodyPr spcFirstLastPara="1" wrap="square" lIns="91425" tIns="91425" rIns="91425" bIns="91425" anchor="t" anchorCtr="0">
             <a:spAutoFit/>
           </a:bodyPr>
           <a:lstStyle/>
           <a:p>
-            <a:pPr indent="0" lvl="0" marL="0" rtl="0" algn="l">
+            <a:pPr marL="0" lvl="0" indent="0" algn="l" rtl="0">
               <a:lnSpc>
                 <a:spcPct val="115000"/>
               </a:lnSpc>
@@ -8249,7 +8372,7 @@
               <a:buNone/>
             </a:pPr>
             <a:r>
-              <a:rPr b="1" lang="es" sz="1200">
+              <a:rPr lang="es" sz="1200" b="1">
                 <a:solidFill>
                   <a:srgbClr val="1C4587"/>
                 </a:solidFill>
@@ -8292,12 +8415,12 @@
           </a:ln>
         </p:spPr>
         <p:txBody>
-          <a:bodyPr anchorCtr="0" anchor="t" bIns="91425" lIns="91425" spcFirstLastPara="1" rIns="91425" wrap="square" tIns="91425">
+          <a:bodyPr spcFirstLastPara="1" wrap="square" lIns="91425" tIns="91425" rIns="91425" bIns="91425" anchor="t" anchorCtr="0">
             <a:spAutoFit/>
           </a:bodyPr>
           <a:lstStyle/>
           <a:p>
-            <a:pPr indent="0" lvl="0" marL="0" rtl="0" algn="l">
+            <a:pPr marL="0" lvl="0" indent="0" algn="l" rtl="0">
               <a:spcBef>
                 <a:spcPts val="0"/>
               </a:spcBef>
@@ -8319,7 +8442,7 @@
               <a:t>Al entrenar solo unas pocas capas de la red, gasta </a:t>
             </a:r>
             <a:r>
-              <a:rPr b="1" lang="es" sz="1000">
+              <a:rPr lang="es" sz="1000" b="1">
                 <a:solidFill>
                   <a:srgbClr val="1C4587"/>
                 </a:solidFill>
@@ -8343,7 +8466,7 @@
               <a:t> y requiere </a:t>
             </a:r>
             <a:r>
-              <a:rPr b="1" lang="es" sz="1000">
+              <a:rPr lang="es" sz="1000" b="1">
                 <a:solidFill>
                   <a:srgbClr val="1C4587"/>
                 </a:solidFill>
@@ -8425,12 +8548,12 @@
           </a:ln>
         </p:spPr>
         <p:txBody>
-          <a:bodyPr anchorCtr="0" anchor="t" bIns="91425" lIns="91425" spcFirstLastPara="1" rIns="91425" wrap="square" tIns="91425">
+          <a:bodyPr spcFirstLastPara="1" wrap="square" lIns="91425" tIns="91425" rIns="91425" bIns="91425" anchor="t" anchorCtr="0">
             <a:spAutoFit/>
           </a:bodyPr>
           <a:lstStyle/>
           <a:p>
-            <a:pPr indent="0" lvl="0" marL="0" rtl="0" algn="ctr">
+            <a:pPr marL="0" lvl="0" indent="0" algn="ctr" rtl="0">
               <a:lnSpc>
                 <a:spcPct val="115000"/>
               </a:lnSpc>
@@ -8443,7 +8566,7 @@
               <a:buNone/>
             </a:pPr>
             <a:r>
-              <a:rPr b="1" lang="es" sz="1200">
+              <a:rPr lang="es" sz="1200" b="1">
                 <a:solidFill>
                   <a:srgbClr val="1C4587"/>
                 </a:solidFill>
@@ -8479,32 +8602,32 @@
           </a:xfrm>
           <a:prstGeom prst="bentArrow">
             <a:avLst>
-              <a:gd fmla="val 25000" name="adj1"/>
-              <a:gd fmla="val 25000" name="adj2"/>
-              <a:gd fmla="val 25000" name="adj3"/>
-              <a:gd fmla="val 43750" name="adj4"/>
+              <a:gd name="adj1" fmla="val 25000"/>
+              <a:gd name="adj2" fmla="val 25000"/>
+              <a:gd name="adj3" fmla="val 25000"/>
+              <a:gd name="adj4" fmla="val 43750"/>
             </a:avLst>
           </a:prstGeom>
           <a:solidFill>
             <a:srgbClr val="0B5394"/>
           </a:solidFill>
-          <a:ln cap="flat" cmpd="sng" w="9525">
+          <a:ln w="9525" cap="flat" cmpd="sng">
             <a:solidFill>
               <a:srgbClr val="073763"/>
             </a:solidFill>
             <a:prstDash val="solid"/>
             <a:round/>
-            <a:headEnd len="sm" w="sm" type="none"/>
-            <a:tailEnd len="sm" w="sm" type="none"/>
+            <a:headEnd type="none" w="sm" len="sm"/>
+            <a:tailEnd type="none" w="sm" len="sm"/>
           </a:ln>
         </p:spPr>
         <p:txBody>
-          <a:bodyPr anchorCtr="0" anchor="ctr" bIns="91425" lIns="91425" spcFirstLastPara="1" rIns="91425" wrap="square" tIns="91425">
+          <a:bodyPr spcFirstLastPara="1" wrap="square" lIns="91425" tIns="91425" rIns="91425" bIns="91425" anchor="ctr" anchorCtr="0">
             <a:noAutofit/>
           </a:bodyPr>
           <a:lstStyle/>
           <a:p>
-            <a:pPr indent="0" lvl="0" marL="0" rtl="0" algn="ctr">
+            <a:pPr marL="0" lvl="0" indent="0" algn="ctr" rtl="0">
               <a:spcBef>
                 <a:spcPts val="0"/>
               </a:spcBef>
@@ -8513,16 +8636,13 @@
               </a:spcAft>
               <a:buNone/>
             </a:pPr>
-            <a:r>
-              <a:t/>
-            </a:r>
             <a:endParaRPr/>
           </a:p>
         </p:txBody>
       </p:sp>
       <p:pic>
         <p:nvPicPr>
-          <p:cNvPr descr="&#10;&#10;" id="217" name="Google Shape;217;p23"/>
+          <p:cNvPr id="217" name="Google Shape;217;p23" descr="&#10;&#10;"/>
           <p:cNvPicPr preferRelativeResize="0"/>
           <p:nvPr/>
         </p:nvPicPr>
@@ -8547,7 +8667,7 @@
             <a:noFill/>
           </a:ln>
           <a:effectLst>
-            <a:outerShdw blurRad="57150" rotWithShape="0" algn="bl" dir="5400000" dist="19050">
+            <a:outerShdw blurRad="57150" dist="19050" dir="5400000" algn="bl" rotWithShape="0">
               <a:srgbClr val="000000">
                 <a:alpha val="50000"/>
               </a:srgbClr>
@@ -8575,12 +8695,12 @@
           </a:ln>
         </p:spPr>
         <p:txBody>
-          <a:bodyPr anchorCtr="0" anchor="t" bIns="91425" lIns="91425" spcFirstLastPara="1" rIns="91425" wrap="square" tIns="91425">
+          <a:bodyPr spcFirstLastPara="1" wrap="square" lIns="91425" tIns="91425" rIns="91425" bIns="91425" anchor="t" anchorCtr="0">
             <a:spAutoFit/>
           </a:bodyPr>
           <a:lstStyle/>
           <a:p>
-            <a:pPr indent="0" lvl="0" marL="0" rtl="0" algn="l">
+            <a:pPr marL="0" lvl="0" indent="0" algn="l" rtl="0">
               <a:spcBef>
                 <a:spcPts val="0"/>
               </a:spcBef>
@@ -8627,11 +8747,11 @@
 </file>
 
 <file path=ppt/slides/slide12.xml><?xml version="1.0" encoding="utf-8"?>
-<p:sld xmlns:a="http://schemas.openxmlformats.org/drawingml/2006/main" xmlns:r="http://schemas.openxmlformats.org/officeDocument/2006/relationships" xmlns:mc="http://schemas.openxmlformats.org/markup-compatibility/2006" xmlns:mv="urn:schemas-microsoft-com:mac:vml" xmlns:p="http://schemas.openxmlformats.org/presentationml/2006/main" xmlns:c="http://schemas.openxmlformats.org/drawingml/2006/chart" xmlns:dgm="http://schemas.openxmlformats.org/drawingml/2006/diagram" xmlns:o="urn:schemas-microsoft-com:office:office" xmlns:v="urn:schemas-microsoft-com:vml" xmlns:pvml="urn:schemas-microsoft-com:office:powerpoint" xmlns:com="http://schemas.openxmlformats.org/drawingml/2006/compatibility" xmlns:p14="http://schemas.microsoft.com/office/powerpoint/2010/main" xmlns:p15="http://schemas.microsoft.com/office/powerpoint/2012/main" xmlns:ahyp="http://schemas.microsoft.com/office/drawing/2018/hyperlinkcolor">
+<p:sld xmlns:a="http://schemas.openxmlformats.org/drawingml/2006/main" xmlns:r="http://schemas.openxmlformats.org/officeDocument/2006/relationships" xmlns:p="http://schemas.openxmlformats.org/presentationml/2006/main">
   <p:cSld>
     <p:spTree>
       <p:nvGrpSpPr>
-        <p:cNvPr id="222" name="Shape 222"/>
+        <p:cNvPr id="1" name="Shape 222"/>
         <p:cNvGrpSpPr/>
         <p:nvPr/>
       </p:nvGrpSpPr>
@@ -8691,12 +8811,12 @@
           </a:ln>
         </p:spPr>
         <p:txBody>
-          <a:bodyPr anchorCtr="0" anchor="t" bIns="91425" lIns="91425" spcFirstLastPara="1" rIns="91425" wrap="square" tIns="91425">
+          <a:bodyPr spcFirstLastPara="1" wrap="square" lIns="91425" tIns="91425" rIns="91425" bIns="91425" anchor="t" anchorCtr="0">
             <a:spAutoFit/>
           </a:bodyPr>
           <a:lstStyle/>
           <a:p>
-            <a:pPr indent="0" lvl="0" marL="0" rtl="0" algn="ctr">
+            <a:pPr marL="0" lvl="0" indent="0" algn="ctr" rtl="0">
               <a:lnSpc>
                 <a:spcPct val="115000"/>
               </a:lnSpc>
@@ -8723,19 +8843,7 @@
                 <a:cs typeface="Sora"/>
                 <a:sym typeface="Sora"/>
               </a:rPr>
-              <a:t>Trabajo </a:t>
-            </a:r>
-            <a:r>
-              <a:rPr lang="es" sz="3600">
-                <a:solidFill>
-                  <a:srgbClr val="1C4587"/>
-                </a:solidFill>
-                <a:latin typeface="Sora"/>
-                <a:ea typeface="Sora"/>
-                <a:cs typeface="Sora"/>
-                <a:sym typeface="Sora"/>
-              </a:rPr>
-              <a:t>Práctico</a:t>
+              <a:t>Trabajo Práctico</a:t>
             </a:r>
             <a:endParaRPr sz="3600">
               <a:solidFill>
@@ -8748,7 +8856,7 @@
             </a:endParaRPr>
           </a:p>
           <a:p>
-            <a:pPr indent="0" lvl="0" marL="0" rtl="0" algn="l">
+            <a:pPr marL="0" lvl="0" indent="0" algn="l" rtl="0">
               <a:spcBef>
                 <a:spcPts val="0"/>
               </a:spcBef>
@@ -8757,9 +8865,6 @@
               </a:spcAft>
               <a:buNone/>
             </a:pPr>
-            <a:r>
-              <a:t/>
-            </a:r>
             <a:endParaRPr sz="1800">
               <a:solidFill>
                 <a:schemeClr val="dk2"/>
@@ -8777,11 +8882,11 @@
 </file>
 
 <file path=ppt/slides/slide13.xml><?xml version="1.0" encoding="utf-8"?>
-<p:sld xmlns:a="http://schemas.openxmlformats.org/drawingml/2006/main" xmlns:r="http://schemas.openxmlformats.org/officeDocument/2006/relationships" xmlns:mc="http://schemas.openxmlformats.org/markup-compatibility/2006" xmlns:mv="urn:schemas-microsoft-com:mac:vml" xmlns:p="http://schemas.openxmlformats.org/presentationml/2006/main" xmlns:c="http://schemas.openxmlformats.org/drawingml/2006/chart" xmlns:dgm="http://schemas.openxmlformats.org/drawingml/2006/diagram" xmlns:o="urn:schemas-microsoft-com:office:office" xmlns:v="urn:schemas-microsoft-com:vml" xmlns:pvml="urn:schemas-microsoft-com:office:powerpoint" xmlns:com="http://schemas.openxmlformats.org/drawingml/2006/compatibility" xmlns:p14="http://schemas.microsoft.com/office/powerpoint/2010/main" xmlns:p15="http://schemas.microsoft.com/office/powerpoint/2012/main" xmlns:ahyp="http://schemas.microsoft.com/office/drawing/2018/hyperlinkcolor">
+<p:sld xmlns:a="http://schemas.openxmlformats.org/drawingml/2006/main" xmlns:r="http://schemas.openxmlformats.org/officeDocument/2006/relationships" xmlns:p="http://schemas.openxmlformats.org/presentationml/2006/main">
   <p:cSld>
     <p:spTree>
       <p:nvGrpSpPr>
-        <p:cNvPr id="228" name="Shape 228"/>
+        <p:cNvPr id="1" name="Shape 228"/>
         <p:cNvGrpSpPr/>
         <p:nvPr/>
       </p:nvGrpSpPr>
@@ -8841,12 +8946,12 @@
           </a:ln>
         </p:spPr>
         <p:txBody>
-          <a:bodyPr anchorCtr="0" anchor="t" bIns="91425" lIns="91425" spcFirstLastPara="1" rIns="91425" wrap="square" tIns="91425">
+          <a:bodyPr spcFirstLastPara="1" wrap="square" lIns="91425" tIns="91425" rIns="91425" bIns="91425" anchor="t" anchorCtr="0">
             <a:spAutoFit/>
           </a:bodyPr>
           <a:lstStyle/>
           <a:p>
-            <a:pPr indent="0" lvl="0" marL="0" rtl="0" algn="l">
+            <a:pPr marL="0" lvl="0" indent="0" algn="l" rtl="0">
               <a:lnSpc>
                 <a:spcPct val="115000"/>
               </a:lnSpc>
@@ -8895,23 +9000,23 @@
           <a:solidFill>
             <a:srgbClr val="0B5394"/>
           </a:solidFill>
-          <a:ln cap="flat" cmpd="sng" w="9525">
+          <a:ln w="9525" cap="flat" cmpd="sng">
             <a:solidFill>
               <a:srgbClr val="0B5394"/>
             </a:solidFill>
             <a:prstDash val="solid"/>
             <a:round/>
-            <a:headEnd len="sm" w="sm" type="none"/>
-            <a:tailEnd len="sm" w="sm" type="none"/>
+            <a:headEnd type="none" w="sm" len="sm"/>
+            <a:tailEnd type="none" w="sm" len="sm"/>
           </a:ln>
         </p:spPr>
         <p:txBody>
-          <a:bodyPr anchorCtr="0" anchor="ctr" bIns="91425" lIns="91425" spcFirstLastPara="1" rIns="91425" wrap="square" tIns="91425">
+          <a:bodyPr spcFirstLastPara="1" wrap="square" lIns="91425" tIns="91425" rIns="91425" bIns="91425" anchor="ctr" anchorCtr="0">
             <a:noAutofit/>
           </a:bodyPr>
           <a:lstStyle/>
           <a:p>
-            <a:pPr indent="0" lvl="0" marL="0" rtl="0" algn="ctr">
+            <a:pPr marL="0" lvl="0" indent="0" algn="ctr" rtl="0">
               <a:spcBef>
                 <a:spcPts val="0"/>
               </a:spcBef>
@@ -8920,9 +9025,6 @@
               </a:spcAft>
               <a:buNone/>
             </a:pPr>
-            <a:r>
-              <a:t/>
-            </a:r>
             <a:endParaRPr/>
           </a:p>
         </p:txBody>
@@ -8947,12 +9049,12 @@
           </a:ln>
         </p:spPr>
         <p:txBody>
-          <a:bodyPr anchorCtr="0" anchor="t" bIns="91425" lIns="91425" spcFirstLastPara="1" rIns="91425" wrap="square" tIns="91425">
+          <a:bodyPr spcFirstLastPara="1" wrap="square" lIns="91425" tIns="91425" rIns="91425" bIns="91425" anchor="t" anchorCtr="0">
             <a:spAutoFit/>
           </a:bodyPr>
           <a:lstStyle/>
           <a:p>
-            <a:pPr indent="0" lvl="0" marL="0" rtl="0" algn="l">
+            <a:pPr marL="0" lvl="0" indent="0" algn="l" rtl="0">
               <a:spcBef>
                 <a:spcPts val="0"/>
               </a:spcBef>
@@ -8997,12 +9099,12 @@
           </a:ln>
         </p:spPr>
         <p:txBody>
-          <a:bodyPr anchorCtr="0" anchor="t" bIns="91425" lIns="91425" spcFirstLastPara="1" rIns="91425" wrap="square" tIns="91425">
+          <a:bodyPr spcFirstLastPara="1" wrap="square" lIns="91425" tIns="91425" rIns="91425" bIns="91425" anchor="t" anchorCtr="0">
             <a:spAutoFit/>
           </a:bodyPr>
           <a:lstStyle/>
           <a:p>
-            <a:pPr indent="0" lvl="0" marL="0" rtl="0" algn="l">
+            <a:pPr marL="0" lvl="0" indent="0" algn="l" rtl="0">
               <a:lnSpc>
                 <a:spcPct val="115000"/>
               </a:lnSpc>
@@ -9015,7 +9117,7 @@
               <a:buNone/>
             </a:pPr>
             <a:r>
-              <a:rPr b="1" lang="es" sz="1200">
+              <a:rPr lang="es" sz="1200" b="1">
                 <a:solidFill>
                   <a:srgbClr val="1C4587"/>
                 </a:solidFill>
@@ -9058,12 +9160,12 @@
           </a:ln>
         </p:spPr>
         <p:txBody>
-          <a:bodyPr anchorCtr="0" anchor="t" bIns="91425" lIns="91425" spcFirstLastPara="1" rIns="91425" wrap="square" tIns="91425">
+          <a:bodyPr spcFirstLastPara="1" wrap="square" lIns="91425" tIns="91425" rIns="91425" bIns="91425" anchor="t" anchorCtr="0">
             <a:spAutoFit/>
           </a:bodyPr>
           <a:lstStyle/>
           <a:p>
-            <a:pPr indent="0" lvl="0" marL="0" rtl="0" algn="l">
+            <a:pPr marL="0" lvl="0" indent="0" algn="l" rtl="0">
               <a:spcBef>
                 <a:spcPts val="0"/>
               </a:spcBef>
@@ -9095,7 +9197,7 @@
             </a:endParaRPr>
           </a:p>
           <a:p>
-            <a:pPr indent="-292100" lvl="0" marL="457200" rtl="0" algn="l">
+            <a:pPr marL="457200" lvl="0" indent="-292100" algn="l" rtl="0">
               <a:spcBef>
                 <a:spcPts val="0"/>
               </a:spcBef>
@@ -9132,7 +9234,7 @@
             </a:endParaRPr>
           </a:p>
           <a:p>
-            <a:pPr indent="-292100" lvl="0" marL="457200" rtl="0" algn="l">
+            <a:pPr marL="457200" lvl="0" indent="-292100" algn="l" rtl="0">
               <a:spcBef>
                 <a:spcPts val="0"/>
               </a:spcBef>
@@ -9169,7 +9271,7 @@
             </a:endParaRPr>
           </a:p>
           <a:p>
-            <a:pPr indent="-292100" lvl="0" marL="457200" rtl="0" algn="l">
+            <a:pPr marL="457200" lvl="0" indent="-292100" algn="l" rtl="0">
               <a:spcBef>
                 <a:spcPts val="0"/>
               </a:spcBef>
@@ -9206,7 +9308,7 @@
             </a:endParaRPr>
           </a:p>
           <a:p>
-            <a:pPr indent="-292100" lvl="0" marL="457200" rtl="0" algn="l">
+            <a:pPr marL="457200" lvl="0" indent="-292100" algn="l" rtl="0">
               <a:spcBef>
                 <a:spcPts val="0"/>
               </a:spcBef>
@@ -9243,7 +9345,7 @@
             </a:endParaRPr>
           </a:p>
           <a:p>
-            <a:pPr indent="-292100" lvl="0" marL="457200" rtl="0" algn="l">
+            <a:pPr marL="457200" lvl="0" indent="-292100" algn="l" rtl="0">
               <a:spcBef>
                 <a:spcPts val="0"/>
               </a:spcBef>
@@ -9301,12 +9403,12 @@
           </a:ln>
         </p:spPr>
         <p:txBody>
-          <a:bodyPr anchorCtr="0" anchor="t" bIns="91425" lIns="91425" spcFirstLastPara="1" rIns="91425" wrap="square" tIns="91425">
+          <a:bodyPr spcFirstLastPara="1" wrap="square" lIns="91425" tIns="91425" rIns="91425" bIns="91425" anchor="t" anchorCtr="0">
             <a:spAutoFit/>
           </a:bodyPr>
           <a:lstStyle/>
           <a:p>
-            <a:pPr indent="0" lvl="0" marL="0" rtl="0" algn="l">
+            <a:pPr marL="0" lvl="0" indent="0" algn="l" rtl="0">
               <a:lnSpc>
                 <a:spcPct val="115000"/>
               </a:lnSpc>
@@ -9319,7 +9421,7 @@
               <a:buNone/>
             </a:pPr>
             <a:r>
-              <a:rPr b="1" lang="es" sz="1200">
+              <a:rPr lang="es" sz="1200" b="1">
                 <a:solidFill>
                   <a:srgbClr val="1C4587"/>
                 </a:solidFill>
@@ -9362,12 +9464,12 @@
           </a:ln>
         </p:spPr>
         <p:txBody>
-          <a:bodyPr anchorCtr="0" anchor="t" bIns="91425" lIns="91425" spcFirstLastPara="1" rIns="91425" wrap="square" tIns="91425">
+          <a:bodyPr spcFirstLastPara="1" wrap="square" lIns="91425" tIns="91425" rIns="91425" bIns="91425" anchor="t" anchorCtr="0">
             <a:spAutoFit/>
           </a:bodyPr>
           <a:lstStyle/>
           <a:p>
-            <a:pPr indent="0" lvl="0" marL="0" rtl="0" algn="l">
+            <a:pPr marL="0" lvl="0" indent="0" algn="l" rtl="0">
               <a:lnSpc>
                 <a:spcPct val="115000"/>
               </a:lnSpc>
@@ -9380,7 +9482,7 @@
               <a:buNone/>
             </a:pPr>
             <a:r>
-              <a:rPr b="1" lang="es" sz="1200">
+              <a:rPr lang="es" sz="1200" b="1">
                 <a:solidFill>
                   <a:srgbClr val="1C4587"/>
                 </a:solidFill>
@@ -9423,12 +9525,12 @@
           </a:ln>
         </p:spPr>
         <p:txBody>
-          <a:bodyPr anchorCtr="0" anchor="t" bIns="91425" lIns="91425" spcFirstLastPara="1" rIns="91425" wrap="square" tIns="91425">
+          <a:bodyPr spcFirstLastPara="1" wrap="square" lIns="91425" tIns="91425" rIns="91425" bIns="91425" anchor="t" anchorCtr="0">
             <a:spAutoFit/>
           </a:bodyPr>
           <a:lstStyle/>
           <a:p>
-            <a:pPr indent="-292100" lvl="0" marL="457200" rtl="0" algn="l">
+            <a:pPr marL="457200" lvl="0" indent="-292100" algn="l" rtl="0">
               <a:spcBef>
                 <a:spcPts val="0"/>
               </a:spcBef>
@@ -9465,7 +9567,7 @@
             </a:endParaRPr>
           </a:p>
           <a:p>
-            <a:pPr indent="-292100" lvl="0" marL="457200" rtl="0" algn="l">
+            <a:pPr marL="457200" lvl="0" indent="-292100" algn="l" rtl="0">
               <a:spcBef>
                 <a:spcPts val="0"/>
               </a:spcBef>
@@ -9512,11 +9614,11 @@
 </file>
 
 <file path=ppt/slides/slide2.xml><?xml version="1.0" encoding="utf-8"?>
-<p:sld xmlns:a="http://schemas.openxmlformats.org/drawingml/2006/main" xmlns:r="http://schemas.openxmlformats.org/officeDocument/2006/relationships" xmlns:mc="http://schemas.openxmlformats.org/markup-compatibility/2006" xmlns:mv="urn:schemas-microsoft-com:mac:vml" xmlns:p="http://schemas.openxmlformats.org/presentationml/2006/main" xmlns:c="http://schemas.openxmlformats.org/drawingml/2006/chart" xmlns:dgm="http://schemas.openxmlformats.org/drawingml/2006/diagram" xmlns:o="urn:schemas-microsoft-com:office:office" xmlns:v="urn:schemas-microsoft-com:vml" xmlns:pvml="urn:schemas-microsoft-com:office:powerpoint" xmlns:com="http://schemas.openxmlformats.org/drawingml/2006/compatibility" xmlns:p14="http://schemas.microsoft.com/office/powerpoint/2010/main" xmlns:p15="http://schemas.microsoft.com/office/powerpoint/2012/main" xmlns:ahyp="http://schemas.microsoft.com/office/drawing/2018/hyperlinkcolor">
+<p:sld xmlns:a="http://schemas.openxmlformats.org/drawingml/2006/main" xmlns:r="http://schemas.openxmlformats.org/officeDocument/2006/relationships" xmlns:p="http://schemas.openxmlformats.org/presentationml/2006/main">
   <p:cSld>
     <p:spTree>
       <p:nvGrpSpPr>
-        <p:cNvPr id="59" name="Shape 59"/>
+        <p:cNvPr id="1" name="Shape 59"/>
         <p:cNvGrpSpPr/>
         <p:nvPr/>
       </p:nvGrpSpPr>
@@ -9576,12 +9678,12 @@
           </a:ln>
         </p:spPr>
         <p:txBody>
-          <a:bodyPr anchorCtr="0" anchor="t" bIns="91425" lIns="91425" spcFirstLastPara="1" rIns="91425" wrap="square" tIns="91425">
+          <a:bodyPr spcFirstLastPara="1" wrap="square" lIns="91425" tIns="91425" rIns="91425" bIns="91425" anchor="t" anchorCtr="0">
             <a:spAutoFit/>
           </a:bodyPr>
           <a:lstStyle/>
           <a:p>
-            <a:pPr indent="0" lvl="0" marL="0" rtl="0" algn="l">
+            <a:pPr marL="0" lvl="0" indent="0" algn="l" rtl="0">
               <a:lnSpc>
                 <a:spcPct val="115000"/>
               </a:lnSpc>
@@ -9630,23 +9732,23 @@
           <a:solidFill>
             <a:srgbClr val="0B5394"/>
           </a:solidFill>
-          <a:ln cap="flat" cmpd="sng" w="9525">
+          <a:ln w="9525" cap="flat" cmpd="sng">
             <a:solidFill>
               <a:srgbClr val="0B5394"/>
             </a:solidFill>
             <a:prstDash val="solid"/>
             <a:round/>
-            <a:headEnd len="sm" w="sm" type="none"/>
-            <a:tailEnd len="sm" w="sm" type="none"/>
+            <a:headEnd type="none" w="sm" len="sm"/>
+            <a:tailEnd type="none" w="sm" len="sm"/>
           </a:ln>
         </p:spPr>
         <p:txBody>
-          <a:bodyPr anchorCtr="0" anchor="ctr" bIns="91425" lIns="91425" spcFirstLastPara="1" rIns="91425" wrap="square" tIns="91425">
+          <a:bodyPr spcFirstLastPara="1" wrap="square" lIns="91425" tIns="91425" rIns="91425" bIns="91425" anchor="ctr" anchorCtr="0">
             <a:noAutofit/>
           </a:bodyPr>
           <a:lstStyle/>
           <a:p>
-            <a:pPr indent="0" lvl="0" marL="0" rtl="0" algn="ctr">
+            <a:pPr marL="0" lvl="0" indent="0" algn="ctr" rtl="0">
               <a:spcBef>
                 <a:spcPts val="0"/>
               </a:spcBef>
@@ -9655,9 +9757,6 @@
               </a:spcAft>
               <a:buNone/>
             </a:pPr>
-            <a:r>
-              <a:t/>
-            </a:r>
             <a:endParaRPr/>
           </a:p>
         </p:txBody>
@@ -9672,12 +9771,12 @@
           <a:blip r:embed="rId4">
             <a:alphaModFix/>
           </a:blip>
-          <a:srcRect b="0" l="0" r="0" t="0"/>
+          <a:srcRect/>
           <a:stretch/>
         </p:blipFill>
         <p:spPr>
           <a:xfrm>
-            <a:off x="2611150" y="1669950"/>
+            <a:off x="972200" y="1322237"/>
             <a:ext cx="875400" cy="875400"/>
           </a:xfrm>
           <a:prstGeom prst="ellipse">
@@ -9697,8 +9796,8 @@
         </p:nvSpPr>
         <p:spPr>
           <a:xfrm>
-            <a:off x="4018125" y="1923000"/>
-            <a:ext cx="4914000" cy="581700"/>
+            <a:off x="2379175" y="1575287"/>
+            <a:ext cx="4914000" cy="609367"/>
           </a:xfrm>
           <a:prstGeom prst="rect">
             <a:avLst/>
@@ -9709,12 +9808,12 @@
           </a:ln>
         </p:spPr>
         <p:txBody>
-          <a:bodyPr anchorCtr="0" anchor="t" bIns="91425" lIns="91425" spcFirstLastPara="1" rIns="91425" wrap="square" tIns="91425">
+          <a:bodyPr spcFirstLastPara="1" wrap="square" lIns="91425" tIns="91425" rIns="91425" bIns="91425" anchor="t" anchorCtr="0">
             <a:spAutoFit/>
           </a:bodyPr>
           <a:lstStyle/>
           <a:p>
-            <a:pPr indent="0" lvl="0" marL="0" rtl="0" algn="l">
+            <a:pPr marL="0" lvl="0" indent="0" algn="l" rtl="0">
               <a:lnSpc>
                 <a:spcPct val="115000"/>
               </a:lnSpc>
@@ -9727,7 +9826,7 @@
               <a:buNone/>
             </a:pPr>
             <a:r>
-              <a:rPr b="1" lang="es" sz="1200">
+              <a:rPr lang="es" sz="1200" b="1" dirty="0">
                 <a:solidFill>
                   <a:srgbClr val="1C4587"/>
                 </a:solidFill>
@@ -9739,7 +9838,7 @@
               <a:t>Andres Araneo:</a:t>
             </a:r>
             <a:r>
-              <a:rPr lang="es" sz="1200">
+              <a:rPr lang="es" sz="1200" dirty="0">
                 <a:solidFill>
                   <a:srgbClr val="1C4587"/>
                 </a:solidFill>
@@ -9750,7 +9849,7 @@
               </a:rPr>
               <a:t>  </a:t>
             </a:r>
-            <a:endParaRPr sz="1200">
+            <a:endParaRPr sz="1200" dirty="0">
               <a:solidFill>
                 <a:srgbClr val="1C4587"/>
               </a:solidFill>
@@ -9761,7 +9860,7 @@
             </a:endParaRPr>
           </a:p>
           <a:p>
-            <a:pPr indent="0" lvl="0" marL="0" rtl="0" algn="l">
+            <a:pPr marL="0" lvl="0" indent="0" algn="l" rtl="0">
               <a:lnSpc>
                 <a:spcPct val="115000"/>
               </a:lnSpc>
@@ -9774,7 +9873,7 @@
               <a:buNone/>
             </a:pPr>
             <a:r>
-              <a:rPr lang="es" sz="1200" u="sng">
+              <a:rPr lang="es" sz="1200" u="sng" dirty="0">
                 <a:solidFill>
                   <a:schemeClr val="hlink"/>
                 </a:solidFill>
@@ -9787,7 +9886,7 @@
               <a:t>ajaraneo@mail.austral.edu.ar</a:t>
             </a:r>
             <a:r>
-              <a:rPr lang="es" sz="1200">
+              <a:rPr lang="es" sz="1200" dirty="0">
                 <a:solidFill>
                   <a:srgbClr val="1C4587"/>
                 </a:solidFill>
@@ -9799,7 +9898,7 @@
               <a:t> | </a:t>
             </a:r>
             <a:r>
-              <a:rPr lang="es" sz="1200" u="sng">
+              <a:rPr lang="es" sz="1200" u="sng" dirty="0">
                 <a:solidFill>
                   <a:schemeClr val="hlink"/>
                 </a:solidFill>
@@ -9811,7 +9910,7 @@
               </a:rPr>
               <a:t>Linkedin</a:t>
             </a:r>
-            <a:endParaRPr sz="1800">
+            <a:endParaRPr sz="1800" dirty="0">
               <a:solidFill>
                 <a:schemeClr val="dk2"/>
               </a:solidFill>
@@ -9831,7 +9930,7 @@
         </p:nvSpPr>
         <p:spPr>
           <a:xfrm>
-            <a:off x="4018125" y="3370800"/>
+            <a:off x="3184407" y="4009824"/>
             <a:ext cx="3637200" cy="581700"/>
           </a:xfrm>
           <a:prstGeom prst="rect">
@@ -9843,12 +9942,12 @@
           </a:ln>
         </p:spPr>
         <p:txBody>
-          <a:bodyPr anchorCtr="0" anchor="t" bIns="91425" lIns="91425" spcFirstLastPara="1" rIns="91425" wrap="square" tIns="91425">
+          <a:bodyPr spcFirstLastPara="1" wrap="square" lIns="91425" tIns="91425" rIns="91425" bIns="91425" anchor="t" anchorCtr="0">
             <a:spAutoFit/>
           </a:bodyPr>
           <a:lstStyle/>
           <a:p>
-            <a:pPr indent="0" lvl="0" marL="0" rtl="0" algn="l">
+            <a:pPr marL="0" lvl="0" indent="0" algn="l" rtl="0">
               <a:lnSpc>
                 <a:spcPct val="115000"/>
               </a:lnSpc>
@@ -9861,7 +9960,7 @@
               <a:buNone/>
             </a:pPr>
             <a:r>
-              <a:rPr b="1" lang="es" sz="1200">
+              <a:rPr lang="es" sz="1200" b="1" dirty="0">
                 <a:solidFill>
                   <a:srgbClr val="1C4587"/>
                 </a:solidFill>
@@ -9870,21 +9969,9 @@
                 <a:cs typeface="Sora"/>
                 <a:sym typeface="Sora"/>
               </a:rPr>
-              <a:t>Tomás Lanza</a:t>
-            </a:r>
-            <a:r>
-              <a:rPr b="1" lang="es" sz="1200">
-                <a:solidFill>
-                  <a:srgbClr val="1C4587"/>
-                </a:solidFill>
-                <a:latin typeface="Sora"/>
-                <a:ea typeface="Sora"/>
-                <a:cs typeface="Sora"/>
-                <a:sym typeface="Sora"/>
-              </a:rPr>
-              <a:t>:</a:t>
-            </a:r>
-            <a:endParaRPr b="1" sz="1200">
+              <a:t>Tomás Lanza:</a:t>
+            </a:r>
+            <a:endParaRPr sz="1200" b="1" dirty="0">
               <a:solidFill>
                 <a:srgbClr val="1C4587"/>
               </a:solidFill>
@@ -9895,7 +9982,7 @@
             </a:endParaRPr>
           </a:p>
           <a:p>
-            <a:pPr indent="0" lvl="0" marL="0" rtl="0" algn="l">
+            <a:pPr marL="0" lvl="0" indent="0" algn="l" rtl="0">
               <a:lnSpc>
                 <a:spcPct val="115000"/>
               </a:lnSpc>
@@ -9908,7 +9995,7 @@
               <a:buNone/>
             </a:pPr>
             <a:r>
-              <a:rPr lang="es" sz="1200" u="sng">
+              <a:rPr lang="es" sz="1200" u="sng" dirty="0">
                 <a:solidFill>
                   <a:schemeClr val="hlink"/>
                 </a:solidFill>
@@ -9921,7 +10008,7 @@
               <a:t>tlanza-ext@austral.edu.ar</a:t>
             </a:r>
             <a:r>
-              <a:rPr lang="es" sz="1200">
+              <a:rPr lang="es" sz="1200" dirty="0">
                 <a:solidFill>
                   <a:srgbClr val="1C4587"/>
                 </a:solidFill>
@@ -9930,22 +10017,10 @@
                 <a:cs typeface="Sora"/>
                 <a:sym typeface="Sora"/>
               </a:rPr>
-              <a:t> |</a:t>
-            </a:r>
-            <a:r>
-              <a:rPr lang="es" sz="1200">
-                <a:solidFill>
-                  <a:srgbClr val="1C4587"/>
-                </a:solidFill>
-                <a:latin typeface="Sora"/>
-                <a:ea typeface="Sora"/>
-                <a:cs typeface="Sora"/>
-                <a:sym typeface="Sora"/>
-              </a:rPr>
-              <a:t>  </a:t>
-            </a:r>
-            <a:r>
-              <a:rPr lang="es" sz="1200" u="sng">
+              <a:t> |  </a:t>
+            </a:r>
+            <a:r>
+              <a:rPr lang="es" sz="1200" u="sng" dirty="0">
                 <a:solidFill>
                   <a:schemeClr val="hlink"/>
                 </a:solidFill>
@@ -9957,7 +10032,7 @@
               </a:rPr>
               <a:t>Linkedin</a:t>
             </a:r>
-            <a:endParaRPr sz="1800">
+            <a:endParaRPr sz="1800" dirty="0">
               <a:solidFill>
                 <a:schemeClr val="dk2"/>
               </a:solidFill>
@@ -9985,7 +10060,126 @@
         </p:blipFill>
         <p:spPr>
           <a:xfrm>
-            <a:off x="2611150" y="3117750"/>
+            <a:off x="1777432" y="3756774"/>
+            <a:ext cx="875400" cy="875400"/>
+          </a:xfrm>
+          <a:prstGeom prst="ellipse">
+            <a:avLst/>
+          </a:prstGeom>
+          <a:noFill/>
+          <a:ln>
+            <a:noFill/>
+          </a:ln>
+        </p:spPr>
+      </p:pic>
+      <p:sp>
+        <p:nvSpPr>
+          <p:cNvPr id="3" name="Google Shape;65;p14">
+            <a:extLst>
+              <a:ext uri="{FF2B5EF4-FFF2-40B4-BE49-F238E27FC236}">
+                <a16:creationId xmlns:a16="http://schemas.microsoft.com/office/drawing/2014/main" id="{B6BEDA92-3C5B-30A1-D3E3-1D92E4919C38}"/>
+              </a:ext>
+            </a:extLst>
+          </p:cNvPr>
+          <p:cNvSpPr txBox="1"/>
+          <p:nvPr/>
+        </p:nvSpPr>
+        <p:spPr>
+          <a:xfrm>
+            <a:off x="4833913" y="2761062"/>
+            <a:ext cx="3637200" cy="612445"/>
+          </a:xfrm>
+          <a:prstGeom prst="rect">
+            <a:avLst/>
+          </a:prstGeom>
+          <a:noFill/>
+          <a:ln>
+            <a:noFill/>
+          </a:ln>
+        </p:spPr>
+        <p:txBody>
+          <a:bodyPr spcFirstLastPara="1" wrap="square" lIns="91425" tIns="91425" rIns="91425" bIns="91425" anchor="t" anchorCtr="0">
+            <a:spAutoFit/>
+          </a:bodyPr>
+          <a:lstStyle/>
+          <a:p>
+            <a:pPr marL="0" lvl="0" indent="0" algn="l" rtl="0">
+              <a:lnSpc>
+                <a:spcPct val="115000"/>
+              </a:lnSpc>
+              <a:spcBef>
+                <a:spcPts val="0"/>
+              </a:spcBef>
+              <a:spcAft>
+                <a:spcPts val="0"/>
+              </a:spcAft>
+              <a:buNone/>
+            </a:pPr>
+            <a:r>
+              <a:rPr lang="es-ES" sz="1200" b="1" dirty="0">
+                <a:solidFill>
+                  <a:srgbClr val="1C4587"/>
+                </a:solidFill>
+                <a:latin typeface="Sora"/>
+                <a:ea typeface="Sora"/>
+                <a:cs typeface="Sora"/>
+                <a:sym typeface="Sora"/>
+              </a:rPr>
+              <a:t>Antonio Rial:</a:t>
+            </a:r>
+            <a:endParaRPr sz="1200" b="1" dirty="0">
+              <a:solidFill>
+                <a:srgbClr val="1C4587"/>
+              </a:solidFill>
+              <a:latin typeface="Sora"/>
+              <a:ea typeface="Sora"/>
+              <a:cs typeface="Sora"/>
+              <a:sym typeface="Sora"/>
+            </a:endParaRPr>
+          </a:p>
+          <a:p>
+            <a:r>
+              <a:rPr lang="en-US" u="sng" dirty="0">
+                <a:hlinkClick r:id="rId10"/>
+              </a:rPr>
+              <a:t>arial-ext@austral.edu.ar</a:t>
+            </a:r>
+            <a:r>
+              <a:rPr lang="en-US" dirty="0"/>
+              <a:t> |  </a:t>
+            </a:r>
+            <a:r>
+              <a:rPr lang="en-US" u="sng" dirty="0">
+                <a:hlinkClick r:id="rId11"/>
+              </a:rPr>
+              <a:t>Linkedin</a:t>
+            </a:r>
+            <a:endParaRPr lang="en-US" sz="1200" dirty="0"/>
+          </a:p>
+        </p:txBody>
+      </p:sp>
+      <p:pic>
+        <p:nvPicPr>
+          <p:cNvPr id="4" name="Google Shape;66;p14">
+            <a:extLst>
+              <a:ext uri="{FF2B5EF4-FFF2-40B4-BE49-F238E27FC236}">
+                <a16:creationId xmlns:a16="http://schemas.microsoft.com/office/drawing/2014/main" id="{498E35B9-5DDD-7996-E05B-A6379A0D523E}"/>
+              </a:ext>
+            </a:extLst>
+          </p:cNvPr>
+          <p:cNvPicPr preferRelativeResize="0"/>
+          <p:nvPr/>
+        </p:nvPicPr>
+        <p:blipFill>
+          <a:blip r:embed="rId12"/>
+          <a:srcRect l="15737" t="21613" r="17220" b="11513"/>
+          <a:stretch>
+            <a:fillRect/>
+          </a:stretch>
+        </p:blipFill>
+        <p:spPr>
+          <a:xfrm>
+            <a:off x="3426938" y="2508012"/>
             <a:ext cx="875400" cy="875400"/>
           </a:xfrm>
           <a:prstGeom prst="ellipse">
@@ -10006,11 +10200,11 @@
 </file>
 
 <file path=ppt/slides/slide3.xml><?xml version="1.0" encoding="utf-8"?>
-<p:sld xmlns:a="http://schemas.openxmlformats.org/drawingml/2006/main" xmlns:r="http://schemas.openxmlformats.org/officeDocument/2006/relationships" xmlns:mc="http://schemas.openxmlformats.org/markup-compatibility/2006" xmlns:mv="urn:schemas-microsoft-com:mac:vml" xmlns:p="http://schemas.openxmlformats.org/presentationml/2006/main" xmlns:c="http://schemas.openxmlformats.org/drawingml/2006/chart" xmlns:dgm="http://schemas.openxmlformats.org/drawingml/2006/diagram" xmlns:o="urn:schemas-microsoft-com:office:office" xmlns:v="urn:schemas-microsoft-com:vml" xmlns:pvml="urn:schemas-microsoft-com:office:powerpoint" xmlns:com="http://schemas.openxmlformats.org/drawingml/2006/compatibility" xmlns:p14="http://schemas.microsoft.com/office/powerpoint/2010/main" xmlns:p15="http://schemas.microsoft.com/office/powerpoint/2012/main" xmlns:ahyp="http://schemas.microsoft.com/office/drawing/2018/hyperlinkcolor">
+<p:sld xmlns:a="http://schemas.openxmlformats.org/drawingml/2006/main" xmlns:r="http://schemas.openxmlformats.org/officeDocument/2006/relationships" xmlns:p="http://schemas.openxmlformats.org/presentationml/2006/main">
   <p:cSld>
     <p:spTree>
       <p:nvGrpSpPr>
-        <p:cNvPr id="70" name="Shape 70"/>
+        <p:cNvPr id="1" name="Shape 70"/>
         <p:cNvGrpSpPr/>
         <p:nvPr/>
       </p:nvGrpSpPr>
@@ -10070,12 +10264,12 @@
           </a:ln>
         </p:spPr>
         <p:txBody>
-          <a:bodyPr anchorCtr="0" anchor="t" bIns="91425" lIns="91425" spcFirstLastPara="1" rIns="91425" wrap="square" tIns="91425">
+          <a:bodyPr spcFirstLastPara="1" wrap="square" lIns="91425" tIns="91425" rIns="91425" bIns="91425" anchor="t" anchorCtr="0">
             <a:spAutoFit/>
           </a:bodyPr>
           <a:lstStyle/>
           <a:p>
-            <a:pPr indent="0" lvl="0" marL="0" rtl="0" algn="l">
+            <a:pPr marL="0" lvl="0" indent="0" algn="l" rtl="0">
               <a:lnSpc>
                 <a:spcPct val="115000"/>
               </a:lnSpc>
@@ -10124,23 +10318,23 @@
           <a:solidFill>
             <a:srgbClr val="0B5394"/>
           </a:solidFill>
-          <a:ln cap="flat" cmpd="sng" w="9525">
+          <a:ln w="9525" cap="flat" cmpd="sng">
             <a:solidFill>
               <a:srgbClr val="0B5394"/>
             </a:solidFill>
             <a:prstDash val="solid"/>
             <a:round/>
-            <a:headEnd len="sm" w="sm" type="none"/>
-            <a:tailEnd len="sm" w="sm" type="none"/>
+            <a:headEnd type="none" w="sm" len="sm"/>
+            <a:tailEnd type="none" w="sm" len="sm"/>
           </a:ln>
         </p:spPr>
         <p:txBody>
-          <a:bodyPr anchorCtr="0" anchor="ctr" bIns="91425" lIns="91425" spcFirstLastPara="1" rIns="91425" wrap="square" tIns="91425">
+          <a:bodyPr spcFirstLastPara="1" wrap="square" lIns="91425" tIns="91425" rIns="91425" bIns="91425" anchor="ctr" anchorCtr="0">
             <a:noAutofit/>
           </a:bodyPr>
           <a:lstStyle/>
           <a:p>
-            <a:pPr indent="0" lvl="0" marL="0" rtl="0" algn="ctr">
+            <a:pPr marL="0" lvl="0" indent="0" algn="ctr" rtl="0">
               <a:spcBef>
                 <a:spcPts val="0"/>
               </a:spcBef>
@@ -10149,9 +10343,6 @@
               </a:spcAft>
               <a:buNone/>
             </a:pPr>
-            <a:r>
-              <a:t/>
-            </a:r>
             <a:endParaRPr/>
           </a:p>
         </p:txBody>
@@ -10176,12 +10367,12 @@
           </a:ln>
         </p:spPr>
         <p:txBody>
-          <a:bodyPr anchorCtr="0" anchor="t" bIns="91425" lIns="91425" spcFirstLastPara="1" rIns="91425" wrap="square" tIns="91425">
+          <a:bodyPr spcFirstLastPara="1" wrap="square" lIns="91425" tIns="91425" rIns="91425" bIns="91425" anchor="t" anchorCtr="0">
             <a:spAutoFit/>
           </a:bodyPr>
           <a:lstStyle/>
           <a:p>
-            <a:pPr indent="-292100" lvl="0" marL="457200" rtl="0" algn="l">
+            <a:pPr marL="457200" lvl="0" indent="-292100" algn="l" rtl="0">
               <a:lnSpc>
                 <a:spcPct val="115000"/>
               </a:lnSpc>
@@ -10199,7 +10390,7 @@
               <a:buChar char="+"/>
             </a:pPr>
             <a:r>
-              <a:rPr b="1" lang="es" sz="1000">
+              <a:rPr lang="es" sz="1000" b="1">
                 <a:solidFill>
                   <a:srgbClr val="1C4587"/>
                 </a:solidFill>
@@ -10244,7 +10435,7 @@
             </a:endParaRPr>
           </a:p>
           <a:p>
-            <a:pPr indent="-292100" lvl="0" marL="457200" rtl="0" algn="l">
+            <a:pPr marL="457200" lvl="0" indent="-292100" algn="l" rtl="0">
               <a:lnSpc>
                 <a:spcPct val="115000"/>
               </a:lnSpc>
@@ -10274,7 +10465,7 @@
               <a:t>Ganar </a:t>
             </a:r>
             <a:r>
-              <a:rPr b="1" lang="es" sz="1000">
+              <a:rPr lang="es" sz="1000" b="1">
                 <a:solidFill>
                   <a:srgbClr val="1C4587"/>
                 </a:solidFill>
@@ -10307,7 +10498,7 @@
             </a:endParaRPr>
           </a:p>
           <a:p>
-            <a:pPr indent="-292100" lvl="0" marL="457200" rtl="0" algn="l">
+            <a:pPr marL="457200" lvl="0" indent="-292100" algn="l" rtl="0">
               <a:lnSpc>
                 <a:spcPct val="115000"/>
               </a:lnSpc>
@@ -10337,7 +10528,7 @@
               <a:t>Aprovechen a </a:t>
             </a:r>
             <a:r>
-              <a:rPr b="1" lang="es" sz="1000">
+              <a:rPr lang="es" sz="1000" b="1">
                 <a:solidFill>
                   <a:srgbClr val="1C4587"/>
                 </a:solidFill>
@@ -10370,7 +10561,7 @@
             </a:endParaRPr>
           </a:p>
           <a:p>
-            <a:pPr indent="-292100" lvl="0" marL="457200" rtl="0" algn="l">
+            <a:pPr marL="457200" lvl="0" indent="-292100" algn="l" rtl="0">
               <a:lnSpc>
                 <a:spcPct val="115000"/>
               </a:lnSpc>
@@ -10400,7 +10591,7 @@
               <a:t>Desarrollar un </a:t>
             </a:r>
             <a:r>
-              <a:rPr b="1" lang="es" sz="1000">
+              <a:rPr lang="es" sz="1000" b="1">
                 <a:solidFill>
                   <a:srgbClr val="1C4587"/>
                 </a:solidFill>
@@ -10424,7 +10615,7 @@
               <a:t> y cultiven el lado </a:t>
             </a:r>
             <a:r>
-              <a:rPr b="1" lang="es" sz="1000">
+              <a:rPr lang="es" sz="1000" b="1">
                 <a:solidFill>
                   <a:srgbClr val="1C4587"/>
                 </a:solidFill>
@@ -10435,7 +10626,7 @@
               </a:rPr>
               <a:t>autodidacta </a:t>
             </a:r>
-            <a:endParaRPr b="1" sz="1000">
+            <a:endParaRPr sz="1000" b="1">
               <a:solidFill>
                 <a:srgbClr val="1C4587"/>
               </a:solidFill>
@@ -10474,7 +10665,7 @@
             <a:noFill/>
           </a:ln>
           <a:effectLst>
-            <a:outerShdw blurRad="57150" rotWithShape="0" algn="bl" dir="5400000" dist="19050">
+            <a:outerShdw blurRad="57150" dist="19050" dir="5400000" algn="bl" rotWithShape="0">
               <a:srgbClr val="000000">
                 <a:alpha val="50000"/>
               </a:srgbClr>
@@ -10499,23 +10690,23 @@
           <a:solidFill>
             <a:srgbClr val="999999"/>
           </a:solidFill>
-          <a:ln cap="flat" cmpd="sng" w="9525">
+          <a:ln w="9525" cap="flat" cmpd="sng">
             <a:solidFill>
               <a:srgbClr val="666666"/>
             </a:solidFill>
             <a:prstDash val="solid"/>
             <a:round/>
-            <a:headEnd len="sm" w="sm" type="none"/>
-            <a:tailEnd len="sm" w="sm" type="none"/>
+            <a:headEnd type="none" w="sm" len="sm"/>
+            <a:tailEnd type="none" w="sm" len="sm"/>
           </a:ln>
         </p:spPr>
         <p:txBody>
-          <a:bodyPr anchorCtr="0" anchor="ctr" bIns="91425" lIns="91425" spcFirstLastPara="1" rIns="91425" wrap="square" tIns="91425">
+          <a:bodyPr spcFirstLastPara="1" wrap="square" lIns="91425" tIns="91425" rIns="91425" bIns="91425" anchor="ctr" anchorCtr="0">
             <a:noAutofit/>
           </a:bodyPr>
           <a:lstStyle/>
           <a:p>
-            <a:pPr indent="0" lvl="0" marL="0" rtl="0" algn="ctr">
+            <a:pPr marL="0" lvl="0" indent="0" algn="ctr" rtl="0">
               <a:spcBef>
                 <a:spcPts val="0"/>
               </a:spcBef>
@@ -10524,9 +10715,6 @@
               </a:spcAft>
               <a:buNone/>
             </a:pPr>
-            <a:r>
-              <a:t/>
-            </a:r>
             <a:endParaRPr/>
           </a:p>
         </p:txBody>
@@ -10551,12 +10739,12 @@
           </a:ln>
         </p:spPr>
         <p:txBody>
-          <a:bodyPr anchorCtr="0" anchor="t" bIns="91425" lIns="91425" spcFirstLastPara="1" rIns="91425" wrap="square" tIns="91425">
+          <a:bodyPr spcFirstLastPara="1" wrap="square" lIns="91425" tIns="91425" rIns="91425" bIns="91425" anchor="t" anchorCtr="0">
             <a:spAutoFit/>
           </a:bodyPr>
           <a:lstStyle/>
           <a:p>
-            <a:pPr indent="0" lvl="0" marL="0" rtl="0" algn="l">
+            <a:pPr marL="0" lvl="0" indent="0" algn="l" rtl="0">
               <a:lnSpc>
                 <a:spcPct val="115000"/>
               </a:lnSpc>
@@ -10581,7 +10769,7 @@
               <a:t>En las entrevistas se toman </a:t>
             </a:r>
             <a:r>
-              <a:rPr b="1" lang="es" sz="1000">
+              <a:rPr lang="es" sz="1000" b="1">
                 <a:solidFill>
                   <a:srgbClr val="1C4587"/>
                 </a:solidFill>
@@ -10616,12 +10804,12 @@
           </a:ln>
         </p:spPr>
         <p:txBody>
-          <a:bodyPr anchorCtr="0" anchor="t" bIns="91425" lIns="91425" spcFirstLastPara="1" rIns="91425" wrap="square" tIns="91425">
+          <a:bodyPr spcFirstLastPara="1" wrap="square" lIns="91425" tIns="91425" rIns="91425" bIns="91425" anchor="t" anchorCtr="0">
             <a:spAutoFit/>
           </a:bodyPr>
           <a:lstStyle/>
           <a:p>
-            <a:pPr indent="0" lvl="0" marL="0" rtl="0" algn="l">
+            <a:pPr marL="0" lvl="0" indent="0" algn="l" rtl="0">
               <a:lnSpc>
                 <a:spcPct val="115000"/>
               </a:lnSpc>
@@ -10646,7 +10834,7 @@
               <a:t>Cada vez más, para </a:t>
             </a:r>
             <a:r>
-              <a:rPr b="1" lang="es" sz="1000">
+              <a:rPr lang="es" sz="1000" b="1">
                 <a:solidFill>
                   <a:srgbClr val="1C4587"/>
                 </a:solidFill>
@@ -10670,7 +10858,7 @@
               <a:t> se pide </a:t>
             </a:r>
             <a:r>
-              <a:rPr b="1" lang="es" sz="1000">
+              <a:rPr lang="es" sz="1000" b="1">
                 <a:solidFill>
                   <a:srgbClr val="1C4587"/>
                 </a:solidFill>
@@ -10722,12 +10910,12 @@
           </a:ln>
         </p:spPr>
         <p:txBody>
-          <a:bodyPr anchorCtr="0" anchor="t" bIns="91425" lIns="91425" spcFirstLastPara="1" rIns="91425" wrap="square" tIns="91425">
+          <a:bodyPr spcFirstLastPara="1" wrap="square" lIns="91425" tIns="91425" rIns="91425" bIns="91425" anchor="t" anchorCtr="0">
             <a:spAutoFit/>
           </a:bodyPr>
           <a:lstStyle/>
           <a:p>
-            <a:pPr indent="0" lvl="0" marL="0" rtl="0" algn="l">
+            <a:pPr marL="0" lvl="0" indent="0" algn="l" rtl="0">
               <a:lnSpc>
                 <a:spcPct val="115000"/>
               </a:lnSpc>
@@ -10770,14 +10958,14 @@
             <a:avLst/>
           </a:prstGeom>
           <a:noFill/>
-          <a:ln cap="flat" cmpd="sng" w="9525">
+          <a:ln w="9525" cap="flat" cmpd="sng">
             <a:solidFill>
               <a:schemeClr val="dk2"/>
             </a:solidFill>
             <a:prstDash val="solid"/>
             <a:round/>
-            <a:headEnd len="med" w="med" type="none"/>
-            <a:tailEnd len="med" w="med" type="none"/>
+            <a:headEnd type="none" w="med" len="med"/>
+            <a:tailEnd type="none" w="med" len="med"/>
           </a:ln>
         </p:spPr>
       </p:cxnSp>
@@ -10801,12 +10989,12 @@
           </a:ln>
         </p:spPr>
         <p:txBody>
-          <a:bodyPr anchorCtr="0" anchor="t" bIns="91425" lIns="91425" spcFirstLastPara="1" rIns="91425" wrap="square" tIns="91425">
+          <a:bodyPr spcFirstLastPara="1" wrap="square" lIns="91425" tIns="91425" rIns="91425" bIns="91425" anchor="t" anchorCtr="0">
             <a:spAutoFit/>
           </a:bodyPr>
           <a:lstStyle/>
           <a:p>
-            <a:pPr indent="0" lvl="0" marL="0" rtl="0" algn="l">
+            <a:pPr marL="0" lvl="0" indent="0" algn="l" rtl="0">
               <a:lnSpc>
                 <a:spcPct val="115000"/>
               </a:lnSpc>
@@ -10831,7 +11019,7 @@
               <a:t>Las tecnologías </a:t>
             </a:r>
             <a:r>
-              <a:rPr b="1" lang="es" sz="1000">
+              <a:rPr lang="es" sz="1000" b="1">
                 <a:solidFill>
                   <a:srgbClr val="1C4587"/>
                 </a:solidFill>
@@ -10873,14 +11061,14 @@
             <a:avLst/>
           </a:prstGeom>
           <a:noFill/>
-          <a:ln cap="flat" cmpd="sng" w="9525">
+          <a:ln w="9525" cap="flat" cmpd="sng">
             <a:solidFill>
               <a:schemeClr val="dk2"/>
             </a:solidFill>
             <a:prstDash val="solid"/>
             <a:round/>
-            <a:headEnd len="med" w="med" type="none"/>
-            <a:tailEnd len="med" w="med" type="none"/>
+            <a:headEnd type="none" w="med" len="med"/>
+            <a:tailEnd type="none" w="med" len="med"/>
           </a:ln>
         </p:spPr>
       </p:cxnSp>
@@ -10897,30 +11085,30 @@
           </a:xfrm>
           <a:prstGeom prst="rightArrow">
             <a:avLst>
-              <a:gd fmla="val 50000" name="adj1"/>
-              <a:gd fmla="val 50000" name="adj2"/>
+              <a:gd name="adj1" fmla="val 50000"/>
+              <a:gd name="adj2" fmla="val 50000"/>
             </a:avLst>
           </a:prstGeom>
           <a:solidFill>
             <a:srgbClr val="999999"/>
           </a:solidFill>
-          <a:ln cap="flat" cmpd="sng" w="9525">
+          <a:ln w="9525" cap="flat" cmpd="sng">
             <a:solidFill>
               <a:srgbClr val="666666"/>
             </a:solidFill>
             <a:prstDash val="solid"/>
             <a:round/>
-            <a:headEnd len="sm" w="sm" type="none"/>
-            <a:tailEnd len="sm" w="sm" type="none"/>
+            <a:headEnd type="none" w="sm" len="sm"/>
+            <a:tailEnd type="none" w="sm" len="sm"/>
           </a:ln>
         </p:spPr>
         <p:txBody>
-          <a:bodyPr anchorCtr="0" anchor="ctr" bIns="91425" lIns="91425" spcFirstLastPara="1" rIns="91425" wrap="square" tIns="91425">
+          <a:bodyPr spcFirstLastPara="1" wrap="square" lIns="91425" tIns="91425" rIns="91425" bIns="91425" anchor="ctr" anchorCtr="0">
             <a:noAutofit/>
           </a:bodyPr>
           <a:lstStyle/>
           <a:p>
-            <a:pPr indent="0" lvl="0" marL="0" rtl="0" algn="ctr">
+            <a:pPr marL="0" lvl="0" indent="0" algn="ctr" rtl="0">
               <a:spcBef>
                 <a:spcPts val="0"/>
               </a:spcBef>
@@ -10929,9 +11117,6 @@
               </a:spcAft>
               <a:buNone/>
             </a:pPr>
-            <a:r>
-              <a:t/>
-            </a:r>
             <a:endParaRPr/>
           </a:p>
         </p:txBody>
@@ -10945,7 +11130,7 @@
 </file>
 
 <file path=ppt/slides/slide4.xml><?xml version="1.0" encoding="utf-8"?>
-<p:sld xmlns:a="http://schemas.openxmlformats.org/drawingml/2006/main" xmlns:r="http://schemas.openxmlformats.org/officeDocument/2006/relationships" xmlns:mc="http://schemas.openxmlformats.org/markup-compatibility/2006" xmlns:mv="urn:schemas-microsoft-com:mac:vml" xmlns:p="http://schemas.openxmlformats.org/presentationml/2006/main" xmlns:c="http://schemas.openxmlformats.org/drawingml/2006/chart" xmlns:dgm="http://schemas.openxmlformats.org/drawingml/2006/diagram" xmlns:o="urn:schemas-microsoft-com:office:office" xmlns:v="urn:schemas-microsoft-com:vml" xmlns:pvml="urn:schemas-microsoft-com:office:powerpoint" xmlns:com="http://schemas.openxmlformats.org/drawingml/2006/compatibility" xmlns:p14="http://schemas.microsoft.com/office/powerpoint/2010/main" xmlns:p15="http://schemas.microsoft.com/office/powerpoint/2012/main" xmlns:ahyp="http://schemas.microsoft.com/office/drawing/2018/hyperlinkcolor">
+<p:sld xmlns:a="http://schemas.openxmlformats.org/drawingml/2006/main" xmlns:r="http://schemas.openxmlformats.org/officeDocument/2006/relationships" xmlns:p="http://schemas.openxmlformats.org/presentationml/2006/main">
   <p:cSld>
     <p:bg>
       <p:bgPr>
@@ -10957,11 +11142,12 @@
             <a:fillRect/>
           </a:stretch>
         </a:blipFill>
+        <a:effectLst/>
       </p:bgPr>
     </p:bg>
     <p:spTree>
       <p:nvGrpSpPr>
-        <p:cNvPr id="87" name="Shape 87"/>
+        <p:cNvPr id="1" name="Shape 87"/>
         <p:cNvGrpSpPr/>
         <p:nvPr/>
       </p:nvGrpSpPr>
@@ -11021,12 +11207,12 @@
           </a:ln>
         </p:spPr>
         <p:txBody>
-          <a:bodyPr anchorCtr="0" anchor="t" bIns="91425" lIns="91425" spcFirstLastPara="1" rIns="91425" wrap="square" tIns="91425">
+          <a:bodyPr spcFirstLastPara="1" wrap="square" lIns="91425" tIns="91425" rIns="91425" bIns="91425" anchor="t" anchorCtr="0">
             <a:spAutoFit/>
           </a:bodyPr>
           <a:lstStyle/>
           <a:p>
-            <a:pPr indent="0" lvl="0" marL="0" rtl="0" algn="l">
+            <a:pPr marL="0" lvl="0" indent="0" algn="l" rtl="0">
               <a:lnSpc>
                 <a:spcPct val="115000"/>
               </a:lnSpc>
@@ -11075,23 +11261,23 @@
           <a:solidFill>
             <a:srgbClr val="0B5394"/>
           </a:solidFill>
-          <a:ln cap="flat" cmpd="sng" w="9525">
+          <a:ln w="9525" cap="flat" cmpd="sng">
             <a:solidFill>
               <a:srgbClr val="0B5394"/>
             </a:solidFill>
             <a:prstDash val="solid"/>
             <a:round/>
-            <a:headEnd len="sm" w="sm" type="none"/>
-            <a:tailEnd len="sm" w="sm" type="none"/>
+            <a:headEnd type="none" w="sm" len="sm"/>
+            <a:tailEnd type="none" w="sm" len="sm"/>
           </a:ln>
         </p:spPr>
         <p:txBody>
-          <a:bodyPr anchorCtr="0" anchor="ctr" bIns="91425" lIns="91425" spcFirstLastPara="1" rIns="91425" wrap="square" tIns="91425">
+          <a:bodyPr spcFirstLastPara="1" wrap="square" lIns="91425" tIns="91425" rIns="91425" bIns="91425" anchor="ctr" anchorCtr="0">
             <a:noAutofit/>
           </a:bodyPr>
           <a:lstStyle/>
           <a:p>
-            <a:pPr indent="0" lvl="0" marL="0" rtl="0" algn="ctr">
+            <a:pPr marL="0" lvl="0" indent="0" algn="ctr" rtl="0">
               <a:spcBef>
                 <a:spcPts val="0"/>
               </a:spcBef>
@@ -11100,9 +11286,6 @@
               </a:spcAft>
               <a:buNone/>
             </a:pPr>
-            <a:r>
-              <a:t/>
-            </a:r>
             <a:endParaRPr/>
           </a:p>
         </p:txBody>
@@ -11127,12 +11310,12 @@
           </a:ln>
         </p:spPr>
         <p:txBody>
-          <a:bodyPr anchorCtr="0" anchor="t" bIns="91425" lIns="91425" spcFirstLastPara="1" rIns="91425" wrap="square" tIns="91425">
+          <a:bodyPr spcFirstLastPara="1" wrap="square" lIns="91425" tIns="91425" rIns="91425" bIns="91425" anchor="t" anchorCtr="0">
             <a:spAutoFit/>
           </a:bodyPr>
           <a:lstStyle/>
           <a:p>
-            <a:pPr indent="0" lvl="0" marL="0" rtl="0" algn="l">
+            <a:pPr marL="0" lvl="0" indent="0" algn="l" rtl="0">
               <a:lnSpc>
                 <a:spcPct val="115000"/>
               </a:lnSpc>
@@ -11157,7 +11340,7 @@
               <a:t>Transición </a:t>
             </a:r>
             <a:r>
-              <a:rPr b="1" lang="es" sz="1000">
+              <a:rPr lang="es" sz="1000" b="1">
                 <a:solidFill>
                   <a:srgbClr val="1C4587"/>
                 </a:solidFill>
@@ -11192,12 +11375,12 @@
           </a:ln>
         </p:spPr>
         <p:txBody>
-          <a:bodyPr anchorCtr="0" anchor="t" bIns="91425" lIns="91425" spcFirstLastPara="1" rIns="91425" wrap="square" tIns="91425">
+          <a:bodyPr spcFirstLastPara="1" wrap="square" lIns="91425" tIns="91425" rIns="91425" bIns="91425" anchor="t" anchorCtr="0">
             <a:spAutoFit/>
           </a:bodyPr>
           <a:lstStyle/>
           <a:p>
-            <a:pPr indent="0" lvl="0" marL="0" rtl="0" algn="l">
+            <a:pPr marL="0" lvl="0" indent="0" algn="l" rtl="0">
               <a:lnSpc>
                 <a:spcPct val="115000"/>
               </a:lnSpc>
@@ -11222,7 +11405,7 @@
               <a:t>Conocimientos de </a:t>
             </a:r>
             <a:r>
-              <a:rPr b="1" lang="es" sz="1000">
+              <a:rPr lang="es" sz="1000" b="1">
                 <a:solidFill>
                   <a:srgbClr val="1C4587"/>
                 </a:solidFill>
@@ -11269,12 +11452,12 @@
           </a:ln>
         </p:spPr>
         <p:txBody>
-          <a:bodyPr anchorCtr="0" anchor="t" bIns="91425" lIns="91425" spcFirstLastPara="1" rIns="91425" wrap="square" tIns="91425">
+          <a:bodyPr spcFirstLastPara="1" wrap="square" lIns="91425" tIns="91425" rIns="91425" bIns="91425" anchor="t" anchorCtr="0">
             <a:spAutoFit/>
           </a:bodyPr>
           <a:lstStyle/>
           <a:p>
-            <a:pPr indent="0" lvl="0" marL="0" rtl="0" algn="l">
+            <a:pPr marL="0" lvl="0" indent="0" algn="l" rtl="0">
               <a:lnSpc>
                 <a:spcPct val="115000"/>
               </a:lnSpc>
@@ -11287,7 +11470,7 @@
               <a:buNone/>
             </a:pPr>
             <a:r>
-              <a:rPr b="1" lang="es" sz="1000">
+              <a:rPr lang="es" sz="1000" b="1">
                 <a:solidFill>
                   <a:srgbClr val="1C4587"/>
                 </a:solidFill>
@@ -11334,12 +11517,12 @@
           </a:ln>
         </p:spPr>
         <p:txBody>
-          <a:bodyPr anchorCtr="0" anchor="t" bIns="91425" lIns="91425" spcFirstLastPara="1" rIns="91425" wrap="square" tIns="91425">
+          <a:bodyPr spcFirstLastPara="1" wrap="square" lIns="91425" tIns="91425" rIns="91425" bIns="91425" anchor="t" anchorCtr="0">
             <a:spAutoFit/>
           </a:bodyPr>
           <a:lstStyle/>
           <a:p>
-            <a:pPr indent="0" lvl="0" marL="0" rtl="0" algn="l">
+            <a:pPr marL="0" lvl="0" indent="0" algn="l" rtl="0">
               <a:lnSpc>
                 <a:spcPct val="115000"/>
               </a:lnSpc>
@@ -11364,7 +11547,7 @@
               <a:t>Uso de modelos </a:t>
             </a:r>
             <a:r>
-              <a:rPr b="1" lang="es" sz="1000">
+              <a:rPr lang="es" sz="1000" b="1">
                 <a:solidFill>
                   <a:srgbClr val="1C4587"/>
                 </a:solidFill>
@@ -11530,7 +11713,7 @@
             <a:noFill/>
           </a:ln>
           <a:effectLst>
-            <a:outerShdw blurRad="57150" rotWithShape="0" algn="bl" dir="5400000" dist="19050">
+            <a:outerShdw blurRad="57150" dist="19050" dir="5400000" algn="bl" rotWithShape="0">
               <a:srgbClr val="000000">
                 <a:alpha val="50000"/>
               </a:srgbClr>
@@ -11547,11 +11730,11 @@
 </file>
 
 <file path=ppt/slides/slide5.xml><?xml version="1.0" encoding="utf-8"?>
-<p:sld xmlns:a="http://schemas.openxmlformats.org/drawingml/2006/main" xmlns:r="http://schemas.openxmlformats.org/officeDocument/2006/relationships" xmlns:mc="http://schemas.openxmlformats.org/markup-compatibility/2006" xmlns:mv="urn:schemas-microsoft-com:mac:vml" xmlns:p="http://schemas.openxmlformats.org/presentationml/2006/main" xmlns:c="http://schemas.openxmlformats.org/drawingml/2006/chart" xmlns:dgm="http://schemas.openxmlformats.org/drawingml/2006/diagram" xmlns:o="urn:schemas-microsoft-com:office:office" xmlns:v="urn:schemas-microsoft-com:vml" xmlns:pvml="urn:schemas-microsoft-com:office:powerpoint" xmlns:com="http://schemas.openxmlformats.org/drawingml/2006/compatibility" xmlns:p14="http://schemas.microsoft.com/office/powerpoint/2010/main" xmlns:p15="http://schemas.microsoft.com/office/powerpoint/2012/main" xmlns:ahyp="http://schemas.microsoft.com/office/drawing/2018/hyperlinkcolor">
+<p:sld xmlns:a="http://schemas.openxmlformats.org/drawingml/2006/main" xmlns:r="http://schemas.openxmlformats.org/officeDocument/2006/relationships" xmlns:p="http://schemas.openxmlformats.org/presentationml/2006/main">
   <p:cSld>
     <p:spTree>
       <p:nvGrpSpPr>
-        <p:cNvPr id="103" name="Shape 103"/>
+        <p:cNvPr id="1" name="Shape 103"/>
         <p:cNvGrpSpPr/>
         <p:nvPr/>
       </p:nvGrpSpPr>
@@ -11611,12 +11794,12 @@
           </a:ln>
         </p:spPr>
         <p:txBody>
-          <a:bodyPr anchorCtr="0" anchor="t" bIns="91425" lIns="91425" spcFirstLastPara="1" rIns="91425" wrap="square" tIns="91425">
+          <a:bodyPr spcFirstLastPara="1" wrap="square" lIns="91425" tIns="91425" rIns="91425" bIns="91425" anchor="t" anchorCtr="0">
             <a:spAutoFit/>
           </a:bodyPr>
           <a:lstStyle/>
           <a:p>
-            <a:pPr indent="0" lvl="0" marL="0" rtl="0" algn="l">
+            <a:pPr marL="0" lvl="0" indent="0" algn="l" rtl="0">
               <a:lnSpc>
                 <a:spcPct val="115000"/>
               </a:lnSpc>
@@ -11665,23 +11848,23 @@
           <a:solidFill>
             <a:srgbClr val="0B5394"/>
           </a:solidFill>
-          <a:ln cap="flat" cmpd="sng" w="9525">
+          <a:ln w="9525" cap="flat" cmpd="sng">
             <a:solidFill>
               <a:srgbClr val="0B5394"/>
             </a:solidFill>
             <a:prstDash val="solid"/>
             <a:round/>
-            <a:headEnd len="sm" w="sm" type="none"/>
-            <a:tailEnd len="sm" w="sm" type="none"/>
+            <a:headEnd type="none" w="sm" len="sm"/>
+            <a:tailEnd type="none" w="sm" len="sm"/>
           </a:ln>
         </p:spPr>
         <p:txBody>
-          <a:bodyPr anchorCtr="0" anchor="ctr" bIns="91425" lIns="91425" spcFirstLastPara="1" rIns="91425" wrap="square" tIns="91425">
+          <a:bodyPr spcFirstLastPara="1" wrap="square" lIns="91425" tIns="91425" rIns="91425" bIns="91425" anchor="ctr" anchorCtr="0">
             <a:noAutofit/>
           </a:bodyPr>
           <a:lstStyle/>
           <a:p>
-            <a:pPr indent="0" lvl="0" marL="0" rtl="0" algn="ctr">
+            <a:pPr marL="0" lvl="0" indent="0" algn="ctr" rtl="0">
               <a:spcBef>
                 <a:spcPts val="0"/>
               </a:spcBef>
@@ -11690,9 +11873,6 @@
               </a:spcAft>
               <a:buNone/>
             </a:pPr>
-            <a:r>
-              <a:t/>
-            </a:r>
             <a:endParaRPr/>
           </a:p>
         </p:txBody>
@@ -11745,12 +11925,12 @@
           </a:ln>
         </p:spPr>
         <p:txBody>
-          <a:bodyPr anchorCtr="0" anchor="t" bIns="91425" lIns="91425" spcFirstLastPara="1" rIns="91425" wrap="square" tIns="91425">
+          <a:bodyPr spcFirstLastPara="1" wrap="square" lIns="91425" tIns="91425" rIns="91425" bIns="91425" anchor="t" anchorCtr="0">
             <a:spAutoFit/>
           </a:bodyPr>
           <a:lstStyle/>
           <a:p>
-            <a:pPr indent="0" lvl="0" marL="0" rtl="0" algn="l">
+            <a:pPr marL="0" lvl="0" indent="0" algn="l" rtl="0">
               <a:lnSpc>
                 <a:spcPct val="115000"/>
               </a:lnSpc>
@@ -11830,12 +12010,12 @@
           </a:ln>
         </p:spPr>
         <p:txBody>
-          <a:bodyPr anchorCtr="0" anchor="t" bIns="91425" lIns="91425" spcFirstLastPara="1" rIns="91425" wrap="square" tIns="91425">
+          <a:bodyPr spcFirstLastPara="1" wrap="square" lIns="91425" tIns="91425" rIns="91425" bIns="91425" anchor="t" anchorCtr="0">
             <a:spAutoFit/>
           </a:bodyPr>
           <a:lstStyle/>
           <a:p>
-            <a:pPr indent="0" lvl="0" marL="0" rtl="0" algn="l">
+            <a:pPr marL="0" lvl="0" indent="0" algn="l" rtl="0">
               <a:lnSpc>
                 <a:spcPct val="115000"/>
               </a:lnSpc>
@@ -11870,7 +12050,7 @@
             </a:endParaRPr>
           </a:p>
           <a:p>
-            <a:pPr indent="-317500" lvl="0" marL="457200" rtl="0" algn="l">
+            <a:pPr marL="457200" lvl="0" indent="-317500" algn="l" rtl="0">
               <a:lnSpc>
                 <a:spcPct val="115000"/>
               </a:lnSpc>
@@ -11910,7 +12090,7 @@
             </a:endParaRPr>
           </a:p>
           <a:p>
-            <a:pPr indent="-317500" lvl="0" marL="457200" rtl="0" algn="l">
+            <a:pPr marL="457200" lvl="0" indent="-317500" algn="l" rtl="0">
               <a:lnSpc>
                 <a:spcPct val="115000"/>
               </a:lnSpc>
@@ -11950,7 +12130,7 @@
             </a:endParaRPr>
           </a:p>
           <a:p>
-            <a:pPr indent="-317500" lvl="0" marL="457200" rtl="0" algn="l">
+            <a:pPr marL="457200" lvl="0" indent="-317500" algn="l" rtl="0">
               <a:lnSpc>
                 <a:spcPct val="115000"/>
               </a:lnSpc>
@@ -12039,12 +12219,12 @@
           </a:ln>
         </p:spPr>
         <p:txBody>
-          <a:bodyPr anchorCtr="0" anchor="t" bIns="91425" lIns="91425" spcFirstLastPara="1" rIns="91425" wrap="square" tIns="91425">
+          <a:bodyPr spcFirstLastPara="1" wrap="square" lIns="91425" tIns="91425" rIns="91425" bIns="91425" anchor="t" anchorCtr="0">
             <a:spAutoFit/>
           </a:bodyPr>
           <a:lstStyle/>
           <a:p>
-            <a:pPr indent="0" lvl="0" marL="0" rtl="0" algn="l">
+            <a:pPr marL="0" lvl="0" indent="0" algn="l" rtl="0">
               <a:lnSpc>
                 <a:spcPct val="115000"/>
               </a:lnSpc>
@@ -12124,12 +12304,12 @@
           </a:ln>
         </p:spPr>
         <p:txBody>
-          <a:bodyPr anchorCtr="0" anchor="t" bIns="91425" lIns="91425" spcFirstLastPara="1" rIns="91425" wrap="square" tIns="91425">
+          <a:bodyPr spcFirstLastPara="1" wrap="square" lIns="91425" tIns="91425" rIns="91425" bIns="91425" anchor="t" anchorCtr="0">
             <a:spAutoFit/>
           </a:bodyPr>
           <a:lstStyle/>
           <a:p>
-            <a:pPr indent="0" lvl="0" marL="0" rtl="0" algn="l">
+            <a:pPr marL="0" lvl="0" indent="0" algn="l" rtl="0">
               <a:lnSpc>
                 <a:spcPct val="115000"/>
               </a:lnSpc>
@@ -12151,19 +12331,7 @@
                 <a:cs typeface="Sora"/>
                 <a:sym typeface="Sora"/>
               </a:rPr>
-              <a:t>TP Final</a:t>
-            </a:r>
-            <a:r>
-              <a:rPr lang="es">
-                <a:solidFill>
-                  <a:srgbClr val="1C4587"/>
-                </a:solidFill>
-                <a:latin typeface="Sora"/>
-                <a:ea typeface="Sora"/>
-                <a:cs typeface="Sora"/>
-                <a:sym typeface="Sora"/>
-              </a:rPr>
-              <a:t>:</a:t>
+              <a:t>TP Final:</a:t>
             </a:r>
             <a:endParaRPr>
               <a:solidFill>
@@ -12176,7 +12344,7 @@
             </a:endParaRPr>
           </a:p>
           <a:p>
-            <a:pPr indent="0" lvl="0" marL="0" rtl="0" algn="l">
+            <a:pPr marL="0" lvl="0" indent="0" algn="l" rtl="0">
               <a:lnSpc>
                 <a:spcPct val="115000"/>
               </a:lnSpc>
@@ -12228,12 +12396,12 @@
           </a:ln>
         </p:spPr>
         <p:txBody>
-          <a:bodyPr anchorCtr="0" anchor="t" bIns="91425" lIns="91425" spcFirstLastPara="1" rIns="91425" wrap="square" tIns="91425">
+          <a:bodyPr spcFirstLastPara="1" wrap="square" lIns="91425" tIns="91425" rIns="91425" bIns="91425" anchor="t" anchorCtr="0">
             <a:spAutoFit/>
           </a:bodyPr>
           <a:lstStyle/>
           <a:p>
-            <a:pPr indent="0" lvl="0" marL="0" rtl="0" algn="l">
+            <a:pPr marL="0" lvl="0" indent="0" algn="l" rtl="0">
               <a:lnSpc>
                 <a:spcPct val="115000"/>
               </a:lnSpc>
@@ -12317,12 +12485,12 @@
           </a:ln>
         </p:spPr>
         <p:txBody>
-          <a:bodyPr anchorCtr="0" anchor="t" bIns="91425" lIns="91425" spcFirstLastPara="1" rIns="91425" wrap="square" tIns="91425">
+          <a:bodyPr spcFirstLastPara="1" wrap="square" lIns="91425" tIns="91425" rIns="91425" bIns="91425" anchor="t" anchorCtr="0">
             <a:spAutoFit/>
           </a:bodyPr>
           <a:lstStyle/>
           <a:p>
-            <a:pPr indent="0" lvl="0" marL="0" rtl="0" algn="l">
+            <a:pPr marL="0" lvl="0" indent="0" algn="l" rtl="0">
               <a:lnSpc>
                 <a:spcPct val="115000"/>
               </a:lnSpc>
@@ -12357,7 +12525,7 @@
             </a:endParaRPr>
           </a:p>
           <a:p>
-            <a:pPr indent="0" lvl="0" marL="0" rtl="0" algn="l">
+            <a:pPr marL="0" lvl="0" indent="0" algn="l" rtl="0">
               <a:lnSpc>
                 <a:spcPct val="115000"/>
               </a:lnSpc>
@@ -12402,11 +12570,11 @@
 </file>
 
 <file path=ppt/slides/slide6.xml><?xml version="1.0" encoding="utf-8"?>
-<p:sld xmlns:a="http://schemas.openxmlformats.org/drawingml/2006/main" xmlns:r="http://schemas.openxmlformats.org/officeDocument/2006/relationships" xmlns:mc="http://schemas.openxmlformats.org/markup-compatibility/2006" xmlns:mv="urn:schemas-microsoft-com:mac:vml" xmlns:p="http://schemas.openxmlformats.org/presentationml/2006/main" xmlns:c="http://schemas.openxmlformats.org/drawingml/2006/chart" xmlns:dgm="http://schemas.openxmlformats.org/drawingml/2006/diagram" xmlns:o="urn:schemas-microsoft-com:office:office" xmlns:v="urn:schemas-microsoft-com:vml" xmlns:pvml="urn:schemas-microsoft-com:office:powerpoint" xmlns:com="http://schemas.openxmlformats.org/drawingml/2006/compatibility" xmlns:p14="http://schemas.microsoft.com/office/powerpoint/2010/main" xmlns:p15="http://schemas.microsoft.com/office/powerpoint/2012/main" xmlns:ahyp="http://schemas.microsoft.com/office/drawing/2018/hyperlinkcolor">
+<p:sld xmlns:a="http://schemas.openxmlformats.org/drawingml/2006/main" xmlns:r="http://schemas.openxmlformats.org/officeDocument/2006/relationships" xmlns:p="http://schemas.openxmlformats.org/presentationml/2006/main">
   <p:cSld>
     <p:spTree>
       <p:nvGrpSpPr>
-        <p:cNvPr id="121" name="Shape 121"/>
+        <p:cNvPr id="1" name="Shape 121"/>
         <p:cNvGrpSpPr/>
         <p:nvPr/>
       </p:nvGrpSpPr>
@@ -12466,12 +12634,12 @@
           </a:ln>
         </p:spPr>
         <p:txBody>
-          <a:bodyPr anchorCtr="0" anchor="t" bIns="91425" lIns="91425" spcFirstLastPara="1" rIns="91425" wrap="square" tIns="91425">
+          <a:bodyPr spcFirstLastPara="1" wrap="square" lIns="91425" tIns="91425" rIns="91425" bIns="91425" anchor="t" anchorCtr="0">
             <a:spAutoFit/>
           </a:bodyPr>
           <a:lstStyle/>
           <a:p>
-            <a:pPr indent="0" lvl="0" marL="0" rtl="0" algn="l">
+            <a:pPr marL="0" lvl="0" indent="0" algn="l" rtl="0">
               <a:lnSpc>
                 <a:spcPct val="115000"/>
               </a:lnSpc>
@@ -12520,23 +12688,23 @@
           <a:solidFill>
             <a:srgbClr val="0B5394"/>
           </a:solidFill>
-          <a:ln cap="flat" cmpd="sng" w="9525">
+          <a:ln w="9525" cap="flat" cmpd="sng">
             <a:solidFill>
               <a:srgbClr val="0B5394"/>
             </a:solidFill>
             <a:prstDash val="solid"/>
             <a:round/>
-            <a:headEnd len="sm" w="sm" type="none"/>
-            <a:tailEnd len="sm" w="sm" type="none"/>
+            <a:headEnd type="none" w="sm" len="sm"/>
+            <a:tailEnd type="none" w="sm" len="sm"/>
           </a:ln>
         </p:spPr>
         <p:txBody>
-          <a:bodyPr anchorCtr="0" anchor="ctr" bIns="91425" lIns="91425" spcFirstLastPara="1" rIns="91425" wrap="square" tIns="91425">
+          <a:bodyPr spcFirstLastPara="1" wrap="square" lIns="91425" tIns="91425" rIns="91425" bIns="91425" anchor="ctr" anchorCtr="0">
             <a:noAutofit/>
           </a:bodyPr>
           <a:lstStyle/>
           <a:p>
-            <a:pPr indent="0" lvl="0" marL="0" rtl="0" algn="ctr">
+            <a:pPr marL="0" lvl="0" indent="0" algn="ctr" rtl="0">
               <a:spcBef>
                 <a:spcPts val="0"/>
               </a:spcBef>
@@ -12545,9 +12713,6 @@
               </a:spcAft>
               <a:buNone/>
             </a:pPr>
-            <a:r>
-              <a:t/>
-            </a:r>
             <a:endParaRPr/>
           </a:p>
         </p:txBody>
@@ -12572,12 +12737,12 @@
           </a:ln>
         </p:spPr>
         <p:txBody>
-          <a:bodyPr anchorCtr="0" anchor="t" bIns="91425" lIns="91425" spcFirstLastPara="1" rIns="91425" wrap="square" tIns="91425">
+          <a:bodyPr spcFirstLastPara="1" wrap="square" lIns="91425" tIns="91425" rIns="91425" bIns="91425" anchor="t" anchorCtr="0">
             <a:spAutoFit/>
           </a:bodyPr>
           <a:lstStyle/>
           <a:p>
-            <a:pPr indent="0" lvl="0" marL="0" rtl="0" algn="l">
+            <a:pPr marL="0" lvl="0" indent="0" algn="l" rtl="0">
               <a:lnSpc>
                 <a:spcPct val="115000"/>
               </a:lnSpc>
@@ -12590,7 +12755,7 @@
               <a:buNone/>
             </a:pPr>
             <a:r>
-              <a:rPr b="1" lang="es" sz="1200">
+              <a:rPr lang="es" sz="1200" b="1">
                 <a:solidFill>
                   <a:srgbClr val="1C4587"/>
                 </a:solidFill>
@@ -12693,12 +12858,12 @@
           </a:ln>
         </p:spPr>
         <p:txBody>
-          <a:bodyPr anchorCtr="0" anchor="t" bIns="91425" lIns="91425" spcFirstLastPara="1" rIns="91425" wrap="square" tIns="91425">
+          <a:bodyPr spcFirstLastPara="1" wrap="square" lIns="91425" tIns="91425" rIns="91425" bIns="91425" anchor="t" anchorCtr="0">
             <a:spAutoFit/>
           </a:bodyPr>
           <a:lstStyle/>
           <a:p>
-            <a:pPr indent="0" lvl="0" marL="0" rtl="0" algn="l">
+            <a:pPr marL="0" lvl="0" indent="0" algn="l" rtl="0">
               <a:lnSpc>
                 <a:spcPct val="115000"/>
               </a:lnSpc>
@@ -12711,7 +12876,7 @@
               <a:buNone/>
             </a:pPr>
             <a:r>
-              <a:rPr b="1" lang="es" sz="1200">
+              <a:rPr lang="es" sz="1200" b="1">
                 <a:solidFill>
                   <a:srgbClr val="1C4587"/>
                 </a:solidFill>
@@ -12754,12 +12919,12 @@
           </a:ln>
         </p:spPr>
         <p:txBody>
-          <a:bodyPr anchorCtr="0" anchor="t" bIns="91425" lIns="91425" spcFirstLastPara="1" rIns="91425" wrap="square" tIns="91425">
+          <a:bodyPr spcFirstLastPara="1" wrap="square" lIns="91425" tIns="91425" rIns="91425" bIns="91425" anchor="t" anchorCtr="0">
             <a:spAutoFit/>
           </a:bodyPr>
           <a:lstStyle/>
           <a:p>
-            <a:pPr indent="0" lvl="0" marL="0" rtl="0" algn="l">
+            <a:pPr marL="0" lvl="0" indent="0" algn="l" rtl="0">
               <a:lnSpc>
                 <a:spcPct val="115000"/>
               </a:lnSpc>
@@ -12781,19 +12946,7 @@
                 <a:cs typeface="Sora"/>
                 <a:sym typeface="Sora"/>
               </a:rPr>
-              <a:t>* Los l</a:t>
-            </a:r>
-            <a:r>
-              <a:rPr lang="es" sz="1000">
-                <a:solidFill>
-                  <a:srgbClr val="1C4587"/>
-                </a:solidFill>
-                <a:latin typeface="Sora"/>
-                <a:ea typeface="Sora"/>
-                <a:cs typeface="Sora"/>
-                <a:sym typeface="Sora"/>
-              </a:rPr>
-              <a:t>ogos contienen los links</a:t>
+              <a:t>* Los logos contienen los links</a:t>
             </a:r>
             <a:endParaRPr sz="1600">
               <a:solidFill>
@@ -12848,30 +13001,30 @@
           </a:xfrm>
           <a:prstGeom prst="rightArrow">
             <a:avLst>
-              <a:gd fmla="val 50000" name="adj1"/>
-              <a:gd fmla="val 50000" name="adj2"/>
+              <a:gd name="adj1" fmla="val 50000"/>
+              <a:gd name="adj2" fmla="val 50000"/>
             </a:avLst>
           </a:prstGeom>
           <a:solidFill>
             <a:srgbClr val="3D85C6"/>
           </a:solidFill>
-          <a:ln cap="flat" cmpd="sng" w="9525">
+          <a:ln w="9525" cap="flat" cmpd="sng">
             <a:solidFill>
               <a:srgbClr val="3D85C6"/>
             </a:solidFill>
             <a:prstDash val="solid"/>
             <a:round/>
-            <a:headEnd len="sm" w="sm" type="none"/>
-            <a:tailEnd len="sm" w="sm" type="none"/>
+            <a:headEnd type="none" w="sm" len="sm"/>
+            <a:tailEnd type="none" w="sm" len="sm"/>
           </a:ln>
         </p:spPr>
         <p:txBody>
-          <a:bodyPr anchorCtr="0" anchor="ctr" bIns="91425" lIns="91425" spcFirstLastPara="1" rIns="91425" wrap="square" tIns="91425">
+          <a:bodyPr spcFirstLastPara="1" wrap="square" lIns="91425" tIns="91425" rIns="91425" bIns="91425" anchor="ctr" anchorCtr="0">
             <a:noAutofit/>
           </a:bodyPr>
           <a:lstStyle/>
           <a:p>
-            <a:pPr indent="0" lvl="0" marL="0" rtl="0" algn="ctr">
+            <a:pPr marL="0" lvl="0" indent="0" algn="ctr" rtl="0">
               <a:spcBef>
                 <a:spcPts val="0"/>
               </a:spcBef>
@@ -12880,9 +13033,6 @@
               </a:spcAft>
               <a:buNone/>
             </a:pPr>
-            <a:r>
-              <a:t/>
-            </a:r>
             <a:endParaRPr>
               <a:solidFill>
                 <a:srgbClr val="3D85C6"/>
@@ -12911,12 +13061,12 @@
           </a:ln>
         </p:spPr>
         <p:txBody>
-          <a:bodyPr anchorCtr="0" anchor="t" bIns="91425" lIns="91425" spcFirstLastPara="1" rIns="91425" wrap="square" tIns="91425">
+          <a:bodyPr spcFirstLastPara="1" wrap="square" lIns="91425" tIns="91425" rIns="91425" bIns="91425" anchor="t" anchorCtr="0">
             <a:spAutoFit/>
           </a:bodyPr>
           <a:lstStyle/>
           <a:p>
-            <a:pPr indent="0" lvl="0" marL="0" rtl="0" algn="l">
+            <a:pPr marL="0" lvl="0" indent="0" algn="l" rtl="0">
               <a:lnSpc>
                 <a:spcPct val="115000"/>
               </a:lnSpc>
@@ -12995,23 +13145,23 @@
             <a:avLst/>
           </a:prstGeom>
           <a:noFill/>
-          <a:ln cap="flat" cmpd="sng" w="28575">
+          <a:ln w="28575" cap="flat" cmpd="sng">
             <a:solidFill>
               <a:srgbClr val="3D85C6"/>
             </a:solidFill>
             <a:prstDash val="solid"/>
             <a:round/>
-            <a:headEnd len="sm" w="sm" type="none"/>
-            <a:tailEnd len="sm" w="sm" type="none"/>
+            <a:headEnd type="none" w="sm" len="sm"/>
+            <a:tailEnd type="none" w="sm" len="sm"/>
           </a:ln>
         </p:spPr>
         <p:txBody>
-          <a:bodyPr anchorCtr="0" anchor="ctr" bIns="91425" lIns="91425" spcFirstLastPara="1" rIns="91425" wrap="square" tIns="91425">
+          <a:bodyPr spcFirstLastPara="1" wrap="square" lIns="91425" tIns="91425" rIns="91425" bIns="91425" anchor="ctr" anchorCtr="0">
             <a:noAutofit/>
           </a:bodyPr>
           <a:lstStyle/>
           <a:p>
-            <a:pPr indent="0" lvl="0" marL="0" rtl="0" algn="ctr">
+            <a:pPr marL="0" lvl="0" indent="0" algn="ctr" rtl="0">
               <a:spcBef>
                 <a:spcPts val="0"/>
               </a:spcBef>
@@ -13020,9 +13170,6 @@
               </a:spcAft>
               <a:buNone/>
             </a:pPr>
-            <a:r>
-              <a:t/>
-            </a:r>
             <a:endParaRPr/>
           </a:p>
         </p:txBody>
@@ -13042,23 +13189,23 @@
             <a:avLst/>
           </a:prstGeom>
           <a:noFill/>
-          <a:ln cap="flat" cmpd="sng" w="28575">
+          <a:ln w="28575" cap="flat" cmpd="sng">
             <a:solidFill>
               <a:srgbClr val="3D85C6"/>
             </a:solidFill>
             <a:prstDash val="solid"/>
             <a:round/>
-            <a:headEnd len="sm" w="sm" type="none"/>
-            <a:tailEnd len="sm" w="sm" type="none"/>
+            <a:headEnd type="none" w="sm" len="sm"/>
+            <a:tailEnd type="none" w="sm" len="sm"/>
           </a:ln>
         </p:spPr>
         <p:txBody>
-          <a:bodyPr anchorCtr="0" anchor="ctr" bIns="91425" lIns="91425" spcFirstLastPara="1" rIns="91425" wrap="square" tIns="91425">
+          <a:bodyPr spcFirstLastPara="1" wrap="square" lIns="91425" tIns="91425" rIns="91425" bIns="91425" anchor="ctr" anchorCtr="0">
             <a:noAutofit/>
           </a:bodyPr>
           <a:lstStyle/>
           <a:p>
-            <a:pPr indent="0" lvl="0" marL="0" rtl="0" algn="ctr">
+            <a:pPr marL="0" lvl="0" indent="0" algn="ctr" rtl="0">
               <a:spcBef>
                 <a:spcPts val="0"/>
               </a:spcBef>
@@ -13067,9 +13214,6 @@
               </a:spcAft>
               <a:buNone/>
             </a:pPr>
-            <a:r>
-              <a:t/>
-            </a:r>
             <a:endParaRPr/>
           </a:p>
         </p:txBody>
@@ -13083,11 +13227,11 @@
 </file>
 
 <file path=ppt/slides/slide7.xml><?xml version="1.0" encoding="utf-8"?>
-<p:sld xmlns:a="http://schemas.openxmlformats.org/drawingml/2006/main" xmlns:r="http://schemas.openxmlformats.org/officeDocument/2006/relationships" xmlns:mc="http://schemas.openxmlformats.org/markup-compatibility/2006" xmlns:mv="urn:schemas-microsoft-com:mac:vml" xmlns:p="http://schemas.openxmlformats.org/presentationml/2006/main" xmlns:c="http://schemas.openxmlformats.org/drawingml/2006/chart" xmlns:dgm="http://schemas.openxmlformats.org/drawingml/2006/diagram" xmlns:o="urn:schemas-microsoft-com:office:office" xmlns:v="urn:schemas-microsoft-com:vml" xmlns:pvml="urn:schemas-microsoft-com:office:powerpoint" xmlns:com="http://schemas.openxmlformats.org/drawingml/2006/compatibility" xmlns:p14="http://schemas.microsoft.com/office/powerpoint/2010/main" xmlns:p15="http://schemas.microsoft.com/office/powerpoint/2012/main" xmlns:ahyp="http://schemas.microsoft.com/office/drawing/2018/hyperlinkcolor">
+<p:sld xmlns:a="http://schemas.openxmlformats.org/drawingml/2006/main" xmlns:r="http://schemas.openxmlformats.org/officeDocument/2006/relationships" xmlns:p="http://schemas.openxmlformats.org/presentationml/2006/main">
   <p:cSld>
     <p:spTree>
       <p:nvGrpSpPr>
-        <p:cNvPr id="139" name="Shape 139"/>
+        <p:cNvPr id="1" name="Shape 139"/>
         <p:cNvGrpSpPr/>
         <p:nvPr/>
       </p:nvGrpSpPr>
@@ -13147,12 +13291,12 @@
           </a:ln>
         </p:spPr>
         <p:txBody>
-          <a:bodyPr anchorCtr="0" anchor="t" bIns="91425" lIns="91425" spcFirstLastPara="1" rIns="91425" wrap="square" tIns="91425">
+          <a:bodyPr spcFirstLastPara="1" wrap="square" lIns="91425" tIns="91425" rIns="91425" bIns="91425" anchor="t" anchorCtr="0">
             <a:spAutoFit/>
           </a:bodyPr>
           <a:lstStyle/>
           <a:p>
-            <a:pPr indent="0" lvl="0" marL="0" rtl="0" algn="l">
+            <a:pPr marL="0" lvl="0" indent="0" algn="l" rtl="0">
               <a:lnSpc>
                 <a:spcPct val="115000"/>
               </a:lnSpc>
@@ -13201,23 +13345,23 @@
           <a:solidFill>
             <a:srgbClr val="0B5394"/>
           </a:solidFill>
-          <a:ln cap="flat" cmpd="sng" w="9525">
+          <a:ln w="9525" cap="flat" cmpd="sng">
             <a:solidFill>
               <a:srgbClr val="0B5394"/>
             </a:solidFill>
             <a:prstDash val="solid"/>
             <a:round/>
-            <a:headEnd len="sm" w="sm" type="none"/>
-            <a:tailEnd len="sm" w="sm" type="none"/>
+            <a:headEnd type="none" w="sm" len="sm"/>
+            <a:tailEnd type="none" w="sm" len="sm"/>
           </a:ln>
         </p:spPr>
         <p:txBody>
-          <a:bodyPr anchorCtr="0" anchor="ctr" bIns="91425" lIns="91425" spcFirstLastPara="1" rIns="91425" wrap="square" tIns="91425">
+          <a:bodyPr spcFirstLastPara="1" wrap="square" lIns="91425" tIns="91425" rIns="91425" bIns="91425" anchor="ctr" anchorCtr="0">
             <a:noAutofit/>
           </a:bodyPr>
           <a:lstStyle/>
           <a:p>
-            <a:pPr indent="0" lvl="0" marL="0" rtl="0" algn="ctr">
+            <a:pPr marL="0" lvl="0" indent="0" algn="ctr" rtl="0">
               <a:spcBef>
                 <a:spcPts val="0"/>
               </a:spcBef>
@@ -13226,9 +13370,6 @@
               </a:spcAft>
               <a:buNone/>
             </a:pPr>
-            <a:r>
-              <a:t/>
-            </a:r>
             <a:endParaRPr/>
           </a:p>
         </p:txBody>
@@ -13281,12 +13422,12 @@
           </a:ln>
         </p:spPr>
         <p:txBody>
-          <a:bodyPr anchorCtr="0" anchor="t" bIns="91425" lIns="91425" spcFirstLastPara="1" rIns="91425" wrap="square" tIns="91425">
+          <a:bodyPr spcFirstLastPara="1" wrap="square" lIns="91425" tIns="91425" rIns="91425" bIns="91425" anchor="t" anchorCtr="0">
             <a:spAutoFit/>
           </a:bodyPr>
           <a:lstStyle/>
           <a:p>
-            <a:pPr indent="0" lvl="0" marL="0" rtl="0" algn="l">
+            <a:pPr marL="0" lvl="0" indent="0" algn="l" rtl="0">
               <a:lnSpc>
                 <a:spcPct val="115000"/>
               </a:lnSpc>
@@ -13311,7 +13452,7 @@
               <a:t>Es una plataforma de </a:t>
             </a:r>
             <a:r>
-              <a:rPr b="1" lang="es" sz="1000">
+              <a:rPr lang="es" sz="1000" b="1">
                 <a:solidFill>
                   <a:srgbClr val="1C4587"/>
                 </a:solidFill>
@@ -13335,7 +13476,7 @@
               <a:t> que colabora con rescatistas y refugios con el fin de encontrarles un hogar y así evitar la eutanácia. Encontraron una correlación fuerte entre </a:t>
             </a:r>
             <a:r>
-              <a:rPr b="1" lang="es" sz="1000">
+              <a:rPr lang="es" sz="1000" b="1">
                 <a:solidFill>
                   <a:srgbClr val="1C4587"/>
                 </a:solidFill>
@@ -13390,12 +13531,12 @@
           </a:ln>
         </p:spPr>
         <p:txBody>
-          <a:bodyPr anchorCtr="0" anchor="t" bIns="91425" lIns="91425" spcFirstLastPara="1" rIns="91425" wrap="square" tIns="91425">
+          <a:bodyPr spcFirstLastPara="1" wrap="square" lIns="91425" tIns="91425" rIns="91425" bIns="91425" anchor="t" anchorCtr="0">
             <a:spAutoFit/>
           </a:bodyPr>
           <a:lstStyle/>
           <a:p>
-            <a:pPr indent="0" lvl="0" marL="0" rtl="0" algn="l">
+            <a:pPr marL="0" lvl="0" indent="0" algn="l" rtl="0">
               <a:lnSpc>
                 <a:spcPct val="115000"/>
               </a:lnSpc>
@@ -13408,7 +13549,7 @@
               <a:buNone/>
             </a:pPr>
             <a:r>
-              <a:rPr b="1" lang="es" sz="1200">
+              <a:rPr lang="es" sz="1200" b="1">
                 <a:solidFill>
                   <a:srgbClr val="1C4587"/>
                 </a:solidFill>
@@ -13438,7 +13579,7 @@
           <p:nvPr/>
         </p:nvCxnSpPr>
         <p:spPr>
-          <a:xfrm flipH="1" rot="10800000">
+          <a:xfrm rot="10800000" flipH="1">
             <a:off x="1484475" y="2716325"/>
             <a:ext cx="514500" cy="532200"/>
           </a:xfrm>
@@ -13446,14 +13587,14 @@
             <a:avLst/>
           </a:prstGeom>
           <a:noFill/>
-          <a:ln cap="flat" cmpd="sng" w="28575">
+          <a:ln w="28575" cap="flat" cmpd="sng">
             <a:solidFill>
               <a:schemeClr val="dk2"/>
             </a:solidFill>
             <a:prstDash val="solid"/>
             <a:round/>
-            <a:headEnd len="med" w="med" type="none"/>
-            <a:tailEnd len="med" w="med" type="none"/>
+            <a:headEnd type="none" w="med" len="med"/>
+            <a:tailEnd type="none" w="med" len="med"/>
           </a:ln>
         </p:spPr>
       </p:cxnSp>
@@ -13477,12 +13618,12 @@
           </a:ln>
         </p:spPr>
         <p:txBody>
-          <a:bodyPr anchorCtr="0" anchor="t" bIns="91425" lIns="91425" spcFirstLastPara="1" rIns="91425" wrap="square" tIns="91425">
+          <a:bodyPr spcFirstLastPara="1" wrap="square" lIns="91425" tIns="91425" rIns="91425" bIns="91425" anchor="t" anchorCtr="0">
             <a:spAutoFit/>
           </a:bodyPr>
           <a:lstStyle/>
           <a:p>
-            <a:pPr indent="0" lvl="0" marL="0" rtl="0" algn="l">
+            <a:pPr marL="0" lvl="0" indent="0" algn="l" rtl="0">
               <a:lnSpc>
                 <a:spcPct val="115000"/>
               </a:lnSpc>
@@ -13517,7 +13658,7 @@
             </a:endParaRPr>
           </a:p>
           <a:p>
-            <a:pPr indent="0" lvl="0" marL="0" rtl="0" algn="l">
+            <a:pPr marL="0" lvl="0" indent="0" algn="l" rtl="0">
               <a:lnSpc>
                 <a:spcPct val="115000"/>
               </a:lnSpc>
@@ -13530,7 +13671,7 @@
               <a:buNone/>
             </a:pPr>
             <a:r>
-              <a:rPr b="1" lang="es" sz="800">
+              <a:rPr lang="es" sz="800" b="1">
                 <a:solidFill>
                   <a:schemeClr val="dk1"/>
                 </a:solidFill>
@@ -13546,7 +13687,7 @@
               <a:t>, </a:t>
             </a:r>
             <a:r>
-              <a:rPr b="1" lang="es" sz="800">
+              <a:rPr lang="es" sz="800" b="1">
                 <a:solidFill>
                   <a:schemeClr val="dk1"/>
                 </a:solidFill>
@@ -13568,7 +13709,7 @@
             </a:endParaRPr>
           </a:p>
           <a:p>
-            <a:pPr indent="0" lvl="0" marL="0" rtl="0" algn="l">
+            <a:pPr marL="0" lvl="0" indent="0" algn="l" rtl="0">
               <a:lnSpc>
                 <a:spcPct val="115000"/>
               </a:lnSpc>
@@ -13620,12 +13761,12 @@
           </a:ln>
         </p:spPr>
         <p:txBody>
-          <a:bodyPr anchorCtr="0" anchor="t" bIns="91425" lIns="91425" spcFirstLastPara="1" rIns="91425" wrap="square" tIns="91425">
+          <a:bodyPr spcFirstLastPara="1" wrap="square" lIns="91425" tIns="91425" rIns="91425" bIns="91425" anchor="t" anchorCtr="0">
             <a:spAutoFit/>
           </a:bodyPr>
           <a:lstStyle/>
           <a:p>
-            <a:pPr indent="0" lvl="0" marL="0" rtl="0" algn="l">
+            <a:pPr marL="0" lvl="0" indent="0" algn="l" rtl="0">
               <a:lnSpc>
                 <a:spcPct val="115000"/>
               </a:lnSpc>
@@ -13647,19 +13788,7 @@
                 <a:cs typeface="Sora"/>
                 <a:sym typeface="Sora"/>
               </a:rPr>
-              <a:t>Text (campo Description)</a:t>
-            </a:r>
-            <a:r>
-              <a:rPr lang="es" sz="1200">
-                <a:solidFill>
-                  <a:srgbClr val="1C4587"/>
-                </a:solidFill>
-                <a:latin typeface="Sora"/>
-                <a:ea typeface="Sora"/>
-                <a:cs typeface="Sora"/>
-                <a:sym typeface="Sora"/>
-              </a:rPr>
-              <a:t>:</a:t>
+              <a:t>Text (campo Description):</a:t>
             </a:r>
             <a:endParaRPr sz="800">
               <a:solidFill>
@@ -13668,7 +13797,7 @@
             </a:endParaRPr>
           </a:p>
           <a:p>
-            <a:pPr indent="0" lvl="0" marL="0" rtl="0" algn="l">
+            <a:pPr marL="0" lvl="0" indent="0" algn="l" rtl="0">
               <a:lnSpc>
                 <a:spcPct val="115000"/>
               </a:lnSpc>
@@ -13713,14 +13842,14 @@
             <a:avLst/>
           </a:prstGeom>
           <a:noFill/>
-          <a:ln cap="flat" cmpd="sng" w="28575">
+          <a:ln w="28575" cap="flat" cmpd="sng">
             <a:solidFill>
               <a:schemeClr val="dk2"/>
             </a:solidFill>
             <a:prstDash val="solid"/>
             <a:round/>
-            <a:headEnd len="med" w="med" type="none"/>
-            <a:tailEnd len="med" w="med" type="none"/>
+            <a:headEnd type="none" w="med" len="med"/>
+            <a:tailEnd type="none" w="med" len="med"/>
           </a:ln>
         </p:spPr>
       </p:cxnSp>
@@ -13744,12 +13873,12 @@
           </a:ln>
         </p:spPr>
         <p:txBody>
-          <a:bodyPr anchorCtr="0" anchor="t" bIns="91425" lIns="91425" spcFirstLastPara="1" rIns="91425" wrap="square" tIns="91425">
+          <a:bodyPr spcFirstLastPara="1" wrap="square" lIns="91425" tIns="91425" rIns="91425" bIns="91425" anchor="t" anchorCtr="0">
             <a:spAutoFit/>
           </a:bodyPr>
           <a:lstStyle/>
           <a:p>
-            <a:pPr indent="0" lvl="0" marL="0" rtl="0" algn="l">
+            <a:pPr marL="0" lvl="0" indent="0" algn="l" rtl="0">
               <a:lnSpc>
                 <a:spcPct val="115000"/>
               </a:lnSpc>
@@ -13771,19 +13900,7 @@
                 <a:cs typeface="Sora"/>
                 <a:sym typeface="Sora"/>
               </a:rPr>
-              <a:t>Image</a:t>
-            </a:r>
-            <a:r>
-              <a:rPr lang="es" sz="1200">
-                <a:solidFill>
-                  <a:srgbClr val="1C4587"/>
-                </a:solidFill>
-                <a:latin typeface="Sora"/>
-                <a:ea typeface="Sora"/>
-                <a:cs typeface="Sora"/>
-                <a:sym typeface="Sora"/>
-              </a:rPr>
-              <a:t>:</a:t>
+              <a:t>Image:</a:t>
             </a:r>
             <a:endParaRPr sz="800">
               <a:solidFill>
@@ -13814,14 +13931,14 @@
             <a:avLst/>
           </a:prstGeom>
           <a:noFill/>
-          <a:ln cap="flat" cmpd="sng" w="28575">
+          <a:ln w="28575" cap="flat" cmpd="sng">
             <a:solidFill>
               <a:schemeClr val="dk2"/>
             </a:solidFill>
             <a:prstDash val="solid"/>
             <a:round/>
-            <a:headEnd len="med" w="med" type="none"/>
-            <a:tailEnd len="med" w="med" type="none"/>
+            <a:headEnd type="none" w="med" len="med"/>
+            <a:tailEnd type="none" w="med" len="med"/>
           </a:ln>
         </p:spPr>
       </p:cxnSp>
@@ -13835,7 +13952,7 @@
           <a:blip r:embed="rId5">
             <a:alphaModFix/>
           </a:blip>
-          <a:srcRect b="10592" l="0" r="0" t="28177"/>
+          <a:srcRect t="28177" b="10592"/>
           <a:stretch/>
         </p:blipFill>
         <p:spPr>
@@ -13851,7 +13968,7 @@
             <a:noFill/>
           </a:ln>
           <a:effectLst>
-            <a:outerShdw blurRad="57150" rotWithShape="0" algn="bl" dir="5400000" dist="38100">
+            <a:outerShdw blurRad="57150" dist="38100" dir="5400000" algn="bl" rotWithShape="0">
               <a:srgbClr val="000000">
                 <a:alpha val="50000"/>
               </a:srgbClr>
@@ -13876,23 +13993,23 @@
           <a:solidFill>
             <a:srgbClr val="999999"/>
           </a:solidFill>
-          <a:ln cap="flat" cmpd="sng" w="9525">
+          <a:ln w="9525" cap="flat" cmpd="sng">
             <a:solidFill>
               <a:srgbClr val="666666"/>
             </a:solidFill>
             <a:prstDash val="solid"/>
             <a:round/>
-            <a:headEnd len="sm" w="sm" type="none"/>
-            <a:tailEnd len="sm" w="sm" type="none"/>
+            <a:headEnd type="none" w="sm" len="sm"/>
+            <a:tailEnd type="none" w="sm" len="sm"/>
           </a:ln>
         </p:spPr>
         <p:txBody>
-          <a:bodyPr anchorCtr="0" anchor="ctr" bIns="91425" lIns="91425" spcFirstLastPara="1" rIns="91425" wrap="square" tIns="91425">
+          <a:bodyPr spcFirstLastPara="1" wrap="square" lIns="91425" tIns="91425" rIns="91425" bIns="91425" anchor="ctr" anchorCtr="0">
             <a:noAutofit/>
           </a:bodyPr>
           <a:lstStyle/>
           <a:p>
-            <a:pPr indent="0" lvl="0" marL="0" rtl="0" algn="ctr">
+            <a:pPr marL="0" lvl="0" indent="0" algn="ctr" rtl="0">
               <a:spcBef>
                 <a:spcPts val="0"/>
               </a:spcBef>
@@ -13901,9 +14018,6 @@
               </a:spcAft>
               <a:buNone/>
             </a:pPr>
-            <a:r>
-              <a:t/>
-            </a:r>
             <a:endParaRPr/>
           </a:p>
         </p:txBody>
@@ -13928,12 +14042,12 @@
           </a:ln>
         </p:spPr>
         <p:txBody>
-          <a:bodyPr anchorCtr="0" anchor="t" bIns="91425" lIns="91425" spcFirstLastPara="1" rIns="91425" wrap="square" tIns="91425">
+          <a:bodyPr spcFirstLastPara="1" wrap="square" lIns="91425" tIns="91425" rIns="91425" bIns="91425" anchor="t" anchorCtr="0">
             <a:spAutoFit/>
           </a:bodyPr>
           <a:lstStyle/>
           <a:p>
-            <a:pPr indent="0" lvl="0" marL="0" rtl="0" algn="l">
+            <a:pPr marL="0" lvl="0" indent="0" algn="l" rtl="0">
               <a:spcBef>
                 <a:spcPts val="0"/>
               </a:spcBef>
@@ -13943,7 +14057,7 @@
               <a:buNone/>
             </a:pPr>
             <a:r>
-              <a:rPr b="1" lang="es" sz="1800">
+              <a:rPr lang="es" sz="1800" b="1">
                 <a:solidFill>
                   <a:srgbClr val="1C4587"/>
                 </a:solidFill>
@@ -13954,7 +14068,7 @@
               </a:rPr>
               <a:t>2.48 GB</a:t>
             </a:r>
-            <a:endParaRPr b="1" sz="1800"/>
+            <a:endParaRPr sz="1800" b="1"/>
           </a:p>
         </p:txBody>
       </p:sp>
@@ -13978,12 +14092,12 @@
           </a:ln>
         </p:spPr>
         <p:txBody>
-          <a:bodyPr anchorCtr="0" anchor="t" bIns="91425" lIns="91425" spcFirstLastPara="1" rIns="91425" wrap="square" tIns="91425">
+          <a:bodyPr spcFirstLastPara="1" wrap="square" lIns="91425" tIns="91425" rIns="91425" bIns="91425" anchor="t" anchorCtr="0">
             <a:spAutoFit/>
           </a:bodyPr>
           <a:lstStyle/>
           <a:p>
-            <a:pPr indent="0" lvl="0" marL="0" rtl="0" algn="l">
+            <a:pPr marL="0" lvl="0" indent="0" algn="l" rtl="0">
               <a:spcBef>
                 <a:spcPts val="0"/>
               </a:spcBef>
@@ -13993,7 +14107,7 @@
               <a:buNone/>
             </a:pPr>
             <a:r>
-              <a:rPr b="1" lang="es">
+              <a:rPr lang="es" b="1">
                 <a:solidFill>
                   <a:srgbClr val="1C4587"/>
                 </a:solidFill>
@@ -14015,7 +14129,7 @@
             </a:endParaRPr>
           </a:p>
           <a:p>
-            <a:pPr indent="0" lvl="0" marL="0" rtl="0" algn="l">
+            <a:pPr marL="0" lvl="0" indent="0" algn="l" rtl="0">
               <a:spcBef>
                 <a:spcPts val="0"/>
               </a:spcBef>
@@ -14025,7 +14139,7 @@
               <a:buNone/>
             </a:pPr>
             <a:r>
-              <a:rPr b="1" lang="es">
+              <a:rPr lang="es" b="1">
                 <a:solidFill>
                   <a:srgbClr val="1C4587"/>
                 </a:solidFill>
@@ -14068,12 +14182,12 @@
           </a:ln>
         </p:spPr>
         <p:txBody>
-          <a:bodyPr anchorCtr="0" anchor="t" bIns="91425" lIns="91425" spcFirstLastPara="1" rIns="91425" wrap="square" tIns="91425">
+          <a:bodyPr spcFirstLastPara="1" wrap="square" lIns="91425" tIns="91425" rIns="91425" bIns="91425" anchor="t" anchorCtr="0">
             <a:spAutoFit/>
           </a:bodyPr>
           <a:lstStyle/>
           <a:p>
-            <a:pPr indent="0" lvl="0" marL="0" rtl="0" algn="l">
+            <a:pPr marL="0" lvl="0" indent="0" algn="l" rtl="0">
               <a:spcBef>
                 <a:spcPts val="0"/>
               </a:spcBef>
@@ -14083,7 +14197,7 @@
               <a:buNone/>
             </a:pPr>
             <a:r>
-              <a:rPr b="1" lang="es">
+              <a:rPr lang="es" b="1">
                 <a:solidFill>
                   <a:srgbClr val="1C4587"/>
                 </a:solidFill>
@@ -14105,7 +14219,7 @@
             </a:endParaRPr>
           </a:p>
           <a:p>
-            <a:pPr indent="0" lvl="0" marL="0" rtl="0" algn="l">
+            <a:pPr marL="0" lvl="0" indent="0" algn="l" rtl="0">
               <a:spcBef>
                 <a:spcPts val="0"/>
               </a:spcBef>
@@ -14115,7 +14229,7 @@
               <a:buNone/>
             </a:pPr>
             <a:r>
-              <a:rPr b="1" lang="es">
+              <a:rPr lang="es" b="1">
                 <a:solidFill>
                   <a:srgbClr val="1C4587"/>
                 </a:solidFill>
@@ -14147,11 +14261,11 @@
 </file>
 
 <file path=ppt/slides/slide8.xml><?xml version="1.0" encoding="utf-8"?>
-<p:sld xmlns:a="http://schemas.openxmlformats.org/drawingml/2006/main" xmlns:r="http://schemas.openxmlformats.org/officeDocument/2006/relationships" xmlns:mc="http://schemas.openxmlformats.org/markup-compatibility/2006" xmlns:mv="urn:schemas-microsoft-com:mac:vml" xmlns:p="http://schemas.openxmlformats.org/presentationml/2006/main" xmlns:c="http://schemas.openxmlformats.org/drawingml/2006/chart" xmlns:dgm="http://schemas.openxmlformats.org/drawingml/2006/diagram" xmlns:o="urn:schemas-microsoft-com:office:office" xmlns:v="urn:schemas-microsoft-com:vml" xmlns:pvml="urn:schemas-microsoft-com:office:powerpoint" xmlns:com="http://schemas.openxmlformats.org/drawingml/2006/compatibility" xmlns:p14="http://schemas.microsoft.com/office/powerpoint/2010/main" xmlns:p15="http://schemas.microsoft.com/office/powerpoint/2012/main" xmlns:ahyp="http://schemas.microsoft.com/office/drawing/2018/hyperlinkcolor">
+<p:sld xmlns:a="http://schemas.openxmlformats.org/drawingml/2006/main" xmlns:r="http://schemas.openxmlformats.org/officeDocument/2006/relationships" xmlns:p="http://schemas.openxmlformats.org/presentationml/2006/main">
   <p:cSld>
     <p:spTree>
       <p:nvGrpSpPr>
-        <p:cNvPr id="160" name="Shape 160"/>
+        <p:cNvPr id="1" name="Shape 160"/>
         <p:cNvGrpSpPr/>
         <p:nvPr/>
       </p:nvGrpSpPr>
@@ -14211,12 +14325,12 @@
           </a:ln>
         </p:spPr>
         <p:txBody>
-          <a:bodyPr anchorCtr="0" anchor="t" bIns="91425" lIns="91425" spcFirstLastPara="1" rIns="91425" wrap="square" tIns="91425">
+          <a:bodyPr spcFirstLastPara="1" wrap="square" lIns="91425" tIns="91425" rIns="91425" bIns="91425" anchor="t" anchorCtr="0">
             <a:spAutoFit/>
           </a:bodyPr>
           <a:lstStyle/>
           <a:p>
-            <a:pPr indent="0" lvl="0" marL="0" rtl="0" algn="l">
+            <a:pPr marL="0" lvl="0" indent="0" algn="l" rtl="0">
               <a:lnSpc>
                 <a:spcPct val="115000"/>
               </a:lnSpc>
@@ -14265,23 +14379,23 @@
           <a:solidFill>
             <a:srgbClr val="0B5394"/>
           </a:solidFill>
-          <a:ln cap="flat" cmpd="sng" w="9525">
+          <a:ln w="9525" cap="flat" cmpd="sng">
             <a:solidFill>
               <a:srgbClr val="0B5394"/>
             </a:solidFill>
             <a:prstDash val="solid"/>
             <a:round/>
-            <a:headEnd len="sm" w="sm" type="none"/>
-            <a:tailEnd len="sm" w="sm" type="none"/>
+            <a:headEnd type="none" w="sm" len="sm"/>
+            <a:tailEnd type="none" w="sm" len="sm"/>
           </a:ln>
         </p:spPr>
         <p:txBody>
-          <a:bodyPr anchorCtr="0" anchor="ctr" bIns="91425" lIns="91425" spcFirstLastPara="1" rIns="91425" wrap="square" tIns="91425">
+          <a:bodyPr spcFirstLastPara="1" wrap="square" lIns="91425" tIns="91425" rIns="91425" bIns="91425" anchor="ctr" anchorCtr="0">
             <a:noAutofit/>
           </a:bodyPr>
           <a:lstStyle/>
           <a:p>
-            <a:pPr indent="0" lvl="0" marL="0" rtl="0" algn="ctr">
+            <a:pPr marL="0" lvl="0" indent="0" algn="ctr" rtl="0">
               <a:spcBef>
                 <a:spcPts val="0"/>
               </a:spcBef>
@@ -14290,9 +14404,6 @@
               </a:spcAft>
               <a:buNone/>
             </a:pPr>
-            <a:r>
-              <a:t/>
-            </a:r>
             <a:endParaRPr/>
           </a:p>
         </p:txBody>
@@ -14317,12 +14428,12 @@
           </a:ln>
         </p:spPr>
         <p:txBody>
-          <a:bodyPr anchorCtr="0" anchor="t" bIns="91425" lIns="91425" spcFirstLastPara="1" rIns="91425" wrap="square" tIns="91425">
+          <a:bodyPr spcFirstLastPara="1" wrap="square" lIns="91425" tIns="91425" rIns="91425" bIns="91425" anchor="t" anchorCtr="0">
             <a:spAutoFit/>
           </a:bodyPr>
           <a:lstStyle/>
           <a:p>
-            <a:pPr indent="0" lvl="0" marL="0" rtl="0" algn="l">
+            <a:pPr marL="0" lvl="0" indent="0" algn="l" rtl="0">
               <a:spcBef>
                 <a:spcPts val="0"/>
               </a:spcBef>
@@ -14341,19 +14452,7 @@
                 <a:cs typeface="Sora"/>
                 <a:sym typeface="Sora"/>
               </a:rPr>
-              <a:t>C</a:t>
-            </a:r>
-            <a:r>
-              <a:rPr lang="es" sz="1000">
-                <a:solidFill>
-                  <a:srgbClr val="1C4587"/>
-                </a:solidFill>
-                <a:latin typeface="Sora"/>
-                <a:ea typeface="Sora"/>
-                <a:cs typeface="Sora"/>
-                <a:sym typeface="Sora"/>
-              </a:rPr>
-              <a:t>ompara las clasificaciones (real vs predict), teniendo en cuenta que algunas clases distan en mayor o menor medida de otras.</a:t>
+              <a:t>Compara las clasificaciones (real vs predict), teniendo en cuenta que algunas clases distan en mayor o menor medida de otras.</a:t>
             </a:r>
             <a:endParaRPr sz="1000">
               <a:solidFill>
@@ -14366,7 +14465,7 @@
             </a:endParaRPr>
           </a:p>
           <a:p>
-            <a:pPr indent="0" lvl="0" marL="0" rtl="0" algn="l">
+            <a:pPr marL="0" lvl="0" indent="0" algn="l" rtl="0">
               <a:spcBef>
                 <a:spcPts val="0"/>
               </a:spcBef>
@@ -14388,7 +14487,7 @@
               <a:t>Se usa cuando </a:t>
             </a:r>
             <a:r>
-              <a:rPr b="1" lang="es" sz="1000">
+              <a:rPr lang="es" sz="1000" b="1">
                 <a:solidFill>
                   <a:srgbClr val="1C4587"/>
                 </a:solidFill>
@@ -14399,7 +14498,7 @@
               </a:rPr>
               <a:t>las clases están ordenadas</a:t>
             </a:r>
-            <a:endParaRPr b="1" sz="1000">
+            <a:endParaRPr sz="1000" b="1">
               <a:solidFill>
                 <a:srgbClr val="1C4587"/>
               </a:solidFill>
@@ -14431,12 +14530,12 @@
           </a:ln>
         </p:spPr>
         <p:txBody>
-          <a:bodyPr anchorCtr="0" anchor="t" bIns="91425" lIns="91425" spcFirstLastPara="1" rIns="91425" wrap="square" tIns="91425">
+          <a:bodyPr spcFirstLastPara="1" wrap="square" lIns="91425" tIns="91425" rIns="91425" bIns="91425" anchor="t" anchorCtr="0">
             <a:spAutoFit/>
           </a:bodyPr>
           <a:lstStyle/>
           <a:p>
-            <a:pPr indent="0" lvl="0" marL="0" rtl="0" algn="l">
+            <a:pPr marL="0" lvl="0" indent="0" algn="l" rtl="0">
               <a:lnSpc>
                 <a:spcPct val="115000"/>
               </a:lnSpc>
@@ -14449,7 +14548,7 @@
               <a:buNone/>
             </a:pPr>
             <a:r>
-              <a:rPr b="1" lang="es" sz="1200">
+              <a:rPr lang="es" sz="1200" b="1">
                 <a:solidFill>
                   <a:srgbClr val="1C4587"/>
                 </a:solidFill>
@@ -14487,14 +14586,14 @@
             <a:avLst/>
           </a:prstGeom>
           <a:noFill/>
-          <a:ln cap="flat" cmpd="sng" w="9525">
+          <a:ln w="9525" cap="flat" cmpd="sng">
             <a:solidFill>
               <a:schemeClr val="dk2"/>
             </a:solidFill>
             <a:prstDash val="solid"/>
             <a:round/>
-            <a:headEnd len="med" w="med" type="none"/>
-            <a:tailEnd len="med" w="med" type="none"/>
+            <a:headEnd type="none" w="med" len="med"/>
+            <a:tailEnd type="none" w="med" len="med"/>
           </a:ln>
         </p:spPr>
       </p:cxnSp>
@@ -14518,12 +14617,12 @@
           </a:ln>
         </p:spPr>
         <p:txBody>
-          <a:bodyPr anchorCtr="0" anchor="t" bIns="91425" lIns="91425" spcFirstLastPara="1" rIns="91425" wrap="square" tIns="91425">
+          <a:bodyPr spcFirstLastPara="1" wrap="square" lIns="91425" tIns="91425" rIns="91425" bIns="91425" anchor="t" anchorCtr="0">
             <a:spAutoFit/>
           </a:bodyPr>
           <a:lstStyle/>
           <a:p>
-            <a:pPr indent="0" lvl="0" marL="0" rtl="0" algn="ctr">
+            <a:pPr marL="0" lvl="0" indent="0" algn="ctr" rtl="0">
               <a:spcBef>
                 <a:spcPts val="0"/>
               </a:spcBef>
@@ -14571,14 +14670,14 @@
             <a:avLst/>
           </a:prstGeom>
           <a:noFill/>
-          <a:ln cap="flat" cmpd="sng" w="9525">
+          <a:ln w="9525" cap="flat" cmpd="sng">
             <a:solidFill>
               <a:schemeClr val="dk2"/>
             </a:solidFill>
             <a:prstDash val="solid"/>
             <a:round/>
-            <a:headEnd len="med" w="med" type="none"/>
-            <a:tailEnd len="med" w="med" type="none"/>
+            <a:headEnd type="none" w="med" len="med"/>
+            <a:tailEnd type="none" w="med" len="med"/>
           </a:ln>
         </p:spPr>
       </p:cxnSp>
@@ -14602,12 +14701,12 @@
           </a:ln>
         </p:spPr>
         <p:txBody>
-          <a:bodyPr anchorCtr="0" anchor="t" bIns="91425" lIns="91425" spcFirstLastPara="1" rIns="91425" wrap="square" tIns="91425">
+          <a:bodyPr spcFirstLastPara="1" wrap="square" lIns="91425" tIns="91425" rIns="91425" bIns="91425" anchor="t" anchorCtr="0">
             <a:spAutoFit/>
           </a:bodyPr>
           <a:lstStyle/>
           <a:p>
-            <a:pPr indent="0" lvl="0" marL="0" rtl="0" algn="ctr">
+            <a:pPr marL="0" lvl="0" indent="0" algn="ctr" rtl="0">
               <a:spcBef>
                 <a:spcPts val="0"/>
               </a:spcBef>
@@ -14660,12 +14759,12 @@
           </a:ln>
         </p:spPr>
         <p:txBody>
-          <a:bodyPr anchorCtr="0" anchor="t" bIns="91425" lIns="91425" spcFirstLastPara="1" rIns="91425" wrap="square" tIns="91425">
+          <a:bodyPr spcFirstLastPara="1" wrap="square" lIns="91425" tIns="91425" rIns="91425" bIns="91425" anchor="t" anchorCtr="0">
             <a:spAutoFit/>
           </a:bodyPr>
           <a:lstStyle/>
           <a:p>
-            <a:pPr indent="-298450" lvl="0" marL="457200" rtl="0" algn="l">
+            <a:pPr marL="457200" lvl="0" indent="-298450" algn="l" rtl="0">
               <a:lnSpc>
                 <a:spcPct val="115000"/>
               </a:lnSpc>
@@ -14682,7 +14781,7 @@
               <a:buChar char="●"/>
             </a:pPr>
             <a:r>
-              <a:rPr b="1" lang="es" sz="1000">
+              <a:rPr lang="es" sz="1000" b="1">
                 <a:solidFill>
                   <a:srgbClr val="1C4587"/>
                 </a:solidFill>
@@ -14716,7 +14815,7 @@
             </a:endParaRPr>
           </a:p>
           <a:p>
-            <a:pPr indent="-292100" lvl="0" marL="457200" rtl="0" algn="l">
+            <a:pPr marL="457200" lvl="0" indent="-292100" algn="l" rtl="0">
               <a:lnSpc>
                 <a:spcPct val="115000"/>
               </a:lnSpc>
@@ -14734,7 +14833,7 @@
               <a:buChar char="●"/>
             </a:pPr>
             <a:r>
-              <a:rPr b="1" lang="es" sz="1000">
+              <a:rPr lang="es" sz="1000" b="1">
                 <a:solidFill>
                   <a:srgbClr val="1C4587"/>
                 </a:solidFill>
@@ -14768,7 +14867,7 @@
             </a:endParaRPr>
           </a:p>
           <a:p>
-            <a:pPr indent="-298450" lvl="0" marL="457200" rtl="0" algn="l">
+            <a:pPr marL="457200" lvl="0" indent="-298450" algn="l" rtl="0">
               <a:lnSpc>
                 <a:spcPct val="115000"/>
               </a:lnSpc>
@@ -14785,7 +14884,7 @@
               <a:buChar char="●"/>
             </a:pPr>
             <a:r>
-              <a:rPr b="1" lang="es" sz="1000">
+              <a:rPr lang="es" sz="1000" b="1">
                 <a:solidFill>
                   <a:srgbClr val="1C4587"/>
                 </a:solidFill>
@@ -14819,7 +14918,7 @@
             </a:endParaRPr>
           </a:p>
           <a:p>
-            <a:pPr indent="-292100" lvl="0" marL="457200" rtl="0" algn="l">
+            <a:pPr marL="457200" lvl="0" indent="-292100" algn="l" rtl="0">
               <a:lnSpc>
                 <a:spcPct val="115000"/>
               </a:lnSpc>
@@ -14837,7 +14936,7 @@
               <a:buChar char="●"/>
             </a:pPr>
             <a:r>
-              <a:rPr b="1" lang="es" sz="1000">
+              <a:rPr lang="es" sz="1000" b="1">
                 <a:solidFill>
                   <a:srgbClr val="1C4587"/>
                 </a:solidFill>
@@ -14888,12 +14987,12 @@
           </a:ln>
         </p:spPr>
         <p:txBody>
-          <a:bodyPr anchorCtr="0" anchor="t" bIns="91425" lIns="91425" spcFirstLastPara="1" rIns="91425" wrap="square" tIns="91425">
+          <a:bodyPr spcFirstLastPara="1" wrap="square" lIns="91425" tIns="91425" rIns="91425" bIns="91425" anchor="t" anchorCtr="0">
             <a:spAutoFit/>
           </a:bodyPr>
           <a:lstStyle/>
           <a:p>
-            <a:pPr indent="0" lvl="0" marL="0" rtl="0" algn="l">
+            <a:pPr marL="0" lvl="0" indent="0" algn="l" rtl="0">
               <a:lnSpc>
                 <a:spcPct val="115000"/>
               </a:lnSpc>
@@ -14906,7 +15005,7 @@
               <a:buNone/>
             </a:pPr>
             <a:r>
-              <a:rPr b="1" lang="es" sz="1200">
+              <a:rPr lang="es" sz="1200" b="1">
                 <a:solidFill>
                   <a:srgbClr val="1C4587"/>
                 </a:solidFill>
@@ -14915,19 +15014,7 @@
                 <a:cs typeface="Sora"/>
                 <a:sym typeface="Sora"/>
               </a:rPr>
-              <a:t>Valores</a:t>
-            </a:r>
-            <a:r>
-              <a:rPr b="1" lang="es" sz="1200">
-                <a:solidFill>
-                  <a:srgbClr val="1C4587"/>
-                </a:solidFill>
-                <a:latin typeface="Sora"/>
-                <a:ea typeface="Sora"/>
-                <a:cs typeface="Sora"/>
-                <a:sym typeface="Sora"/>
-              </a:rPr>
-              <a:t>: [-1,1]</a:t>
+              <a:t>Valores: [-1,1]</a:t>
             </a:r>
             <a:endParaRPr sz="1800">
               <a:solidFill>
@@ -14956,23 +15043,23 @@
             <a:avLst/>
           </a:prstGeom>
           <a:noFill/>
-          <a:ln cap="flat" cmpd="sng" w="38100">
+          <a:ln w="38100" cap="flat" cmpd="sng">
             <a:solidFill>
               <a:srgbClr val="3D85C6"/>
             </a:solidFill>
             <a:prstDash val="solid"/>
             <a:round/>
-            <a:headEnd len="sm" w="sm" type="none"/>
-            <a:tailEnd len="sm" w="sm" type="none"/>
+            <a:headEnd type="none" w="sm" len="sm"/>
+            <a:tailEnd type="none" w="sm" len="sm"/>
           </a:ln>
         </p:spPr>
         <p:txBody>
-          <a:bodyPr anchorCtr="0" anchor="ctr" bIns="91425" lIns="91425" spcFirstLastPara="1" rIns="91425" wrap="square" tIns="91425">
+          <a:bodyPr spcFirstLastPara="1" wrap="square" lIns="91425" tIns="91425" rIns="91425" bIns="91425" anchor="ctr" anchorCtr="0">
             <a:noAutofit/>
           </a:bodyPr>
           <a:lstStyle/>
           <a:p>
-            <a:pPr indent="0" lvl="0" marL="0" rtl="0" algn="ctr">
+            <a:pPr marL="0" lvl="0" indent="0" algn="ctr" rtl="0">
               <a:spcBef>
                 <a:spcPts val="0"/>
               </a:spcBef>
@@ -14981,9 +15068,6 @@
               </a:spcAft>
               <a:buNone/>
             </a:pPr>
-            <a:r>
-              <a:t/>
-            </a:r>
             <a:endParaRPr/>
           </a:p>
         </p:txBody>
@@ -15008,12 +15092,12 @@
           </a:ln>
         </p:spPr>
         <p:txBody>
-          <a:bodyPr anchorCtr="0" anchor="t" bIns="91425" lIns="91425" spcFirstLastPara="1" rIns="91425" wrap="square" tIns="91425">
+          <a:bodyPr spcFirstLastPara="1" wrap="square" lIns="91425" tIns="91425" rIns="91425" bIns="91425" anchor="t" anchorCtr="0">
             <a:spAutoFit/>
           </a:bodyPr>
           <a:lstStyle/>
           <a:p>
-            <a:pPr indent="-298450" lvl="0" marL="457200" rtl="0" algn="l">
+            <a:pPr marL="457200" lvl="0" indent="-298450" algn="l" rtl="0">
               <a:lnSpc>
                 <a:spcPct val="115000"/>
               </a:lnSpc>
@@ -15030,7 +15114,7 @@
               <a:buChar char="●"/>
             </a:pPr>
             <a:r>
-              <a:rPr b="1" lang="es" sz="1000">
+              <a:rPr lang="es" sz="1000" b="1">
                 <a:solidFill>
                   <a:srgbClr val="1C4587"/>
                 </a:solidFill>
@@ -15064,7 +15148,7 @@
             </a:endParaRPr>
           </a:p>
           <a:p>
-            <a:pPr indent="-298450" lvl="0" marL="457200" rtl="0" algn="l">
+            <a:pPr marL="457200" lvl="0" indent="-298450" algn="l" rtl="0">
               <a:lnSpc>
                 <a:spcPct val="115000"/>
               </a:lnSpc>
@@ -15081,7 +15165,7 @@
               <a:buChar char="●"/>
             </a:pPr>
             <a:r>
-              <a:rPr b="1" lang="es" sz="1000">
+              <a:rPr lang="es" sz="1000" b="1">
                 <a:solidFill>
                   <a:srgbClr val="1C4587"/>
                 </a:solidFill>
@@ -15115,7 +15199,7 @@
             </a:endParaRPr>
           </a:p>
           <a:p>
-            <a:pPr indent="-298450" lvl="0" marL="457200" rtl="0" algn="l">
+            <a:pPr marL="457200" lvl="0" indent="-298450" algn="l" rtl="0">
               <a:lnSpc>
                 <a:spcPct val="115000"/>
               </a:lnSpc>
@@ -15132,7 +15216,7 @@
               <a:buChar char="●"/>
             </a:pPr>
             <a:r>
-              <a:rPr b="1" lang="es" sz="1000">
+              <a:rPr lang="es" sz="1000" b="1">
                 <a:solidFill>
                   <a:srgbClr val="1C4587"/>
                 </a:solidFill>
@@ -15166,7 +15250,7 @@
             </a:endParaRPr>
           </a:p>
           <a:p>
-            <a:pPr indent="-298450" lvl="0" marL="457200" rtl="0" algn="l">
+            <a:pPr marL="457200" lvl="0" indent="-298450" algn="l" rtl="0">
               <a:lnSpc>
                 <a:spcPct val="115000"/>
               </a:lnSpc>
@@ -15183,7 +15267,7 @@
               <a:buChar char="●"/>
             </a:pPr>
             <a:r>
-              <a:rPr b="1" lang="es" sz="1000">
+              <a:rPr lang="es" sz="1000" b="1">
                 <a:solidFill>
                   <a:srgbClr val="1C4587"/>
                 </a:solidFill>
@@ -15217,7 +15301,7 @@
             </a:endParaRPr>
           </a:p>
           <a:p>
-            <a:pPr indent="-298450" lvl="0" marL="457200" rtl="0" algn="l">
+            <a:pPr marL="457200" lvl="0" indent="-298450" algn="l" rtl="0">
               <a:lnSpc>
                 <a:spcPct val="115000"/>
               </a:lnSpc>
@@ -15234,7 +15318,7 @@
               <a:buChar char="●"/>
             </a:pPr>
             <a:r>
-              <a:rPr b="1" lang="es" sz="1000">
+              <a:rPr lang="es" sz="1000" b="1">
                 <a:solidFill>
                   <a:srgbClr val="1C4587"/>
                 </a:solidFill>
@@ -15289,12 +15373,12 @@
           </a:ln>
         </p:spPr>
         <p:txBody>
-          <a:bodyPr anchorCtr="0" anchor="t" bIns="91425" lIns="91425" spcFirstLastPara="1" rIns="91425" wrap="square" tIns="91425">
+          <a:bodyPr spcFirstLastPara="1" wrap="square" lIns="91425" tIns="91425" rIns="91425" bIns="91425" anchor="t" anchorCtr="0">
             <a:spAutoFit/>
           </a:bodyPr>
           <a:lstStyle/>
           <a:p>
-            <a:pPr indent="0" lvl="0" marL="0" rtl="0" algn="l">
+            <a:pPr marL="0" lvl="0" indent="0" algn="l" rtl="0">
               <a:lnSpc>
                 <a:spcPct val="115000"/>
               </a:lnSpc>
@@ -15307,7 +15391,7 @@
               <a:buNone/>
             </a:pPr>
             <a:r>
-              <a:rPr b="1" lang="es" sz="1200">
+              <a:rPr lang="es" sz="1200" b="1">
                 <a:solidFill>
                   <a:srgbClr val="1C4587"/>
                 </a:solidFill>
@@ -15350,12 +15434,12 @@
           </a:ln>
         </p:spPr>
         <p:txBody>
-          <a:bodyPr anchorCtr="0" anchor="t" bIns="91425" lIns="91425" spcFirstLastPara="1" rIns="91425" wrap="square" tIns="91425">
+          <a:bodyPr spcFirstLastPara="1" wrap="square" lIns="91425" tIns="91425" rIns="91425" bIns="91425" anchor="t" anchorCtr="0">
             <a:spAutoFit/>
           </a:bodyPr>
           <a:lstStyle/>
           <a:p>
-            <a:pPr indent="0" lvl="0" marL="0" rtl="0" algn="ctr">
+            <a:pPr marL="0" lvl="0" indent="0" algn="ctr" rtl="0">
               <a:spcBef>
                 <a:spcPts val="0"/>
               </a:spcBef>
@@ -15425,11 +15509,11 @@
 </file>
 
 <file path=ppt/slides/slide9.xml><?xml version="1.0" encoding="utf-8"?>
-<p:sld xmlns:a="http://schemas.openxmlformats.org/drawingml/2006/main" xmlns:r="http://schemas.openxmlformats.org/officeDocument/2006/relationships" xmlns:mc="http://schemas.openxmlformats.org/markup-compatibility/2006" xmlns:mv="urn:schemas-microsoft-com:mac:vml" xmlns:p="http://schemas.openxmlformats.org/presentationml/2006/main" xmlns:c="http://schemas.openxmlformats.org/drawingml/2006/chart" xmlns:dgm="http://schemas.openxmlformats.org/drawingml/2006/diagram" xmlns:o="urn:schemas-microsoft-com:office:office" xmlns:v="urn:schemas-microsoft-com:vml" xmlns:pvml="urn:schemas-microsoft-com:office:powerpoint" xmlns:com="http://schemas.openxmlformats.org/drawingml/2006/compatibility" xmlns:p14="http://schemas.microsoft.com/office/powerpoint/2010/main" xmlns:p15="http://schemas.microsoft.com/office/powerpoint/2012/main" xmlns:ahyp="http://schemas.microsoft.com/office/drawing/2018/hyperlinkcolor">
+<p:sld xmlns:a="http://schemas.openxmlformats.org/drawingml/2006/main" xmlns:r="http://schemas.openxmlformats.org/officeDocument/2006/relationships" xmlns:p="http://schemas.openxmlformats.org/presentationml/2006/main">
   <p:cSld>
     <p:spTree>
       <p:nvGrpSpPr>
-        <p:cNvPr id="180" name="Shape 180"/>
+        <p:cNvPr id="1" name="Shape 180"/>
         <p:cNvGrpSpPr/>
         <p:nvPr/>
       </p:nvGrpSpPr>
@@ -15489,12 +15573,12 @@
           </a:ln>
         </p:spPr>
         <p:txBody>
-          <a:bodyPr anchorCtr="0" anchor="t" bIns="91425" lIns="91425" spcFirstLastPara="1" rIns="91425" wrap="square" tIns="91425">
+          <a:bodyPr spcFirstLastPara="1" wrap="square" lIns="91425" tIns="91425" rIns="91425" bIns="91425" anchor="t" anchorCtr="0">
             <a:spAutoFit/>
           </a:bodyPr>
           <a:lstStyle/>
           <a:p>
-            <a:pPr indent="0" lvl="0" marL="0" rtl="0" algn="ctr">
+            <a:pPr marL="0" lvl="0" indent="0" algn="ctr" rtl="0">
               <a:lnSpc>
                 <a:spcPct val="115000"/>
               </a:lnSpc>
@@ -15529,7 +15613,7 @@
             </a:endParaRPr>
           </a:p>
           <a:p>
-            <a:pPr indent="0" lvl="0" marL="0" rtl="0" algn="l">
+            <a:pPr marL="0" lvl="0" indent="0" algn="l" rtl="0">
               <a:spcBef>
                 <a:spcPts val="0"/>
               </a:spcBef>
@@ -15538,9 +15622,6 @@
               </a:spcAft>
               <a:buNone/>
             </a:pPr>
-            <a:r>
-              <a:t/>
-            </a:r>
             <a:endParaRPr sz="1800">
               <a:solidFill>
                 <a:schemeClr val="dk2"/>
@@ -15558,7 +15639,7 @@
 </file>
 
 <file path=ppt/theme/theme1.xml><?xml version="1.0" encoding="utf-8"?>
-<a:theme xmlns:a="http://schemas.openxmlformats.org/drawingml/2006/main" xmlns:r="http://schemas.openxmlformats.org/officeDocument/2006/relationships" name="Simple Light">
+<a:theme xmlns:a="http://schemas.openxmlformats.org/drawingml/2006/main" name="Simple Light">
   <a:themeElements>
     <a:clrScheme name="Simple Light">
       <a:dk1>
@@ -15833,11 +15914,13 @@
       </a:bgFillStyleLst>
     </a:fmtScheme>
   </a:themeElements>
+  <a:objectDefaults/>
+  <a:extraClrSchemeLst/>
 </a:theme>
 </file>
 
 <file path=ppt/theme/theme2.xml><?xml version="1.0" encoding="utf-8"?>
-<a:theme xmlns:a="http://schemas.openxmlformats.org/drawingml/2006/main" xmlns:r="http://schemas.openxmlformats.org/officeDocument/2006/relationships">
+<a:theme xmlns:a="http://schemas.openxmlformats.org/drawingml/2006/main">
   <a:themeElements>
     <a:clrScheme name="Default">
       <a:dk1>
@@ -16112,5 +16195,7 @@
       </a:bgFillStyleLst>
     </a:fmtScheme>
   </a:themeElements>
+  <a:objectDefaults/>
+  <a:extraClrSchemeLst/>
 </a:theme>
 </file>